--- a/bse_david_kaltschmidt_flossing.pptx
+++ b/bse_david_kaltschmidt_flossing.pptx
@@ -13,9 +13,9 @@
   <p:sldIdLst>
     <p:sldId id="256" r:id="rId2"/>
     <p:sldId id="257" r:id="rId3"/>
-    <p:sldId id="259" r:id="rId4"/>
-    <p:sldId id="258" r:id="rId5"/>
-    <p:sldId id="260" r:id="rId6"/>
+    <p:sldId id="260" r:id="rId4"/>
+    <p:sldId id="259" r:id="rId5"/>
+    <p:sldId id="258" r:id="rId6"/>
     <p:sldId id="261" r:id="rId7"/>
     <p:sldId id="266" r:id="rId8"/>
     <p:sldId id="262" r:id="rId9"/>
@@ -689,7 +689,7 @@
         <p:nvSpPr>
           <p:cNvPr id="34820" name="Rectangle 4"/>
           <p:cNvSpPr>
-            <a:spLocks noChangeArrowheads="1" noTextEdit="1"/>
+            <a:spLocks noGrp="1" noRot="1" noChangeAspect="1" noChangeArrowheads="1" noTextEdit="1"/>
           </p:cNvSpPr>
           <p:nvPr>
             <p:ph type="sldImg" idx="2"/>
@@ -1164,40 +1164,141 @@
           <a:bodyPr/>
           <a:lstStyle/>
           <a:p>
+            <a:pPr marL="0" indent="0">
+              <a:buFontTx/>
+              <a:buNone/>
+            </a:pPr>
+            <a:r>
+              <a:rPr lang="en-US" b="1" dirty="0" smtClean="0"/>
+              <a:t>Warm-up</a:t>
+            </a:r>
+          </a:p>
+          <a:p>
+            <a:pPr marL="171450" indent="-171450">
+              <a:buFontTx/>
+              <a:buChar char="-"/>
+            </a:pPr>
             <a:r>
               <a:rPr lang="en-US" dirty="0" smtClean="0"/>
-              <a:t>When developing company has the option to develop something internally or reuse components</a:t>
+              <a:t>How many here are working at a company?</a:t>
+            </a:r>
+          </a:p>
+          <a:p>
+            <a:pPr marL="171450" indent="-171450">
+              <a:buFontTx/>
+              <a:buChar char="-"/>
+            </a:pPr>
+            <a:r>
+              <a:rPr lang="en-US" dirty="0" smtClean="0"/>
+              <a:t>How many are working</a:t>
             </a:r>
             <a:r>
               <a:rPr lang="en-US" baseline="0" dirty="0" smtClean="0"/>
-              <a:t> built by others.</a:t>
-            </a:r>
-          </a:p>
-          <a:p>
-            <a:endParaRPr lang="en-US" baseline="0" dirty="0" smtClean="0"/>
-          </a:p>
-          <a:p>
+              <a:t> at a company that use OSS in their products?</a:t>
+            </a:r>
+          </a:p>
+          <a:p>
+            <a:pPr marL="171450" indent="-171450">
+              <a:buFontTx/>
+              <a:buChar char="-"/>
+            </a:pPr>
             <a:r>
               <a:rPr lang="en-US" baseline="0" dirty="0" smtClean="0"/>
-              <a:t>What are the benefits?</a:t>
-            </a:r>
-          </a:p>
-          <a:p>
-            <a:endParaRPr lang="en-US" baseline="0" dirty="0" smtClean="0"/>
-          </a:p>
-          <a:p>
+              <a:t>Among those who have contributed to those projects or created new ones by making code public?</a:t>
+            </a:r>
+            <a:endParaRPr lang="en-US" dirty="0" smtClean="0"/>
+          </a:p>
+          <a:p>
+            <a:endParaRPr lang="en-US" dirty="0" smtClean="0"/>
+          </a:p>
+          <a:p>
+            <a:r>
+              <a:rPr lang="en-US" b="1" dirty="0" smtClean="0"/>
+              <a:t>Intro</a:t>
+            </a:r>
+          </a:p>
+          <a:p>
+            <a:pPr marL="171450" indent="-171450">
+              <a:buFontTx/>
+              <a:buChar char="-"/>
+            </a:pPr>
+            <a:r>
+              <a:rPr lang="en-US" dirty="0" smtClean="0"/>
+              <a:t>When </a:t>
+            </a:r>
+            <a:r>
+              <a:rPr lang="en-US" dirty="0" smtClean="0"/>
+              <a:t>developing </a:t>
+            </a:r>
+            <a:r>
+              <a:rPr lang="en-US" dirty="0" smtClean="0"/>
+              <a:t>a product</a:t>
+            </a:r>
             <a:r>
               <a:rPr lang="en-US" baseline="0" dirty="0" smtClean="0"/>
-              <a:t>What do you need to be aware of?</a:t>
-            </a:r>
-          </a:p>
-          <a:p>
-            <a:endParaRPr lang="en-US" baseline="0" dirty="0" smtClean="0"/>
-          </a:p>
-          <a:p>
+              <a:t>, a </a:t>
+            </a:r>
+            <a:r>
+              <a:rPr lang="en-US" dirty="0" smtClean="0"/>
+              <a:t>company </a:t>
+            </a:r>
+            <a:r>
+              <a:rPr lang="en-US" dirty="0" smtClean="0"/>
+              <a:t>has </a:t>
+            </a:r>
+            <a:r>
+              <a:rPr lang="en-US" dirty="0" smtClean="0"/>
+              <a:t>a choice.</a:t>
+            </a:r>
+          </a:p>
+          <a:p>
+            <a:pPr marL="171450" indent="-171450">
+              <a:buFontTx/>
+              <a:buChar char="-"/>
+            </a:pPr>
+            <a:r>
+              <a:rPr lang="en-US" dirty="0" smtClean="0"/>
+              <a:t>Either to </a:t>
+            </a:r>
+            <a:r>
+              <a:rPr lang="en-US" dirty="0" smtClean="0"/>
+              <a:t>develop </a:t>
+            </a:r>
+            <a:r>
+              <a:rPr lang="en-US" dirty="0" smtClean="0"/>
+              <a:t>all components internally </a:t>
+            </a:r>
+            <a:r>
+              <a:rPr lang="en-US" dirty="0" smtClean="0"/>
+              <a:t>or reuse components</a:t>
+            </a:r>
             <a:r>
               <a:rPr lang="en-US" baseline="0" dirty="0" smtClean="0"/>
-              <a:t>How can obstacles be overcome?</a:t>
+              <a:t> built by </a:t>
+            </a:r>
+            <a:r>
+              <a:rPr lang="en-US" baseline="0" dirty="0" smtClean="0"/>
+              <a:t>others</a:t>
+            </a:r>
+          </a:p>
+          <a:p>
+            <a:pPr marL="171450" indent="-171450">
+              <a:buFontTx/>
+              <a:buChar char="-"/>
+            </a:pPr>
+            <a:r>
+              <a:rPr lang="en-US" baseline="0" dirty="0" smtClean="0"/>
+              <a:t>Others can be another company or open source projects</a:t>
+            </a:r>
+          </a:p>
+          <a:p>
+            <a:pPr marL="171450" indent="-171450">
+              <a:buFontTx/>
+              <a:buChar char="-"/>
+            </a:pPr>
+            <a:r>
+              <a:rPr lang="en-US" baseline="0" dirty="0" smtClean="0"/>
+              <a:t>You can just reuse these OSS components or start contributing or even start own projects</a:t>
             </a:r>
           </a:p>
         </p:txBody>
@@ -1284,24 +1385,395 @@
           <a:lstStyle/>
           <a:p>
             <a:r>
-              <a:rPr lang="en-US" dirty="0" err="1" smtClean="0"/>
-              <a:t>Copyleft</a:t>
-            </a:r>
-            <a:r>
               <a:rPr lang="en-US" dirty="0" smtClean="0"/>
-              <a:t>: </a:t>
-            </a:r>
+              <a:t>Do</a:t>
+            </a:r>
+            <a:r>
+              <a:rPr lang="en-US" baseline="0" dirty="0" smtClean="0"/>
+              <a:t> other companies do the same? </a:t>
+            </a:r>
+          </a:p>
+          <a:p>
+            <a:r>
+              <a:rPr lang="en-US" baseline="0" dirty="0" smtClean="0"/>
+              <a:t>What are conditions for openness? </a:t>
+            </a:r>
+          </a:p>
+          <a:p>
+            <a:r>
+              <a:rPr lang="en-US" baseline="0" dirty="0" smtClean="0"/>
+              <a:t>Can I apply this in my company?</a:t>
+            </a:r>
+            <a:endParaRPr lang="en-US" dirty="0" smtClean="0"/>
+          </a:p>
+          <a:p>
+            <a:endParaRPr lang="en-US" dirty="0" smtClean="0"/>
+          </a:p>
+          <a:p>
+            <a:r>
+              <a:rPr lang="en-US" b="1" dirty="0" smtClean="0"/>
+              <a:t>Survey</a:t>
+            </a:r>
+            <a:r>
+              <a:rPr lang="en-US" b="1" baseline="0" dirty="0" smtClean="0"/>
+              <a:t> </a:t>
+            </a:r>
+            <a:r>
+              <a:rPr lang="en-US" b="1" baseline="0" dirty="0" smtClean="0"/>
+              <a:t>of embedded Linux </a:t>
+            </a:r>
+            <a:r>
+              <a:rPr lang="en-US" b="1" baseline="0" dirty="0" smtClean="0"/>
+              <a:t>developers</a:t>
+            </a:r>
+            <a:endParaRPr kumimoji="1" lang="en-US" sz="1200" b="1" kern="1200" dirty="0" smtClean="0">
+              <a:solidFill>
+                <a:schemeClr val="tx1"/>
+              </a:solidFill>
+              <a:effectLst/>
+              <a:latin typeface="Verdana" charset="0"/>
+              <a:ea typeface="ＭＳ Ｐゴシック" charset="0"/>
+              <a:cs typeface="+mn-cs"/>
+            </a:endParaRPr>
+          </a:p>
+          <a:p>
+            <a:pPr marL="171450" marR="0" indent="-171450" algn="l" defTabSz="914400" rtl="0" eaLnBrk="1" fontAlgn="base" latinLnBrk="0" hangingPunct="1">
+              <a:lnSpc>
+                <a:spcPct val="100000"/>
+              </a:lnSpc>
+              <a:spcBef>
+                <a:spcPct val="30000"/>
+              </a:spcBef>
+              <a:spcAft>
+                <a:spcPct val="0"/>
+              </a:spcAft>
+              <a:buClrTx/>
+              <a:buSzTx/>
+              <a:buFontTx/>
+              <a:buChar char="-"/>
+              <a:tabLst/>
+              <a:defRPr/>
+            </a:pPr>
             <a:r>
               <a:rPr kumimoji="1" lang="en-US" sz="1200" kern="1200" dirty="0" smtClean="0">
                 <a:solidFill>
                   <a:schemeClr val="tx1"/>
                 </a:solidFill>
-                <a:latin typeface="Verdana" charset="0"/>
-                <a:ea typeface="ＭＳ Ｐゴシック" charset="0"/>
-                <a:cs typeface="+mn-cs"/>
-              </a:rPr>
-              <a:t>all derivative works be distributed under the terms of the same license</a:t>
-            </a:r>
+                <a:effectLst/>
+                <a:latin typeface="Verdana" charset="0"/>
+                <a:ea typeface="ＭＳ Ｐゴシック" charset="0"/>
+                <a:cs typeface="+mn-cs"/>
+              </a:rPr>
+              <a:t>one </a:t>
+            </a:r>
+            <a:r>
+              <a:rPr kumimoji="1" lang="en-US" sz="1200" kern="1200" dirty="0" smtClean="0">
+                <a:solidFill>
+                  <a:schemeClr val="tx1"/>
+                </a:solidFill>
+                <a:effectLst/>
+                <a:latin typeface="Verdana" charset="0"/>
+                <a:ea typeface="ＭＳ Ｐゴシック" charset="0"/>
+                <a:cs typeface="+mn-cs"/>
+              </a:rPr>
+              <a:t>of three most widely used operating systems for embedded devices ranging from VCRs to mobile phones</a:t>
+            </a:r>
+          </a:p>
+          <a:p>
+            <a:pPr marL="171450" marR="0" indent="-171450" algn="l" defTabSz="914400" rtl="0" eaLnBrk="1" fontAlgn="base" latinLnBrk="0" hangingPunct="1">
+              <a:lnSpc>
+                <a:spcPct val="100000"/>
+              </a:lnSpc>
+              <a:spcBef>
+                <a:spcPct val="30000"/>
+              </a:spcBef>
+              <a:spcAft>
+                <a:spcPct val="0"/>
+              </a:spcAft>
+              <a:buClrTx/>
+              <a:buSzTx/>
+              <a:buFontTx/>
+              <a:buChar char="-"/>
+              <a:tabLst/>
+              <a:defRPr/>
+            </a:pPr>
+            <a:r>
+              <a:rPr kumimoji="1" lang="en-US" sz="1200" kern="1200" dirty="0" smtClean="0">
+                <a:solidFill>
+                  <a:schemeClr val="tx1"/>
+                </a:solidFill>
+                <a:effectLst/>
+                <a:latin typeface="Verdana" charset="0"/>
+                <a:ea typeface="ＭＳ Ｐゴシック" charset="0"/>
+                <a:cs typeface="+mn-cs"/>
+              </a:rPr>
+              <a:t>device types are so different from one to another that no standard version of embedded Linux exists</a:t>
+            </a:r>
+          </a:p>
+          <a:p>
+            <a:pPr marL="171450" marR="0" indent="-171450" algn="l" defTabSz="914400" rtl="0" eaLnBrk="1" fontAlgn="base" latinLnBrk="0" hangingPunct="1">
+              <a:lnSpc>
+                <a:spcPct val="100000"/>
+              </a:lnSpc>
+              <a:spcBef>
+                <a:spcPct val="30000"/>
+              </a:spcBef>
+              <a:spcAft>
+                <a:spcPct val="0"/>
+              </a:spcAft>
+              <a:buClrTx/>
+              <a:buSzTx/>
+              <a:buFontTx/>
+              <a:buChar char="-"/>
+              <a:tabLst/>
+              <a:defRPr/>
+            </a:pPr>
+            <a:r>
+              <a:rPr kumimoji="1" lang="en-US" sz="1200" kern="1200" dirty="0" smtClean="0">
+                <a:solidFill>
+                  <a:schemeClr val="tx1"/>
+                </a:solidFill>
+                <a:effectLst/>
+                <a:latin typeface="Verdana" charset="0"/>
+                <a:ea typeface="ＭＳ Ｐゴシック" charset="0"/>
+                <a:cs typeface="+mn-cs"/>
+              </a:rPr>
+              <a:t>Instead, developing for embedded Linux refers to the activity of extending or writing modules that make Linux more suitable for the respective device type. </a:t>
+            </a:r>
+            <a:endParaRPr kumimoji="1" lang="en-US" sz="1200" kern="1200" dirty="0" smtClean="0">
+              <a:solidFill>
+                <a:schemeClr val="tx1"/>
+              </a:solidFill>
+              <a:effectLst/>
+              <a:latin typeface="Verdana" charset="0"/>
+              <a:ea typeface="ＭＳ Ｐゴシック" charset="0"/>
+              <a:cs typeface="+mn-cs"/>
+            </a:endParaRPr>
+          </a:p>
+          <a:p>
+            <a:pPr marL="171450" marR="0" indent="-171450" algn="l" defTabSz="914400" rtl="0" eaLnBrk="1" fontAlgn="base" latinLnBrk="0" hangingPunct="1">
+              <a:lnSpc>
+                <a:spcPct val="100000"/>
+              </a:lnSpc>
+              <a:spcBef>
+                <a:spcPct val="30000"/>
+              </a:spcBef>
+              <a:spcAft>
+                <a:spcPct val="0"/>
+              </a:spcAft>
+              <a:buClrTx/>
+              <a:buSzTx/>
+              <a:buFontTx/>
+              <a:buChar char="-"/>
+              <a:tabLst/>
+              <a:defRPr/>
+            </a:pPr>
+            <a:endParaRPr kumimoji="1" lang="en-US" sz="1200" kern="1200" dirty="0" smtClean="0">
+              <a:solidFill>
+                <a:schemeClr val="tx1"/>
+              </a:solidFill>
+              <a:effectLst/>
+              <a:latin typeface="Verdana" charset="0"/>
+              <a:ea typeface="ＭＳ Ｐゴシック" charset="0"/>
+              <a:cs typeface="+mn-cs"/>
+            </a:endParaRPr>
+          </a:p>
+          <a:p>
+            <a:pPr marL="0" marR="0" indent="0" algn="l" defTabSz="914400" rtl="0" eaLnBrk="1" fontAlgn="base" latinLnBrk="0" hangingPunct="1">
+              <a:lnSpc>
+                <a:spcPct val="100000"/>
+              </a:lnSpc>
+              <a:spcBef>
+                <a:spcPct val="30000"/>
+              </a:spcBef>
+              <a:spcAft>
+                <a:spcPct val="0"/>
+              </a:spcAft>
+              <a:buClrTx/>
+              <a:buSzTx/>
+              <a:buFontTx/>
+              <a:buNone/>
+              <a:tabLst/>
+              <a:defRPr/>
+            </a:pPr>
+            <a:r>
+              <a:rPr kumimoji="1" lang="en-US" sz="1200" b="1" kern="1200" dirty="0" smtClean="0">
+                <a:solidFill>
+                  <a:schemeClr val="tx1"/>
+                </a:solidFill>
+                <a:effectLst/>
+                <a:latin typeface="Verdana" charset="0"/>
+                <a:ea typeface="ＭＳ Ｐゴシック" charset="0"/>
+                <a:cs typeface="+mn-cs"/>
+              </a:rPr>
+              <a:t>Main questions</a:t>
+            </a:r>
+          </a:p>
+          <a:p>
+            <a:pPr marL="171450" marR="0" indent="-171450" algn="l" defTabSz="914400" rtl="0" eaLnBrk="1" fontAlgn="base" latinLnBrk="0" hangingPunct="1">
+              <a:lnSpc>
+                <a:spcPct val="100000"/>
+              </a:lnSpc>
+              <a:spcBef>
+                <a:spcPct val="30000"/>
+              </a:spcBef>
+              <a:spcAft>
+                <a:spcPct val="0"/>
+              </a:spcAft>
+              <a:buClrTx/>
+              <a:buSzTx/>
+              <a:buFontTx/>
+              <a:buChar char="-"/>
+              <a:tabLst/>
+              <a:defRPr/>
+            </a:pPr>
+            <a:r>
+              <a:rPr kumimoji="1" lang="en-US" sz="1200" kern="1200" dirty="0" smtClean="0">
+                <a:solidFill>
+                  <a:schemeClr val="tx1"/>
+                </a:solidFill>
+                <a:effectLst/>
+                <a:latin typeface="Verdana" charset="0"/>
+                <a:ea typeface="ＭＳ Ｐゴシック" charset="0"/>
+                <a:cs typeface="+mn-cs"/>
+              </a:rPr>
+              <a:t>We</a:t>
+            </a:r>
+            <a:r>
+              <a:rPr kumimoji="1" lang="en-US" sz="1200" kern="1200" baseline="0" dirty="0" smtClean="0">
+                <a:solidFill>
+                  <a:schemeClr val="tx1"/>
+                </a:solidFill>
+                <a:effectLst/>
+                <a:latin typeface="Verdana" charset="0"/>
+                <a:ea typeface="ＭＳ Ｐゴシック" charset="0"/>
+                <a:cs typeface="+mn-cs"/>
+              </a:rPr>
+              <a:t>’ll find out that a lot of times, openness is forced by a license</a:t>
+            </a:r>
+          </a:p>
+          <a:p>
+            <a:pPr marL="171450" marR="0" indent="-171450" algn="l" defTabSz="914400" rtl="0" eaLnBrk="1" fontAlgn="base" latinLnBrk="0" hangingPunct="1">
+              <a:lnSpc>
+                <a:spcPct val="100000"/>
+              </a:lnSpc>
+              <a:spcBef>
+                <a:spcPct val="30000"/>
+              </a:spcBef>
+              <a:spcAft>
+                <a:spcPct val="0"/>
+              </a:spcAft>
+              <a:buClrTx/>
+              <a:buSzTx/>
+              <a:buFontTx/>
+              <a:buChar char="-"/>
+              <a:tabLst/>
+              <a:defRPr/>
+            </a:pPr>
+            <a:r>
+              <a:rPr kumimoji="1" lang="en-US" sz="1200" kern="1200" baseline="0" dirty="0" smtClean="0">
+                <a:solidFill>
+                  <a:schemeClr val="tx1"/>
+                </a:solidFill>
+                <a:effectLst/>
+                <a:latin typeface="Verdana" charset="0"/>
+                <a:ea typeface="ＭＳ Ｐゴシック" charset="0"/>
+                <a:cs typeface="+mn-cs"/>
+              </a:rPr>
+              <a:t>But what are the reasons for voluntary openness?</a:t>
+            </a:r>
+          </a:p>
+          <a:p>
+            <a:pPr marL="171450" marR="0" indent="-171450" algn="l" defTabSz="914400" rtl="0" eaLnBrk="1" fontAlgn="base" latinLnBrk="0" hangingPunct="1">
+              <a:lnSpc>
+                <a:spcPct val="100000"/>
+              </a:lnSpc>
+              <a:spcBef>
+                <a:spcPct val="30000"/>
+              </a:spcBef>
+              <a:spcAft>
+                <a:spcPct val="0"/>
+              </a:spcAft>
+              <a:buClrTx/>
+              <a:buSzTx/>
+              <a:buFontTx/>
+              <a:buChar char="-"/>
+              <a:tabLst/>
+              <a:defRPr/>
+            </a:pPr>
+            <a:r>
+              <a:rPr kumimoji="1" lang="en-US" sz="1200" kern="1200" baseline="0" dirty="0" smtClean="0">
+                <a:solidFill>
+                  <a:schemeClr val="tx1"/>
+                </a:solidFill>
+                <a:effectLst/>
+                <a:latin typeface="Verdana" charset="0"/>
+                <a:ea typeface="ＭＳ Ｐゴシック" charset="0"/>
+                <a:cs typeface="+mn-cs"/>
+              </a:rPr>
+              <a:t>Before diving looking at the results on how much code is being shared? What kind of code?</a:t>
+            </a:r>
+          </a:p>
+          <a:p>
+            <a:pPr marL="0" marR="0" indent="0" algn="l" defTabSz="914400" rtl="0" eaLnBrk="1" fontAlgn="base" latinLnBrk="0" hangingPunct="1">
+              <a:lnSpc>
+                <a:spcPct val="100000"/>
+              </a:lnSpc>
+              <a:spcBef>
+                <a:spcPct val="30000"/>
+              </a:spcBef>
+              <a:spcAft>
+                <a:spcPct val="0"/>
+              </a:spcAft>
+              <a:buClrTx/>
+              <a:buSzTx/>
+              <a:buFontTx/>
+              <a:buNone/>
+              <a:tabLst/>
+              <a:defRPr/>
+            </a:pPr>
+            <a:endParaRPr kumimoji="1" lang="en-US" sz="1200" kern="1200" baseline="0" dirty="0" smtClean="0">
+              <a:solidFill>
+                <a:schemeClr val="tx1"/>
+              </a:solidFill>
+              <a:effectLst/>
+              <a:latin typeface="Verdana" charset="0"/>
+              <a:ea typeface="ＭＳ Ｐゴシック" charset="0"/>
+              <a:cs typeface="+mn-cs"/>
+            </a:endParaRPr>
+          </a:p>
+          <a:p>
+            <a:pPr marL="0" marR="0" indent="0" algn="l" defTabSz="914400" rtl="0" eaLnBrk="1" fontAlgn="base" latinLnBrk="0" hangingPunct="1">
+              <a:lnSpc>
+                <a:spcPct val="100000"/>
+              </a:lnSpc>
+              <a:spcBef>
+                <a:spcPct val="30000"/>
+              </a:spcBef>
+              <a:spcAft>
+                <a:spcPct val="0"/>
+              </a:spcAft>
+              <a:buClrTx/>
+              <a:buSzTx/>
+              <a:buFontTx/>
+              <a:buNone/>
+              <a:tabLst/>
+              <a:defRPr/>
+            </a:pPr>
+            <a:r>
+              <a:rPr kumimoji="1" lang="en-US" sz="1200" kern="1200" baseline="0" dirty="0" smtClean="0">
+                <a:solidFill>
+                  <a:schemeClr val="tx1"/>
+                </a:solidFill>
+                <a:effectLst/>
+                <a:latin typeface="Verdana" charset="0"/>
+                <a:ea typeface="ＭＳ Ｐゴシック" charset="0"/>
+                <a:cs typeface="+mn-cs"/>
+              </a:rPr>
+              <a:t>Lets look at some open source licenses…</a:t>
+            </a:r>
+          </a:p>
+          <a:p>
             <a:endParaRPr lang="en-US" dirty="0"/>
           </a:p>
         </p:txBody>
@@ -1324,7 +1796,7 @@
             <a:fld id="{36C0F4B3-324B-184C-B7D7-B71343ED7D26}" type="slidenum">
               <a:rPr lang="de-DE" smtClean="0"/>
               <a:pPr/>
-              <a:t>11</a:t>
+              <a:t>10</a:t>
             </a:fld>
             <a:endParaRPr lang="de-DE"/>
           </a:p>
@@ -1333,7 +1805,7 @@
     </p:spTree>
     <p:extLst>
       <p:ext uri="{BB962C8B-B14F-4D97-AF65-F5344CB8AC3E}">
-        <p14:creationId xmlns:p14="http://schemas.microsoft.com/office/powerpoint/2010/main" val="573993101"/>
+        <p14:creationId xmlns:p14="http://schemas.microsoft.com/office/powerpoint/2010/main" val="416901091"/>
       </p:ext>
     </p:extLst>
   </p:cSld>
@@ -1387,6 +1859,348 @@
           <a:bodyPr/>
           <a:lstStyle/>
           <a:p>
+            <a:r>
+              <a:rPr lang="en-US" dirty="0" smtClean="0"/>
+              <a:t>Licenses govern </a:t>
+            </a:r>
+            <a:r>
+              <a:rPr kumimoji="1" lang="en-US" sz="1200" kern="1200" dirty="0" smtClean="0">
+                <a:solidFill>
+                  <a:schemeClr val="tx1"/>
+                </a:solidFill>
+                <a:latin typeface="Verdana" charset="0"/>
+                <a:ea typeface="ＭＳ Ｐゴシック" charset="0"/>
+                <a:cs typeface="+mn-cs"/>
+              </a:rPr>
+              <a:t>the usage or redistribution of software.</a:t>
+            </a:r>
+          </a:p>
+          <a:p>
+            <a:pPr marL="171450" indent="-171450">
+              <a:buFontTx/>
+              <a:buChar char="-"/>
+            </a:pPr>
+            <a:endParaRPr lang="en-US" dirty="0" smtClean="0"/>
+          </a:p>
+          <a:p>
+            <a:pPr marL="171450" indent="-171450">
+              <a:buFontTx/>
+              <a:buChar char="-"/>
+            </a:pPr>
+            <a:r>
+              <a:rPr lang="en-US" dirty="0" smtClean="0"/>
+              <a:t>Free software license </a:t>
+            </a:r>
+            <a:r>
+              <a:rPr kumimoji="1" lang="en-US" sz="1200" kern="1200" dirty="0" smtClean="0">
+                <a:solidFill>
+                  <a:schemeClr val="tx1"/>
+                </a:solidFill>
+                <a:latin typeface="Verdana" charset="0"/>
+                <a:ea typeface="ＭＳ Ｐゴシック" charset="0"/>
+                <a:cs typeface="+mn-cs"/>
+              </a:rPr>
+              <a:t>grants recipients rights to modify and redistribute the software</a:t>
+            </a:r>
+          </a:p>
+          <a:p>
+            <a:pPr marL="171450" indent="-171450">
+              <a:buFontTx/>
+              <a:buChar char="-"/>
+            </a:pPr>
+            <a:r>
+              <a:rPr kumimoji="1" lang="en-US" sz="1200" kern="1200" dirty="0" smtClean="0">
+                <a:solidFill>
+                  <a:schemeClr val="tx1"/>
+                </a:solidFill>
+                <a:latin typeface="Verdana" charset="0"/>
+                <a:ea typeface="ＭＳ Ｐゴシック" charset="0"/>
+                <a:cs typeface="+mn-cs"/>
+              </a:rPr>
+              <a:t>GPL: recipients of software have right</a:t>
+            </a:r>
+            <a:r>
+              <a:rPr kumimoji="1" lang="en-US" sz="1200" kern="1200" baseline="0" dirty="0" smtClean="0">
+                <a:solidFill>
+                  <a:schemeClr val="tx1"/>
+                </a:solidFill>
+                <a:latin typeface="Verdana" charset="0"/>
+                <a:ea typeface="ＭＳ Ｐゴシック" charset="0"/>
+                <a:cs typeface="+mn-cs"/>
+              </a:rPr>
+              <a:t> to request the source code</a:t>
+            </a:r>
+            <a:endParaRPr kumimoji="1" lang="en-US" sz="1200" kern="1200" dirty="0" smtClean="0">
+              <a:solidFill>
+                <a:schemeClr val="tx1"/>
+              </a:solidFill>
+              <a:latin typeface="Verdana" charset="0"/>
+              <a:ea typeface="ＭＳ Ｐゴシック" charset="0"/>
+              <a:cs typeface="+mn-cs"/>
+            </a:endParaRPr>
+          </a:p>
+          <a:p>
+            <a:pPr marL="171450" indent="-171450">
+              <a:buFontTx/>
+              <a:buChar char="-"/>
+            </a:pPr>
+            <a:r>
+              <a:rPr lang="en-US" dirty="0" err="1" smtClean="0"/>
+              <a:t>Copyleft</a:t>
+            </a:r>
+            <a:r>
+              <a:rPr lang="en-US" dirty="0" smtClean="0"/>
+              <a:t>: </a:t>
+            </a:r>
+            <a:r>
+              <a:rPr kumimoji="1" lang="en-US" sz="1200" kern="1200" dirty="0" smtClean="0">
+                <a:solidFill>
+                  <a:schemeClr val="tx1"/>
+                </a:solidFill>
+                <a:latin typeface="Verdana" charset="0"/>
+                <a:ea typeface="ＭＳ Ｐゴシック" charset="0"/>
+                <a:cs typeface="+mn-cs"/>
+              </a:rPr>
+              <a:t>all derivative works be distributed under the terms of the same </a:t>
+            </a:r>
+            <a:r>
+              <a:rPr kumimoji="1" lang="en-US" sz="1200" kern="1200" dirty="0" smtClean="0">
+                <a:solidFill>
+                  <a:schemeClr val="tx1"/>
+                </a:solidFill>
+                <a:latin typeface="Verdana" charset="0"/>
+                <a:ea typeface="ＭＳ Ｐゴシック" charset="0"/>
+                <a:cs typeface="+mn-cs"/>
+              </a:rPr>
+              <a:t>license</a:t>
+            </a:r>
+          </a:p>
+          <a:p>
+            <a:pPr marL="171450" indent="-171450">
+              <a:buFontTx/>
+              <a:buChar char="-"/>
+            </a:pPr>
+            <a:r>
+              <a:rPr kumimoji="1" lang="en-US" sz="1200" kern="1200" dirty="0" smtClean="0">
+                <a:solidFill>
+                  <a:schemeClr val="tx1"/>
+                </a:solidFill>
+                <a:latin typeface="Verdana" charset="0"/>
+                <a:ea typeface="ＭＳ Ｐゴシック" charset="0"/>
+                <a:cs typeface="+mn-cs"/>
+              </a:rPr>
+              <a:t>Linking to a </a:t>
+            </a:r>
+            <a:r>
+              <a:rPr kumimoji="1" lang="en-US" sz="1200" kern="1200" dirty="0" err="1" smtClean="0">
+                <a:solidFill>
+                  <a:schemeClr val="tx1"/>
+                </a:solidFill>
+                <a:latin typeface="Verdana" charset="0"/>
+                <a:ea typeface="ＭＳ Ｐゴシック" charset="0"/>
+                <a:cs typeface="+mn-cs"/>
+              </a:rPr>
+              <a:t>GPL’ed</a:t>
+            </a:r>
+            <a:r>
+              <a:rPr kumimoji="1" lang="en-US" sz="1200" kern="1200" dirty="0" smtClean="0">
+                <a:solidFill>
+                  <a:schemeClr val="tx1"/>
+                </a:solidFill>
+                <a:latin typeface="Verdana" charset="0"/>
+                <a:ea typeface="ＭＳ Ｐゴシック" charset="0"/>
+                <a:cs typeface="+mn-cs"/>
+              </a:rPr>
+              <a:t> library makes whole software GPL</a:t>
+            </a:r>
+          </a:p>
+          <a:p>
+            <a:pPr marL="171450" indent="-171450">
+              <a:buFontTx/>
+              <a:buChar char="-"/>
+            </a:pPr>
+            <a:r>
+              <a:rPr kumimoji="1" lang="en-US" sz="1200" kern="1200" dirty="0" smtClean="0">
+                <a:solidFill>
+                  <a:schemeClr val="tx1"/>
+                </a:solidFill>
+                <a:latin typeface="Verdana" charset="0"/>
+                <a:ea typeface="ＭＳ Ｐゴシック" charset="0"/>
+                <a:cs typeface="+mn-cs"/>
+              </a:rPr>
+              <a:t>LGPL</a:t>
+            </a:r>
+            <a:r>
+              <a:rPr kumimoji="1" lang="en-US" sz="1200" kern="1200" baseline="0" dirty="0" smtClean="0">
+                <a:solidFill>
+                  <a:schemeClr val="tx1"/>
+                </a:solidFill>
+                <a:latin typeface="Verdana" charset="0"/>
+                <a:ea typeface="ＭＳ Ｐゴシック" charset="0"/>
+                <a:cs typeface="+mn-cs"/>
+              </a:rPr>
+              <a:t> addresses this issue, </a:t>
+            </a:r>
+            <a:r>
+              <a:rPr kumimoji="1" lang="en-US" sz="1200" kern="1200" baseline="0" dirty="0" err="1" smtClean="0">
+                <a:solidFill>
+                  <a:schemeClr val="tx1"/>
+                </a:solidFill>
+                <a:latin typeface="Verdana" charset="0"/>
+                <a:ea typeface="ＭＳ Ｐゴシック" charset="0"/>
+                <a:cs typeface="+mn-cs"/>
+              </a:rPr>
+              <a:t>copyleft</a:t>
+            </a:r>
+            <a:r>
+              <a:rPr kumimoji="1" lang="en-US" sz="1200" kern="1200" baseline="0" dirty="0" smtClean="0">
+                <a:solidFill>
+                  <a:schemeClr val="tx1"/>
+                </a:solidFill>
+                <a:latin typeface="Verdana" charset="0"/>
+                <a:ea typeface="ＭＳ Ｐゴシック" charset="0"/>
+                <a:cs typeface="+mn-cs"/>
+              </a:rPr>
+              <a:t> clause only applies to the library itself</a:t>
+            </a:r>
+          </a:p>
+          <a:p>
+            <a:pPr marL="171450" indent="-171450">
+              <a:buFontTx/>
+              <a:buChar char="-"/>
+            </a:pPr>
+            <a:r>
+              <a:rPr kumimoji="1" lang="en-US" sz="1200" kern="1200" baseline="0" dirty="0" smtClean="0">
+                <a:solidFill>
+                  <a:schemeClr val="tx1"/>
+                </a:solidFill>
+                <a:latin typeface="Verdana" charset="0"/>
+                <a:ea typeface="ＭＳ Ｐゴシック" charset="0"/>
+                <a:cs typeface="+mn-cs"/>
+              </a:rPr>
+              <a:t>Apache Software License is more permissive, no </a:t>
+            </a:r>
+            <a:r>
+              <a:rPr kumimoji="1" lang="en-US" sz="1200" kern="1200" baseline="0" dirty="0" err="1" smtClean="0">
+                <a:solidFill>
+                  <a:schemeClr val="tx1"/>
+                </a:solidFill>
+                <a:latin typeface="Verdana" charset="0"/>
+                <a:ea typeface="ＭＳ Ｐゴシック" charset="0"/>
+                <a:cs typeface="+mn-cs"/>
+              </a:rPr>
+              <a:t>copyleft</a:t>
+            </a:r>
+            <a:r>
+              <a:rPr kumimoji="1" lang="en-US" sz="1200" kern="1200" baseline="0" dirty="0" smtClean="0">
+                <a:solidFill>
+                  <a:schemeClr val="tx1"/>
+                </a:solidFill>
+                <a:latin typeface="Verdana" charset="0"/>
+                <a:ea typeface="ＭＳ Ｐゴシック" charset="0"/>
+                <a:cs typeface="+mn-cs"/>
+              </a:rPr>
+              <a:t>, but you have to keep track of the modifications to the original source</a:t>
+            </a:r>
+          </a:p>
+          <a:p>
+            <a:pPr marL="171450" indent="-171450">
+              <a:buFontTx/>
+              <a:buChar char="-"/>
+            </a:pPr>
+            <a:r>
+              <a:rPr kumimoji="1" lang="en-US" sz="1200" kern="1200" baseline="0" dirty="0" smtClean="0">
+                <a:solidFill>
+                  <a:schemeClr val="tx1"/>
+                </a:solidFill>
+                <a:latin typeface="Verdana" charset="0"/>
+                <a:ea typeface="ＭＳ Ｐゴシック" charset="0"/>
+                <a:cs typeface="+mn-cs"/>
+              </a:rPr>
+              <a:t>MIT and BSD have no </a:t>
+            </a:r>
+            <a:r>
+              <a:rPr kumimoji="1" lang="en-US" sz="1200" kern="1200" baseline="0" dirty="0" err="1" smtClean="0">
+                <a:solidFill>
+                  <a:schemeClr val="tx1"/>
+                </a:solidFill>
+                <a:latin typeface="Verdana" charset="0"/>
+                <a:ea typeface="ＭＳ Ｐゴシック" charset="0"/>
+                <a:cs typeface="+mn-cs"/>
+              </a:rPr>
+              <a:t>copyleft</a:t>
+            </a:r>
+            <a:r>
+              <a:rPr kumimoji="1" lang="en-US" sz="1200" kern="1200" baseline="0" dirty="0" smtClean="0">
+                <a:solidFill>
+                  <a:schemeClr val="tx1"/>
+                </a:solidFill>
+                <a:latin typeface="Verdana" charset="0"/>
+                <a:ea typeface="ＭＳ Ｐゴシック" charset="0"/>
+                <a:cs typeface="+mn-cs"/>
+              </a:rPr>
+              <a:t> and no other requirement than a disclaimer in the final product that the software is included </a:t>
+            </a:r>
+          </a:p>
+          <a:p>
+            <a:r>
+              <a:rPr kumimoji="1" lang="en-US" sz="1200" kern="1200" baseline="0" dirty="0" smtClean="0">
+                <a:solidFill>
+                  <a:schemeClr val="tx1"/>
+                </a:solidFill>
+                <a:latin typeface="Verdana" charset="0"/>
+                <a:ea typeface="ＭＳ Ｐゴシック" charset="0"/>
+                <a:cs typeface="+mn-cs"/>
+              </a:rPr>
+              <a:t>	“</a:t>
+            </a:r>
+            <a:r>
+              <a:rPr kumimoji="1" lang="en-US" sz="1200" kern="1200" dirty="0" smtClean="0">
+                <a:solidFill>
+                  <a:schemeClr val="tx1"/>
+                </a:solidFill>
+                <a:latin typeface="Verdana" charset="0"/>
+                <a:ea typeface="ＭＳ Ｐゴシック" charset="0"/>
+                <a:cs typeface="+mn-cs"/>
+              </a:rPr>
+              <a:t>Redistributions in binary form must reproduce the above copyright</a:t>
+            </a:r>
+            <a:r>
+              <a:rPr kumimoji="1" lang="en-US" sz="1200" kern="1200" baseline="0" dirty="0" smtClean="0">
+                <a:solidFill>
+                  <a:schemeClr val="tx1"/>
+                </a:solidFill>
+                <a:latin typeface="Verdana" charset="0"/>
+                <a:ea typeface="ＭＳ Ｐゴシック" charset="0"/>
+                <a:cs typeface="+mn-cs"/>
+              </a:rPr>
+              <a:t> </a:t>
+            </a:r>
+            <a:r>
+              <a:rPr kumimoji="1" lang="en-US" sz="1200" kern="1200" dirty="0" smtClean="0">
+                <a:solidFill>
+                  <a:schemeClr val="tx1"/>
+                </a:solidFill>
+                <a:latin typeface="Verdana" charset="0"/>
+                <a:ea typeface="ＭＳ Ｐゴシック" charset="0"/>
+                <a:cs typeface="+mn-cs"/>
+              </a:rPr>
+              <a:t>notice”</a:t>
+            </a:r>
+            <a:endParaRPr kumimoji="1" lang="en-US" sz="1200" kern="1200" baseline="0" dirty="0" smtClean="0">
+              <a:solidFill>
+                <a:schemeClr val="tx1"/>
+              </a:solidFill>
+              <a:latin typeface="Verdana" charset="0"/>
+              <a:ea typeface="ＭＳ Ｐゴシック" charset="0"/>
+              <a:cs typeface="+mn-cs"/>
+            </a:endParaRPr>
+          </a:p>
+          <a:p>
+            <a:pPr marL="171450" indent="-171450">
+              <a:buFontTx/>
+              <a:buChar char="-"/>
+            </a:pPr>
             <a:endParaRPr lang="en-US" dirty="0"/>
           </a:p>
         </p:txBody>
@@ -1409,7 +2223,7 @@
             <a:fld id="{36C0F4B3-324B-184C-B7D7-B71343ED7D26}" type="slidenum">
               <a:rPr lang="de-DE" smtClean="0"/>
               <a:pPr/>
-              <a:t>14</a:t>
+              <a:t>11</a:t>
             </a:fld>
             <a:endParaRPr lang="de-DE"/>
           </a:p>
@@ -1418,7 +2232,7 @@
     </p:spTree>
     <p:extLst>
       <p:ext uri="{BB962C8B-B14F-4D97-AF65-F5344CB8AC3E}">
-        <p14:creationId xmlns:p14="http://schemas.microsoft.com/office/powerpoint/2010/main" val="123309631"/>
+        <p14:creationId xmlns:p14="http://schemas.microsoft.com/office/powerpoint/2010/main" val="573993101"/>
       </p:ext>
     </p:extLst>
   </p:cSld>
@@ -1472,92 +2286,67 @@
           <a:bodyPr/>
           <a:lstStyle/>
           <a:p>
-            <a:pPr marL="0" marR="0" indent="0" algn="l" defTabSz="914400" rtl="0" eaLnBrk="1" fontAlgn="base" latinLnBrk="0" hangingPunct="1">
-              <a:lnSpc>
-                <a:spcPct val="100000"/>
-              </a:lnSpc>
-              <a:spcBef>
-                <a:spcPct val="30000"/>
-              </a:spcBef>
-              <a:spcAft>
-                <a:spcPct val="0"/>
-              </a:spcAft>
-              <a:buClrTx/>
-              <a:buSzTx/>
-              <a:buFontTx/>
-              <a:buNone/>
-              <a:tabLst/>
-              <a:defRPr/>
-            </a:pPr>
-            <a:endParaRPr kumimoji="1" lang="en-US" sz="1200" kern="1200" dirty="0" smtClean="0">
-              <a:solidFill>
-                <a:schemeClr val="tx1"/>
-              </a:solidFill>
-              <a:effectLst/>
-              <a:latin typeface="Verdana" charset="0"/>
-              <a:ea typeface="ＭＳ Ｐゴシック" charset="0"/>
-              <a:cs typeface="+mn-cs"/>
-            </a:endParaRPr>
-          </a:p>
-          <a:p>
-            <a:pPr marL="0" marR="0" indent="0" algn="l" defTabSz="914400" rtl="0" eaLnBrk="1" fontAlgn="base" latinLnBrk="0" hangingPunct="1">
-              <a:lnSpc>
-                <a:spcPct val="100000"/>
-              </a:lnSpc>
-              <a:spcBef>
-                <a:spcPct val="30000"/>
-              </a:spcBef>
-              <a:spcAft>
-                <a:spcPct val="0"/>
-              </a:spcAft>
-              <a:buClrTx/>
-              <a:buSzTx/>
-              <a:buFontTx/>
-              <a:buNone/>
-              <a:tabLst/>
-              <a:defRPr/>
-            </a:pPr>
-            <a:endParaRPr kumimoji="1" lang="en-US" sz="1200" kern="1200" dirty="0" smtClean="0">
-              <a:solidFill>
-                <a:schemeClr val="tx1"/>
-              </a:solidFill>
-              <a:effectLst/>
-              <a:latin typeface="Verdana" charset="0"/>
-              <a:ea typeface="ＭＳ Ｐゴシック" charset="0"/>
-              <a:cs typeface="+mn-cs"/>
-            </a:endParaRPr>
-          </a:p>
-          <a:p>
-            <a:pPr marL="0" marR="0" indent="0" algn="l" defTabSz="914400" rtl="0" eaLnBrk="1" fontAlgn="base" latinLnBrk="0" hangingPunct="1">
-              <a:lnSpc>
-                <a:spcPct val="100000"/>
-              </a:lnSpc>
-              <a:spcBef>
-                <a:spcPct val="30000"/>
-              </a:spcBef>
-              <a:spcAft>
-                <a:spcPct val="0"/>
-              </a:spcAft>
-              <a:buClrTx/>
-              <a:buSzTx/>
-              <a:buFontTx/>
-              <a:buNone/>
-              <a:tabLst/>
-              <a:defRPr/>
-            </a:pPr>
-            <a:r>
-              <a:rPr kumimoji="1" lang="en-US" sz="1200" kern="1200" dirty="0" smtClean="0">
-                <a:solidFill>
-                  <a:schemeClr val="tx1"/>
-                </a:solidFill>
-                <a:effectLst/>
-                <a:latin typeface="Verdana" charset="0"/>
-                <a:ea typeface="ＭＳ Ｐゴシック" charset="0"/>
-                <a:cs typeface="+mn-cs"/>
-              </a:rPr>
-              <a:t>Companies that give the GPL as an important reason to reveal code, do not share more. These companies seem to be reluctant to share code in the first place and only do so when compelled to by a license. </a:t>
-            </a:r>
-            <a:endParaRPr lang="en-US" dirty="0" smtClean="0"/>
+            <a:r>
+              <a:rPr lang="en-US" dirty="0" smtClean="0"/>
+              <a:t>When forced</a:t>
+            </a:r>
+            <a:r>
+              <a:rPr lang="en-US" baseline="0" dirty="0" smtClean="0"/>
+              <a:t> to share source code, you have a couple of options:</a:t>
+            </a:r>
+          </a:p>
+          <a:p>
+            <a:pPr marL="171450" indent="-171450">
+              <a:buFontTx/>
+              <a:buChar char="-"/>
+            </a:pPr>
+            <a:r>
+              <a:rPr lang="en-US" baseline="0" dirty="0" smtClean="0"/>
+              <a:t>Like Nokia, you can devise an architecture that allows for selective revealing</a:t>
+            </a:r>
+          </a:p>
+          <a:p>
+            <a:pPr marL="171450" indent="-171450">
+              <a:buFontTx/>
+              <a:buChar char="-"/>
+            </a:pPr>
+            <a:r>
+              <a:rPr lang="en-US" baseline="0" dirty="0" smtClean="0"/>
+              <a:t>You can also not worry and count on your lead time</a:t>
+            </a:r>
+          </a:p>
+          <a:p>
+            <a:pPr marL="171450" indent="-171450">
+              <a:buFontTx/>
+              <a:buChar char="-"/>
+            </a:pPr>
+            <a:r>
+              <a:rPr lang="en-US" baseline="0" dirty="0" smtClean="0"/>
+              <a:t>source code only has to be revealed when the product is released</a:t>
+            </a:r>
+          </a:p>
+          <a:p>
+            <a:pPr marL="171450" indent="-171450">
+              <a:buFontTx/>
+              <a:buChar char="-"/>
+            </a:pPr>
+            <a:r>
+              <a:rPr lang="en-US" baseline="0" dirty="0" smtClean="0"/>
+              <a:t>When development cycle is long, the lead time is long</a:t>
+            </a:r>
+          </a:p>
+          <a:p>
+            <a:pPr marL="171450" indent="-171450">
+              <a:buFontTx/>
+              <a:buChar char="-"/>
+            </a:pPr>
+            <a:r>
+              <a:rPr lang="en-US" baseline="0" dirty="0" smtClean="0"/>
+              <a:t>Source code must be made available only upon request, if no one asks, the code remains secret.</a:t>
+            </a:r>
+          </a:p>
+          <a:p>
+            <a:endParaRPr lang="en-US" baseline="0" dirty="0" smtClean="0"/>
           </a:p>
           <a:p>
             <a:endParaRPr lang="en-US" dirty="0"/>
@@ -1582,7 +2371,7 @@
             <a:fld id="{36C0F4B3-324B-184C-B7D7-B71343ED7D26}" type="slidenum">
               <a:rPr lang="de-DE" smtClean="0"/>
               <a:pPr/>
-              <a:t>15</a:t>
+              <a:t>12</a:t>
             </a:fld>
             <a:endParaRPr lang="de-DE"/>
           </a:p>
@@ -1591,7 +2380,7 @@
     </p:spTree>
     <p:extLst>
       <p:ext uri="{BB962C8B-B14F-4D97-AF65-F5344CB8AC3E}">
-        <p14:creationId xmlns:p14="http://schemas.microsoft.com/office/powerpoint/2010/main" val="3578611537"/>
+        <p14:creationId xmlns:p14="http://schemas.microsoft.com/office/powerpoint/2010/main" val="1272864829"/>
       </p:ext>
     </p:extLst>
   </p:cSld>
@@ -1645,38 +2434,19 @@
           <a:bodyPr/>
           <a:lstStyle/>
           <a:p>
-            <a:pPr marL="171450" marR="0" indent="-171450" algn="l" defTabSz="914400" rtl="0" eaLnBrk="1" fontAlgn="base" latinLnBrk="0" hangingPunct="1">
-              <a:lnSpc>
-                <a:spcPct val="100000"/>
-              </a:lnSpc>
-              <a:spcBef>
-                <a:spcPct val="30000"/>
-              </a:spcBef>
-              <a:spcAft>
-                <a:spcPct val="0"/>
-              </a:spcAft>
-              <a:buClrTx/>
-              <a:buSzTx/>
+            <a:r>
+              <a:rPr lang="en-US" dirty="0" smtClean="0"/>
+              <a:t>Some results are not very conclusive</a:t>
+            </a:r>
+          </a:p>
+          <a:p>
+            <a:pPr marL="171450" indent="-171450">
               <a:buFontTx/>
               <a:buChar char="-"/>
-              <a:tabLst/>
-              <a:defRPr/>
-            </a:pPr>
-            <a:r>
-              <a:rPr lang="en-US" dirty="0" smtClean="0"/>
-              <a:t>Is </a:t>
-            </a:r>
-            <a:r>
-              <a:rPr kumimoji="1" lang="en-US" sz="1200" kern="1200" dirty="0" smtClean="0">
-                <a:solidFill>
-                  <a:schemeClr val="tx1"/>
-                </a:solidFill>
-                <a:effectLst/>
-                <a:latin typeface="Verdana" charset="0"/>
-                <a:ea typeface="ＭＳ Ｐゴシック" charset="0"/>
-                <a:cs typeface="+mn-cs"/>
-              </a:rPr>
-              <a:t>community-based development is viable?</a:t>
+            </a:pPr>
+            <a:r>
+              <a:rPr lang="en-US" baseline="0" dirty="0" smtClean="0"/>
+              <a:t>On average 49% of all code is shared</a:t>
             </a:r>
           </a:p>
           <a:p>
@@ -1685,8 +2455,8 @@
               <a:buChar char="-"/>
             </a:pPr>
             <a:r>
-              <a:rPr lang="en-US" dirty="0" smtClean="0"/>
-              <a:t>Long time commitment!</a:t>
+              <a:rPr lang="en-US" baseline="0" dirty="0" smtClean="0"/>
+              <a:t>But with a standard deviation of 35 percentage points, min 1%, max 100%</a:t>
             </a:r>
           </a:p>
           <a:p>
@@ -1694,7 +2464,31 @@
               <a:buFontTx/>
               <a:buChar char="-"/>
             </a:pPr>
-            <a:endParaRPr lang="en-US" dirty="0"/>
+            <a:r>
+              <a:rPr lang="en-US" baseline="0" dirty="0" smtClean="0"/>
+              <a:t>People share more than before, half of respondents claim they share more than 5 years ago</a:t>
+            </a:r>
+          </a:p>
+          <a:p>
+            <a:pPr marL="171450" indent="-171450">
+              <a:buFontTx/>
+              <a:buChar char="-"/>
+            </a:pPr>
+            <a:r>
+              <a:rPr lang="en-US" baseline="0" dirty="0" smtClean="0"/>
+              <a:t>As expected, more generic code is shared than product specific code, like in Nokia case</a:t>
+            </a:r>
+          </a:p>
+          <a:p>
+            <a:pPr marL="171450" indent="-171450">
+              <a:buFontTx/>
+              <a:buChar char="-"/>
+            </a:pPr>
+            <a:r>
+              <a:rPr lang="en-US" baseline="0" dirty="0" smtClean="0"/>
+              <a:t>Hardware companies share less generic code, because their code is more likely bound to their hardware</a:t>
+            </a:r>
+            <a:endParaRPr lang="en-US" dirty="0" smtClean="0"/>
           </a:p>
         </p:txBody>
       </p:sp>
@@ -1716,6 +2510,1284 @@
             <a:fld id="{36C0F4B3-324B-184C-B7D7-B71343ED7D26}" type="slidenum">
               <a:rPr lang="de-DE" smtClean="0"/>
               <a:pPr/>
+              <a:t>13</a:t>
+            </a:fld>
+            <a:endParaRPr lang="de-DE"/>
+          </a:p>
+        </p:txBody>
+      </p:sp>
+    </p:spTree>
+    <p:extLst>
+      <p:ext uri="{BB962C8B-B14F-4D97-AF65-F5344CB8AC3E}">
+        <p14:creationId xmlns:p14="http://schemas.microsoft.com/office/powerpoint/2010/main" val="3360278058"/>
+      </p:ext>
+    </p:extLst>
+  </p:cSld>
+  <p:clrMapOvr>
+    <a:masterClrMapping/>
+  </p:clrMapOvr>
+</p:notes>
+</file>
+
+<file path=ppt/notesSlides/notesSlide14.xml><?xml version="1.0" encoding="utf-8"?>
+<p:notes xmlns:a="http://schemas.openxmlformats.org/drawingml/2006/main" xmlns:r="http://schemas.openxmlformats.org/officeDocument/2006/relationships" xmlns:p="http://schemas.openxmlformats.org/presentationml/2006/main">
+  <p:cSld>
+    <p:spTree>
+      <p:nvGrpSpPr>
+        <p:cNvPr id="1" name=""/>
+        <p:cNvGrpSpPr/>
+        <p:nvPr/>
+      </p:nvGrpSpPr>
+      <p:grpSpPr>
+        <a:xfrm>
+          <a:off x="0" y="0"/>
+          <a:ext cx="0" cy="0"/>
+          <a:chOff x="0" y="0"/>
+          <a:chExt cx="0" cy="0"/>
+        </a:xfrm>
+      </p:grpSpPr>
+      <p:sp>
+        <p:nvSpPr>
+          <p:cNvPr id="2" name="Slide Image Placeholder 1"/>
+          <p:cNvSpPr>
+            <a:spLocks noGrp="1" noRot="1" noChangeAspect="1"/>
+          </p:cNvSpPr>
+          <p:nvPr>
+            <p:ph type="sldImg"/>
+          </p:nvPr>
+        </p:nvSpPr>
+        <p:spPr/>
+      </p:sp>
+      <p:sp>
+        <p:nvSpPr>
+          <p:cNvPr id="3" name="Notes Placeholder 2"/>
+          <p:cNvSpPr>
+            <a:spLocks noGrp="1"/>
+          </p:cNvSpPr>
+          <p:nvPr>
+            <p:ph type="body" idx="1"/>
+          </p:nvPr>
+        </p:nvSpPr>
+        <p:spPr/>
+        <p:txBody>
+          <a:bodyPr/>
+          <a:lstStyle/>
+          <a:p>
+            <a:r>
+              <a:rPr lang="en-US" b="1" dirty="0" smtClean="0"/>
+              <a:t>Reasons to reveal </a:t>
+            </a:r>
+          </a:p>
+          <a:p>
+            <a:pPr marL="171450" indent="-171450">
+              <a:buFontTx/>
+              <a:buChar char="-"/>
+            </a:pPr>
+            <a:r>
+              <a:rPr lang="en-US" dirty="0" smtClean="0"/>
+              <a:t>12 were offered</a:t>
+            </a:r>
+          </a:p>
+          <a:p>
+            <a:pPr marL="171450" indent="-171450">
+              <a:buFontTx/>
+              <a:buChar char="-"/>
+            </a:pPr>
+            <a:r>
+              <a:rPr lang="en-US" dirty="0" smtClean="0"/>
+              <a:t>GPL requires</a:t>
+            </a:r>
+            <a:r>
+              <a:rPr lang="en-US" baseline="0" dirty="0" smtClean="0"/>
+              <a:t> it, with 75% agreement of all respondents</a:t>
+            </a:r>
+          </a:p>
+          <a:p>
+            <a:pPr marL="171450" indent="-171450">
+              <a:buFontTx/>
+              <a:buChar char="-"/>
+            </a:pPr>
+            <a:r>
+              <a:rPr lang="en-US" baseline="0" dirty="0" smtClean="0"/>
+              <a:t>Reputation seems important too, 70% agree</a:t>
+            </a:r>
+          </a:p>
+          <a:p>
+            <a:pPr marL="171450" indent="-171450">
+              <a:buFontTx/>
+              <a:buChar char="-"/>
+            </a:pPr>
+            <a:r>
+              <a:rPr lang="en-US" baseline="0" dirty="0" smtClean="0"/>
+              <a:t>Below rank 6, agreements falls below 50%</a:t>
+            </a:r>
+          </a:p>
+          <a:p>
+            <a:pPr marL="0" indent="0">
+              <a:buNone/>
+            </a:pPr>
+            <a:endParaRPr lang="en-US" baseline="0" dirty="0" smtClean="0"/>
+          </a:p>
+          <a:p>
+            <a:pPr marL="171450" indent="-171450">
+              <a:buFontTx/>
+              <a:buChar char="-"/>
+            </a:pPr>
+            <a:r>
+              <a:rPr lang="en-US" baseline="0" dirty="0" smtClean="0"/>
+              <a:t>I’m not sure about rank 2, as it was presented in the questionnaire, who would say no to that?</a:t>
+            </a:r>
+          </a:p>
+          <a:p>
+            <a:pPr marL="171450" indent="-171450">
+              <a:buFontTx/>
+              <a:buChar char="-"/>
+            </a:pPr>
+            <a:r>
+              <a:rPr lang="en-US" baseline="0" dirty="0" smtClean="0"/>
+              <a:t>These are trailed by reasons related to external development support</a:t>
+            </a:r>
+          </a:p>
+          <a:p>
+            <a:pPr marL="171450" indent="-171450">
+              <a:buFontTx/>
+              <a:buChar char="-"/>
+            </a:pPr>
+            <a:r>
+              <a:rPr lang="en-US" baseline="0" dirty="0" smtClean="0"/>
+              <a:t>SW firms it seems more important to have a good technical reputation, probably because they are more numerous and more competitive and therefor see reputation as a marketing tool</a:t>
+            </a:r>
+          </a:p>
+        </p:txBody>
+      </p:sp>
+      <p:sp>
+        <p:nvSpPr>
+          <p:cNvPr id="4" name="Slide Number Placeholder 3"/>
+          <p:cNvSpPr>
+            <a:spLocks noGrp="1"/>
+          </p:cNvSpPr>
+          <p:nvPr>
+            <p:ph type="sldNum" sz="quarter" idx="10"/>
+          </p:nvPr>
+        </p:nvSpPr>
+        <p:spPr/>
+        <p:txBody>
+          <a:bodyPr/>
+          <a:lstStyle/>
+          <a:p>
+            <a:fld id="{36C0F4B3-324B-184C-B7D7-B71343ED7D26}" type="slidenum">
+              <a:rPr lang="de-DE" smtClean="0"/>
+              <a:pPr/>
+              <a:t>14</a:t>
+            </a:fld>
+            <a:endParaRPr lang="de-DE"/>
+          </a:p>
+        </p:txBody>
+      </p:sp>
+    </p:spTree>
+    <p:extLst>
+      <p:ext uri="{BB962C8B-B14F-4D97-AF65-F5344CB8AC3E}">
+        <p14:creationId xmlns:p14="http://schemas.microsoft.com/office/powerpoint/2010/main" val="123309631"/>
+      </p:ext>
+    </p:extLst>
+  </p:cSld>
+  <p:clrMapOvr>
+    <a:masterClrMapping/>
+  </p:clrMapOvr>
+</p:notes>
+</file>
+
+<file path=ppt/notesSlides/notesSlide15.xml><?xml version="1.0" encoding="utf-8"?>
+<p:notes xmlns:a="http://schemas.openxmlformats.org/drawingml/2006/main" xmlns:r="http://schemas.openxmlformats.org/officeDocument/2006/relationships" xmlns:p="http://schemas.openxmlformats.org/presentationml/2006/main">
+  <p:cSld>
+    <p:spTree>
+      <p:nvGrpSpPr>
+        <p:cNvPr id="1" name=""/>
+        <p:cNvGrpSpPr/>
+        <p:nvPr/>
+      </p:nvGrpSpPr>
+      <p:grpSpPr>
+        <a:xfrm>
+          <a:off x="0" y="0"/>
+          <a:ext cx="0" cy="0"/>
+          <a:chOff x="0" y="0"/>
+          <a:chExt cx="0" cy="0"/>
+        </a:xfrm>
+      </p:grpSpPr>
+      <p:sp>
+        <p:nvSpPr>
+          <p:cNvPr id="2" name="Slide Image Placeholder 1"/>
+          <p:cNvSpPr>
+            <a:spLocks noGrp="1" noRot="1" noChangeAspect="1"/>
+          </p:cNvSpPr>
+          <p:nvPr>
+            <p:ph type="sldImg"/>
+          </p:nvPr>
+        </p:nvSpPr>
+        <p:spPr/>
+      </p:sp>
+      <p:sp>
+        <p:nvSpPr>
+          <p:cNvPr id="3" name="Notes Placeholder 2"/>
+          <p:cNvSpPr>
+            <a:spLocks noGrp="1"/>
+          </p:cNvSpPr>
+          <p:nvPr>
+            <p:ph type="body" idx="1"/>
+          </p:nvPr>
+        </p:nvSpPr>
+        <p:spPr/>
+        <p:txBody>
+          <a:bodyPr/>
+          <a:lstStyle/>
+          <a:p>
+            <a:pPr marL="0" marR="0" indent="0" algn="l" defTabSz="914400" rtl="0" eaLnBrk="1" fontAlgn="base" latinLnBrk="0" hangingPunct="1">
+              <a:lnSpc>
+                <a:spcPct val="100000"/>
+              </a:lnSpc>
+              <a:spcBef>
+                <a:spcPct val="30000"/>
+              </a:spcBef>
+              <a:spcAft>
+                <a:spcPct val="0"/>
+              </a:spcAft>
+              <a:buClrTx/>
+              <a:buSzTx/>
+              <a:buFontTx/>
+              <a:buNone/>
+              <a:tabLst/>
+              <a:defRPr/>
+            </a:pPr>
+            <a:r>
+              <a:rPr kumimoji="1" lang="en-US" sz="1200" b="1" kern="1200" dirty="0" smtClean="0">
+                <a:solidFill>
+                  <a:schemeClr val="tx1"/>
+                </a:solidFill>
+                <a:effectLst/>
+                <a:latin typeface="Verdana" charset="0"/>
+                <a:ea typeface="ＭＳ Ｐゴシック" charset="0"/>
+                <a:cs typeface="+mn-cs"/>
+              </a:rPr>
+              <a:t>Conditions that</a:t>
+            </a:r>
+            <a:r>
+              <a:rPr kumimoji="1" lang="en-US" sz="1200" b="1" kern="1200" baseline="0" dirty="0" smtClean="0">
+                <a:solidFill>
+                  <a:schemeClr val="tx1"/>
+                </a:solidFill>
+                <a:effectLst/>
+                <a:latin typeface="Verdana" charset="0"/>
+                <a:ea typeface="ＭＳ Ｐゴシック" charset="0"/>
+                <a:cs typeface="+mn-cs"/>
+              </a:rPr>
+              <a:t> lead to more openness</a:t>
+            </a:r>
+          </a:p>
+          <a:p>
+            <a:pPr marL="171450" marR="0" indent="-171450" algn="l" defTabSz="914400" rtl="0" eaLnBrk="1" fontAlgn="base" latinLnBrk="0" hangingPunct="1">
+              <a:lnSpc>
+                <a:spcPct val="100000"/>
+              </a:lnSpc>
+              <a:spcBef>
+                <a:spcPct val="30000"/>
+              </a:spcBef>
+              <a:spcAft>
+                <a:spcPct val="0"/>
+              </a:spcAft>
+              <a:buClrTx/>
+              <a:buSzTx/>
+              <a:buFontTx/>
+              <a:buChar char="-"/>
+              <a:tabLst/>
+              <a:defRPr/>
+            </a:pPr>
+            <a:r>
+              <a:rPr kumimoji="1" lang="en-US" sz="1200" kern="1200" dirty="0" smtClean="0">
+                <a:solidFill>
+                  <a:schemeClr val="tx1"/>
+                </a:solidFill>
+                <a:effectLst/>
+                <a:latin typeface="Verdana" charset="0"/>
+                <a:ea typeface="ＭＳ Ｐゴシック" charset="0"/>
+                <a:cs typeface="+mn-cs"/>
+              </a:rPr>
+              <a:t>Small firms reveal more,</a:t>
+            </a:r>
+            <a:r>
+              <a:rPr kumimoji="1" lang="en-US" sz="1200" kern="1200" baseline="0" dirty="0" smtClean="0">
+                <a:solidFill>
+                  <a:schemeClr val="tx1"/>
+                </a:solidFill>
+                <a:effectLst/>
+                <a:latin typeface="Verdana" charset="0"/>
+                <a:ea typeface="ＭＳ Ｐゴシック" charset="0"/>
+                <a:cs typeface="+mn-cs"/>
+              </a:rPr>
+              <a:t> benefit more from external development support</a:t>
+            </a:r>
+          </a:p>
+          <a:p>
+            <a:pPr marL="171450" marR="0" indent="-171450" algn="l" defTabSz="914400" rtl="0" eaLnBrk="1" fontAlgn="base" latinLnBrk="0" hangingPunct="1">
+              <a:lnSpc>
+                <a:spcPct val="100000"/>
+              </a:lnSpc>
+              <a:spcBef>
+                <a:spcPct val="30000"/>
+              </a:spcBef>
+              <a:spcAft>
+                <a:spcPct val="0"/>
+              </a:spcAft>
+              <a:buClrTx/>
+              <a:buSzTx/>
+              <a:buFontTx/>
+              <a:buChar char="-"/>
+              <a:tabLst/>
+              <a:defRPr/>
+            </a:pPr>
+            <a:r>
+              <a:rPr kumimoji="1" lang="en-US" sz="1200" kern="1200" dirty="0" smtClean="0">
+                <a:solidFill>
+                  <a:schemeClr val="tx1"/>
+                </a:solidFill>
+                <a:effectLst/>
+                <a:latin typeface="Verdana" charset="0"/>
+                <a:ea typeface="ＭＳ Ｐゴシック" charset="0"/>
+                <a:cs typeface="+mn-cs"/>
+              </a:rPr>
+              <a:t>Policies that encourage</a:t>
+            </a:r>
+            <a:r>
+              <a:rPr kumimoji="1" lang="en-US" sz="1200" kern="1200" baseline="0" dirty="0" smtClean="0">
+                <a:solidFill>
+                  <a:schemeClr val="tx1"/>
+                </a:solidFill>
+                <a:effectLst/>
+                <a:latin typeface="Verdana" charset="0"/>
+                <a:ea typeface="ＭＳ Ｐゴシック" charset="0"/>
+                <a:cs typeface="+mn-cs"/>
+              </a:rPr>
+              <a:t> to share code, have no effect</a:t>
+            </a:r>
+          </a:p>
+          <a:p>
+            <a:pPr marL="171450" marR="0" indent="-171450" algn="l" defTabSz="914400" rtl="0" eaLnBrk="1" fontAlgn="base" latinLnBrk="0" hangingPunct="1">
+              <a:lnSpc>
+                <a:spcPct val="100000"/>
+              </a:lnSpc>
+              <a:spcBef>
+                <a:spcPct val="30000"/>
+              </a:spcBef>
+              <a:spcAft>
+                <a:spcPct val="0"/>
+              </a:spcAft>
+              <a:buClrTx/>
+              <a:buSzTx/>
+              <a:buFontTx/>
+              <a:buChar char="-"/>
+              <a:tabLst/>
+              <a:defRPr/>
+            </a:pPr>
+            <a:r>
+              <a:rPr kumimoji="1" lang="en-US" sz="1200" kern="1200" baseline="0" dirty="0" smtClean="0">
+                <a:solidFill>
+                  <a:schemeClr val="tx1"/>
+                </a:solidFill>
+                <a:effectLst/>
+                <a:latin typeface="Verdana" charset="0"/>
+                <a:ea typeface="ＭＳ Ｐゴシック" charset="0"/>
+                <a:cs typeface="+mn-cs"/>
+              </a:rPr>
+              <a:t>SW firms share more code than HW firms, probably because it is more generic</a:t>
+            </a:r>
+          </a:p>
+          <a:p>
+            <a:pPr marL="171450" marR="0" indent="-171450" algn="l" defTabSz="914400" rtl="0" eaLnBrk="1" fontAlgn="base" latinLnBrk="0" hangingPunct="1">
+              <a:lnSpc>
+                <a:spcPct val="100000"/>
+              </a:lnSpc>
+              <a:spcBef>
+                <a:spcPct val="30000"/>
+              </a:spcBef>
+              <a:spcAft>
+                <a:spcPct val="0"/>
+              </a:spcAft>
+              <a:buClrTx/>
+              <a:buSzTx/>
+              <a:buFontTx/>
+              <a:buChar char="-"/>
+              <a:tabLst/>
+              <a:defRPr/>
+            </a:pPr>
+            <a:r>
+              <a:rPr kumimoji="1" lang="en-US" sz="1200" kern="1200" baseline="0" dirty="0" smtClean="0">
+                <a:solidFill>
+                  <a:schemeClr val="tx1"/>
+                </a:solidFill>
+                <a:effectLst/>
+                <a:latin typeface="Verdana" charset="0"/>
+                <a:ea typeface="ＭＳ Ｐゴシック" charset="0"/>
+                <a:cs typeface="+mn-cs"/>
+              </a:rPr>
+              <a:t>More experience with OSS leads to a higher portion of shared code</a:t>
+            </a:r>
+          </a:p>
+          <a:p>
+            <a:pPr marL="171450" marR="0" indent="-171450" algn="l" defTabSz="914400" rtl="0" eaLnBrk="1" fontAlgn="base" latinLnBrk="0" hangingPunct="1">
+              <a:lnSpc>
+                <a:spcPct val="100000"/>
+              </a:lnSpc>
+              <a:spcBef>
+                <a:spcPct val="30000"/>
+              </a:spcBef>
+              <a:spcAft>
+                <a:spcPct val="0"/>
+              </a:spcAft>
+              <a:buClrTx/>
+              <a:buSzTx/>
+              <a:buFontTx/>
+              <a:buChar char="-"/>
+              <a:tabLst/>
+              <a:defRPr/>
+            </a:pPr>
+            <a:r>
+              <a:rPr kumimoji="1" lang="en-US" sz="1200" kern="1200" baseline="0" dirty="0" smtClean="0">
+                <a:solidFill>
+                  <a:schemeClr val="tx1"/>
+                </a:solidFill>
+                <a:effectLst/>
+                <a:latin typeface="Verdana" charset="0"/>
+                <a:ea typeface="ＭＳ Ｐゴシック" charset="0"/>
+                <a:cs typeface="+mn-cs"/>
+              </a:rPr>
+              <a:t>Companies that gave development support and reputation gain as reasons, share more</a:t>
+            </a:r>
+          </a:p>
+          <a:p>
+            <a:pPr marL="171450" marR="0" indent="-171450" algn="l" defTabSz="914400" rtl="0" eaLnBrk="1" fontAlgn="base" latinLnBrk="0" hangingPunct="1">
+              <a:lnSpc>
+                <a:spcPct val="100000"/>
+              </a:lnSpc>
+              <a:spcBef>
+                <a:spcPct val="30000"/>
+              </a:spcBef>
+              <a:spcAft>
+                <a:spcPct val="0"/>
+              </a:spcAft>
+              <a:buClrTx/>
+              <a:buSzTx/>
+              <a:buFontTx/>
+              <a:buChar char="-"/>
+              <a:tabLst/>
+              <a:defRPr/>
+            </a:pPr>
+            <a:r>
+              <a:rPr kumimoji="1" lang="en-US" sz="1200" kern="1200" baseline="0" dirty="0" smtClean="0">
+                <a:solidFill>
+                  <a:schemeClr val="tx1"/>
+                </a:solidFill>
+                <a:effectLst/>
+                <a:latin typeface="Verdana" charset="0"/>
+                <a:ea typeface="ＭＳ Ｐゴシック" charset="0"/>
+                <a:cs typeface="+mn-cs"/>
+              </a:rPr>
+              <a:t>Curious: marketing reasons result in more shared code, reason: they don</a:t>
+            </a:r>
+            <a:r>
+              <a:rPr kumimoji="1" lang="fr-FR" sz="1200" kern="1200" baseline="0" dirty="0" smtClean="0">
+                <a:solidFill>
+                  <a:schemeClr val="tx1"/>
+                </a:solidFill>
+                <a:effectLst/>
+                <a:latin typeface="Verdana" charset="0"/>
+                <a:ea typeface="ＭＳ Ｐゴシック" charset="0"/>
+                <a:cs typeface="+mn-cs"/>
+              </a:rPr>
+              <a:t>’</a:t>
+            </a:r>
+            <a:r>
+              <a:rPr kumimoji="1" lang="en-US" sz="1200" kern="1200" baseline="0" dirty="0" smtClean="0">
+                <a:solidFill>
+                  <a:schemeClr val="tx1"/>
+                </a:solidFill>
+                <a:effectLst/>
+                <a:latin typeface="Verdana" charset="0"/>
+                <a:ea typeface="ＭＳ Ｐゴシック" charset="0"/>
+                <a:cs typeface="+mn-cs"/>
+              </a:rPr>
+              <a:t>t share more, but more visible</a:t>
+            </a:r>
+          </a:p>
+          <a:p>
+            <a:pPr marL="171450" marR="0" indent="-171450" algn="l" defTabSz="914400" rtl="0" eaLnBrk="1" fontAlgn="base" latinLnBrk="0" hangingPunct="1">
+              <a:lnSpc>
+                <a:spcPct val="100000"/>
+              </a:lnSpc>
+              <a:spcBef>
+                <a:spcPct val="30000"/>
+              </a:spcBef>
+              <a:spcAft>
+                <a:spcPct val="0"/>
+              </a:spcAft>
+              <a:buClrTx/>
+              <a:buSzTx/>
+              <a:buFontTx/>
+              <a:buChar char="-"/>
+              <a:tabLst/>
+              <a:defRPr/>
+            </a:pPr>
+            <a:r>
+              <a:rPr kumimoji="1" lang="en-US" sz="1200" kern="1200" dirty="0" smtClean="0">
+                <a:solidFill>
+                  <a:schemeClr val="tx1"/>
+                </a:solidFill>
+                <a:effectLst/>
+                <a:latin typeface="Verdana" charset="0"/>
+                <a:ea typeface="ＭＳ Ｐゴシック" charset="0"/>
+                <a:cs typeface="+mn-cs"/>
+              </a:rPr>
+              <a:t>Companies </a:t>
+            </a:r>
+            <a:r>
+              <a:rPr kumimoji="1" lang="en-US" sz="1200" kern="1200" dirty="0" smtClean="0">
+                <a:solidFill>
+                  <a:schemeClr val="tx1"/>
+                </a:solidFill>
+                <a:effectLst/>
+                <a:latin typeface="Verdana" charset="0"/>
+                <a:ea typeface="ＭＳ Ｐゴシック" charset="0"/>
+                <a:cs typeface="+mn-cs"/>
+              </a:rPr>
+              <a:t>that give the GPL as an important reason to reveal code, do not share more. </a:t>
+            </a:r>
+            <a:endParaRPr kumimoji="1" lang="en-US" sz="1200" kern="1200" dirty="0" smtClean="0">
+              <a:solidFill>
+                <a:schemeClr val="tx1"/>
+              </a:solidFill>
+              <a:effectLst/>
+              <a:latin typeface="Verdana" charset="0"/>
+              <a:ea typeface="ＭＳ Ｐゴシック" charset="0"/>
+              <a:cs typeface="+mn-cs"/>
+            </a:endParaRPr>
+          </a:p>
+          <a:p>
+            <a:pPr marL="171450" marR="0" indent="-171450" algn="l" defTabSz="914400" rtl="0" eaLnBrk="1" fontAlgn="base" latinLnBrk="0" hangingPunct="1">
+              <a:lnSpc>
+                <a:spcPct val="100000"/>
+              </a:lnSpc>
+              <a:spcBef>
+                <a:spcPct val="30000"/>
+              </a:spcBef>
+              <a:spcAft>
+                <a:spcPct val="0"/>
+              </a:spcAft>
+              <a:buClrTx/>
+              <a:buSzTx/>
+              <a:buFontTx/>
+              <a:buChar char="-"/>
+              <a:tabLst/>
+              <a:defRPr/>
+            </a:pPr>
+            <a:r>
+              <a:rPr kumimoji="1" lang="en-US" sz="1200" kern="1200" dirty="0" smtClean="0">
+                <a:solidFill>
+                  <a:schemeClr val="tx1"/>
+                </a:solidFill>
+                <a:effectLst/>
+                <a:latin typeface="Verdana" charset="0"/>
+                <a:ea typeface="ＭＳ Ｐゴシック" charset="0"/>
+                <a:cs typeface="+mn-cs"/>
+              </a:rPr>
+              <a:t>These </a:t>
+            </a:r>
+            <a:r>
+              <a:rPr kumimoji="1" lang="en-US" sz="1200" kern="1200" dirty="0" smtClean="0">
+                <a:solidFill>
+                  <a:schemeClr val="tx1"/>
+                </a:solidFill>
+                <a:effectLst/>
+                <a:latin typeface="Verdana" charset="0"/>
+                <a:ea typeface="ＭＳ Ｐゴシック" charset="0"/>
+                <a:cs typeface="+mn-cs"/>
+              </a:rPr>
+              <a:t>companies seem to be reluctant to share code in the first place and only do so when compelled to by a license. </a:t>
+            </a:r>
+            <a:endParaRPr kumimoji="1" lang="en-US" sz="1200" kern="1200" dirty="0" smtClean="0">
+              <a:solidFill>
+                <a:schemeClr val="tx1"/>
+              </a:solidFill>
+              <a:effectLst/>
+              <a:latin typeface="Verdana" charset="0"/>
+              <a:ea typeface="ＭＳ Ｐゴシック" charset="0"/>
+              <a:cs typeface="+mn-cs"/>
+            </a:endParaRPr>
+          </a:p>
+          <a:p>
+            <a:pPr marL="171450" marR="0" indent="-171450" algn="l" defTabSz="914400" rtl="0" eaLnBrk="1" fontAlgn="base" latinLnBrk="0" hangingPunct="1">
+              <a:lnSpc>
+                <a:spcPct val="100000"/>
+              </a:lnSpc>
+              <a:spcBef>
+                <a:spcPct val="30000"/>
+              </a:spcBef>
+              <a:spcAft>
+                <a:spcPct val="0"/>
+              </a:spcAft>
+              <a:buClrTx/>
+              <a:buSzTx/>
+              <a:buFontTx/>
+              <a:buChar char="-"/>
+              <a:tabLst/>
+              <a:defRPr/>
+            </a:pPr>
+            <a:endParaRPr kumimoji="1" lang="en-US" sz="1200" kern="1200" dirty="0" smtClean="0">
+              <a:solidFill>
+                <a:schemeClr val="tx1"/>
+              </a:solidFill>
+              <a:effectLst/>
+              <a:latin typeface="Verdana" charset="0"/>
+              <a:ea typeface="ＭＳ Ｐゴシック" charset="0"/>
+              <a:cs typeface="+mn-cs"/>
+            </a:endParaRPr>
+          </a:p>
+          <a:p>
+            <a:pPr marL="0" marR="0" indent="0" algn="l" defTabSz="914400" rtl="0" eaLnBrk="1" fontAlgn="base" latinLnBrk="0" hangingPunct="1">
+              <a:lnSpc>
+                <a:spcPct val="100000"/>
+              </a:lnSpc>
+              <a:spcBef>
+                <a:spcPct val="30000"/>
+              </a:spcBef>
+              <a:spcAft>
+                <a:spcPct val="0"/>
+              </a:spcAft>
+              <a:buClrTx/>
+              <a:buSzTx/>
+              <a:buFontTx/>
+              <a:buNone/>
+              <a:tabLst/>
+              <a:defRPr/>
+            </a:pPr>
+            <a:r>
+              <a:rPr kumimoji="1" lang="en-US" sz="1200" kern="1200" dirty="0" smtClean="0">
+                <a:solidFill>
+                  <a:schemeClr val="tx1"/>
+                </a:solidFill>
+                <a:effectLst/>
+                <a:latin typeface="Verdana" charset="0"/>
+                <a:ea typeface="ＭＳ Ｐゴシック" charset="0"/>
+                <a:cs typeface="+mn-cs"/>
+              </a:rPr>
+              <a:t>After all this lets distill this a</a:t>
+            </a:r>
+            <a:r>
+              <a:rPr kumimoji="1" lang="en-US" sz="1200" kern="1200" baseline="0" dirty="0" smtClean="0">
+                <a:solidFill>
+                  <a:schemeClr val="tx1"/>
+                </a:solidFill>
+                <a:effectLst/>
+                <a:latin typeface="Verdana" charset="0"/>
+                <a:ea typeface="ＭＳ Ｐゴシック" charset="0"/>
+                <a:cs typeface="+mn-cs"/>
+              </a:rPr>
+              <a:t> bit…</a:t>
+            </a:r>
+            <a:endParaRPr lang="en-US" dirty="0" smtClean="0"/>
+          </a:p>
+          <a:p>
+            <a:endParaRPr lang="en-US" dirty="0"/>
+          </a:p>
+        </p:txBody>
+      </p:sp>
+      <p:sp>
+        <p:nvSpPr>
+          <p:cNvPr id="4" name="Slide Number Placeholder 3"/>
+          <p:cNvSpPr>
+            <a:spLocks noGrp="1"/>
+          </p:cNvSpPr>
+          <p:nvPr>
+            <p:ph type="sldNum" sz="quarter" idx="10"/>
+          </p:nvPr>
+        </p:nvSpPr>
+        <p:spPr/>
+        <p:txBody>
+          <a:bodyPr/>
+          <a:lstStyle/>
+          <a:p>
+            <a:fld id="{36C0F4B3-324B-184C-B7D7-B71343ED7D26}" type="slidenum">
+              <a:rPr lang="de-DE" smtClean="0"/>
+              <a:pPr/>
+              <a:t>15</a:t>
+            </a:fld>
+            <a:endParaRPr lang="de-DE"/>
+          </a:p>
+        </p:txBody>
+      </p:sp>
+    </p:spTree>
+    <p:extLst>
+      <p:ext uri="{BB962C8B-B14F-4D97-AF65-F5344CB8AC3E}">
+        <p14:creationId xmlns:p14="http://schemas.microsoft.com/office/powerpoint/2010/main" val="3578611537"/>
+      </p:ext>
+    </p:extLst>
+  </p:cSld>
+  <p:clrMapOvr>
+    <a:masterClrMapping/>
+  </p:clrMapOvr>
+</p:notes>
+</file>
+
+<file path=ppt/notesSlides/notesSlide16.xml><?xml version="1.0" encoding="utf-8"?>
+<p:notes xmlns:a="http://schemas.openxmlformats.org/drawingml/2006/main" xmlns:r="http://schemas.openxmlformats.org/officeDocument/2006/relationships" xmlns:p="http://schemas.openxmlformats.org/presentationml/2006/main">
+  <p:cSld>
+    <p:spTree>
+      <p:nvGrpSpPr>
+        <p:cNvPr id="1" name=""/>
+        <p:cNvGrpSpPr/>
+        <p:nvPr/>
+      </p:nvGrpSpPr>
+      <p:grpSpPr>
+        <a:xfrm>
+          <a:off x="0" y="0"/>
+          <a:ext cx="0" cy="0"/>
+          <a:chOff x="0" y="0"/>
+          <a:chExt cx="0" cy="0"/>
+        </a:xfrm>
+      </p:grpSpPr>
+      <p:sp>
+        <p:nvSpPr>
+          <p:cNvPr id="2" name="Slide Image Placeholder 1"/>
+          <p:cNvSpPr>
+            <a:spLocks noGrp="1" noRot="1" noChangeAspect="1"/>
+          </p:cNvSpPr>
+          <p:nvPr>
+            <p:ph type="sldImg"/>
+          </p:nvPr>
+        </p:nvSpPr>
+        <p:spPr/>
+      </p:sp>
+      <p:sp>
+        <p:nvSpPr>
+          <p:cNvPr id="3" name="Notes Placeholder 2"/>
+          <p:cNvSpPr>
+            <a:spLocks noGrp="1"/>
+          </p:cNvSpPr>
+          <p:nvPr>
+            <p:ph type="body" idx="1"/>
+          </p:nvPr>
+        </p:nvSpPr>
+        <p:spPr/>
+        <p:txBody>
+          <a:bodyPr/>
+          <a:lstStyle/>
+          <a:p>
+            <a:pPr marL="0" marR="0" indent="0" algn="l" defTabSz="914400" rtl="0" eaLnBrk="1" fontAlgn="base" latinLnBrk="0" hangingPunct="1">
+              <a:lnSpc>
+                <a:spcPct val="100000"/>
+              </a:lnSpc>
+              <a:spcBef>
+                <a:spcPct val="30000"/>
+              </a:spcBef>
+              <a:spcAft>
+                <a:spcPct val="0"/>
+              </a:spcAft>
+              <a:buClrTx/>
+              <a:buSzTx/>
+              <a:buFontTx/>
+              <a:buNone/>
+              <a:tabLst/>
+              <a:defRPr/>
+            </a:pPr>
+            <a:r>
+              <a:rPr kumimoji="1" lang="en-US" sz="1200" kern="1200" baseline="0" dirty="0" smtClean="0">
+                <a:solidFill>
+                  <a:schemeClr val="tx1"/>
+                </a:solidFill>
+                <a:effectLst/>
+                <a:latin typeface="Verdana" charset="0"/>
+                <a:ea typeface="ＭＳ Ｐゴシック" charset="0"/>
+                <a:cs typeface="+mn-cs"/>
+              </a:rPr>
+              <a:t> and see what we can learn from the Nokia case study and the Embedded Linux survey</a:t>
+            </a:r>
+            <a:endParaRPr lang="en-US" dirty="0" smtClean="0"/>
+          </a:p>
+          <a:p>
+            <a:pPr marL="171450" marR="0" indent="-171450" algn="l" defTabSz="914400" rtl="0" eaLnBrk="1" fontAlgn="base" latinLnBrk="0" hangingPunct="1">
+              <a:lnSpc>
+                <a:spcPct val="100000"/>
+              </a:lnSpc>
+              <a:spcBef>
+                <a:spcPct val="30000"/>
+              </a:spcBef>
+              <a:spcAft>
+                <a:spcPct val="0"/>
+              </a:spcAft>
+              <a:buClrTx/>
+              <a:buSzTx/>
+              <a:buFontTx/>
+              <a:buChar char="-"/>
+              <a:tabLst/>
+              <a:defRPr/>
+            </a:pPr>
+            <a:endParaRPr lang="en-US" dirty="0" smtClean="0"/>
+          </a:p>
+          <a:p>
+            <a:pPr marL="0" marR="0" indent="0" algn="l" defTabSz="914400" rtl="0" eaLnBrk="1" fontAlgn="base" latinLnBrk="0" hangingPunct="1">
+              <a:lnSpc>
+                <a:spcPct val="100000"/>
+              </a:lnSpc>
+              <a:spcBef>
+                <a:spcPct val="30000"/>
+              </a:spcBef>
+              <a:spcAft>
+                <a:spcPct val="0"/>
+              </a:spcAft>
+              <a:buClrTx/>
+              <a:buSzTx/>
+              <a:buFontTx/>
+              <a:buNone/>
+              <a:tabLst/>
+              <a:defRPr/>
+            </a:pPr>
+            <a:r>
+              <a:rPr lang="en-US" b="1" dirty="0" smtClean="0"/>
+              <a:t>DO</a:t>
+            </a:r>
+            <a:endParaRPr lang="en-US" dirty="0" smtClean="0"/>
+          </a:p>
+          <a:p>
+            <a:pPr marL="171450" marR="0" indent="-171450" algn="l" defTabSz="914400" rtl="0" eaLnBrk="1" fontAlgn="base" latinLnBrk="0" hangingPunct="1">
+              <a:lnSpc>
+                <a:spcPct val="100000"/>
+              </a:lnSpc>
+              <a:spcBef>
+                <a:spcPct val="30000"/>
+              </a:spcBef>
+              <a:spcAft>
+                <a:spcPct val="0"/>
+              </a:spcAft>
+              <a:buClrTx/>
+              <a:buSzTx/>
+              <a:buFontTx/>
+              <a:buChar char="-"/>
+              <a:tabLst/>
+              <a:defRPr/>
+            </a:pPr>
+            <a:r>
+              <a:rPr lang="en-US" dirty="0" smtClean="0"/>
+              <a:t>Read the license, you may be forced to share</a:t>
+            </a:r>
+          </a:p>
+          <a:p>
+            <a:pPr marL="171450" marR="0" indent="-171450" algn="l" defTabSz="914400" rtl="0" eaLnBrk="1" fontAlgn="base" latinLnBrk="0" hangingPunct="1">
+              <a:lnSpc>
+                <a:spcPct val="100000"/>
+              </a:lnSpc>
+              <a:spcBef>
+                <a:spcPct val="30000"/>
+              </a:spcBef>
+              <a:spcAft>
+                <a:spcPct val="0"/>
+              </a:spcAft>
+              <a:buClrTx/>
+              <a:buSzTx/>
+              <a:buFontTx/>
+              <a:buChar char="-"/>
+              <a:tabLst/>
+              <a:defRPr/>
+            </a:pPr>
+            <a:r>
+              <a:rPr lang="en-US" dirty="0" smtClean="0"/>
+              <a:t>Identify generic parts, easy in modular approach by</a:t>
+            </a:r>
+            <a:r>
+              <a:rPr lang="en-US" baseline="0" dirty="0" smtClean="0"/>
+              <a:t> virtue of separation of concerns</a:t>
+            </a:r>
+          </a:p>
+          <a:p>
+            <a:pPr marL="171450" marR="0" indent="-171450" algn="l" defTabSz="914400" rtl="0" eaLnBrk="1" fontAlgn="base" latinLnBrk="0" hangingPunct="1">
+              <a:lnSpc>
+                <a:spcPct val="100000"/>
+              </a:lnSpc>
+              <a:spcBef>
+                <a:spcPct val="30000"/>
+              </a:spcBef>
+              <a:spcAft>
+                <a:spcPct val="0"/>
+              </a:spcAft>
+              <a:buClrTx/>
+              <a:buSzTx/>
+              <a:buFontTx/>
+              <a:buChar char="-"/>
+              <a:tabLst/>
+              <a:defRPr/>
+            </a:pPr>
+            <a:r>
+              <a:rPr lang="en-US" baseline="0" dirty="0" smtClean="0"/>
+              <a:t>Improve your architecture for reuse, as reuse leads to higher software quality</a:t>
+            </a:r>
+          </a:p>
+          <a:p>
+            <a:pPr marL="171450" marR="0" indent="-171450" algn="l" defTabSz="914400" rtl="0" eaLnBrk="1" fontAlgn="base" latinLnBrk="0" hangingPunct="1">
+              <a:lnSpc>
+                <a:spcPct val="100000"/>
+              </a:lnSpc>
+              <a:spcBef>
+                <a:spcPct val="30000"/>
+              </a:spcBef>
+              <a:spcAft>
+                <a:spcPct val="0"/>
+              </a:spcAft>
+              <a:buClrTx/>
+              <a:buSzTx/>
+              <a:buFontTx/>
+              <a:buChar char="-"/>
+              <a:tabLst/>
+              <a:defRPr/>
+            </a:pPr>
+            <a:r>
+              <a:rPr lang="en-US" baseline="0" dirty="0" smtClean="0"/>
+              <a:t>Give your code an external workout: If you developed a generic component yourself, the potential is that someone might find it useful and reuse it, thereby testing it and hopefully give feedback or even contribute</a:t>
+            </a:r>
+          </a:p>
+          <a:p>
+            <a:pPr marL="171450" marR="0" indent="-171450" algn="l" defTabSz="914400" rtl="0" eaLnBrk="1" fontAlgn="base" latinLnBrk="0" hangingPunct="1">
+              <a:lnSpc>
+                <a:spcPct val="100000"/>
+              </a:lnSpc>
+              <a:spcBef>
+                <a:spcPct val="30000"/>
+              </a:spcBef>
+              <a:spcAft>
+                <a:spcPct val="0"/>
+              </a:spcAft>
+              <a:buClrTx/>
+              <a:buSzTx/>
+              <a:buFontTx/>
+              <a:buChar char="-"/>
+              <a:tabLst/>
+              <a:defRPr/>
+            </a:pPr>
+            <a:r>
+              <a:rPr lang="en-US" baseline="0" dirty="0" smtClean="0"/>
+              <a:t>When going down that road, especially for bigger projects, trust the community, they have been doing this for a while, and you would not be using the project’s OSS if it had not come this far.</a:t>
+            </a:r>
+          </a:p>
+          <a:p>
+            <a:pPr marL="171450" marR="0" indent="-171450" algn="l" defTabSz="914400" rtl="0" eaLnBrk="1" fontAlgn="base" latinLnBrk="0" hangingPunct="1">
+              <a:lnSpc>
+                <a:spcPct val="100000"/>
+              </a:lnSpc>
+              <a:spcBef>
+                <a:spcPct val="30000"/>
+              </a:spcBef>
+              <a:spcAft>
+                <a:spcPct val="0"/>
+              </a:spcAft>
+              <a:buClrTx/>
+              <a:buSzTx/>
+              <a:buFontTx/>
+              <a:buChar char="-"/>
+              <a:tabLst/>
+              <a:defRPr/>
+            </a:pPr>
+            <a:r>
+              <a:rPr lang="en-US" baseline="0" dirty="0" smtClean="0"/>
+              <a:t>When sharing your own project, make sure it is in good shape and follow coding guidelines, otherwise people will be reluctant to contribute</a:t>
+            </a:r>
+          </a:p>
+          <a:p>
+            <a:pPr marL="171450" marR="0" indent="-171450" algn="l" defTabSz="914400" rtl="0" eaLnBrk="1" fontAlgn="base" latinLnBrk="0" hangingPunct="1">
+              <a:lnSpc>
+                <a:spcPct val="100000"/>
+              </a:lnSpc>
+              <a:spcBef>
+                <a:spcPct val="30000"/>
+              </a:spcBef>
+              <a:spcAft>
+                <a:spcPct val="0"/>
+              </a:spcAft>
+              <a:buClrTx/>
+              <a:buSzTx/>
+              <a:buFontTx/>
+              <a:buChar char="-"/>
+              <a:tabLst/>
+              <a:defRPr/>
+            </a:pPr>
+            <a:endParaRPr lang="en-US" baseline="0" dirty="0" smtClean="0"/>
+          </a:p>
+          <a:p>
+            <a:pPr marL="0" marR="0" indent="0" algn="l" defTabSz="914400" rtl="0" eaLnBrk="1" fontAlgn="base" latinLnBrk="0" hangingPunct="1">
+              <a:lnSpc>
+                <a:spcPct val="100000"/>
+              </a:lnSpc>
+              <a:spcBef>
+                <a:spcPct val="30000"/>
+              </a:spcBef>
+              <a:spcAft>
+                <a:spcPct val="0"/>
+              </a:spcAft>
+              <a:buClrTx/>
+              <a:buSzTx/>
+              <a:buFontTx/>
+              <a:buNone/>
+              <a:tabLst/>
+              <a:defRPr/>
+            </a:pPr>
+            <a:r>
+              <a:rPr lang="en-US" b="1" baseline="0" dirty="0" smtClean="0"/>
+              <a:t>DONT</a:t>
+            </a:r>
+          </a:p>
+          <a:p>
+            <a:pPr marL="171450" marR="0" indent="-171450" algn="l" defTabSz="914400" rtl="0" eaLnBrk="1" fontAlgn="base" latinLnBrk="0" hangingPunct="1">
+              <a:lnSpc>
+                <a:spcPct val="100000"/>
+              </a:lnSpc>
+              <a:spcBef>
+                <a:spcPct val="30000"/>
+              </a:spcBef>
+              <a:spcAft>
+                <a:spcPct val="0"/>
+              </a:spcAft>
+              <a:buClrTx/>
+              <a:buSzTx/>
+              <a:buFontTx/>
+              <a:buChar char="-"/>
+              <a:tabLst/>
+              <a:defRPr/>
+            </a:pPr>
+            <a:r>
+              <a:rPr lang="en-US" dirty="0" smtClean="0"/>
+              <a:t>Don’t focus on protection but on how to use the technologies to create something of</a:t>
+            </a:r>
+            <a:r>
+              <a:rPr lang="en-US" baseline="0" dirty="0" smtClean="0"/>
+              <a:t> value</a:t>
+            </a:r>
+          </a:p>
+          <a:p>
+            <a:pPr marL="171450" marR="0" indent="-171450" algn="l" defTabSz="914400" rtl="0" eaLnBrk="1" fontAlgn="base" latinLnBrk="0" hangingPunct="1">
+              <a:lnSpc>
+                <a:spcPct val="100000"/>
+              </a:lnSpc>
+              <a:spcBef>
+                <a:spcPct val="30000"/>
+              </a:spcBef>
+              <a:spcAft>
+                <a:spcPct val="0"/>
+              </a:spcAft>
+              <a:buClrTx/>
+              <a:buSzTx/>
+              <a:buFontTx/>
+              <a:buChar char="-"/>
+              <a:tabLst/>
+              <a:defRPr/>
+            </a:pPr>
+            <a:r>
+              <a:rPr lang="en-US" baseline="0" dirty="0" smtClean="0"/>
+              <a:t>Sharing is a commitment, you can’t take it back, if you stop sharing and start publishing binary code, your reputation is down the drain</a:t>
+            </a:r>
+          </a:p>
+          <a:p>
+            <a:pPr marL="171450" marR="0" indent="-171450" algn="l" defTabSz="914400" rtl="0" eaLnBrk="1" fontAlgn="base" latinLnBrk="0" hangingPunct="1">
+              <a:lnSpc>
+                <a:spcPct val="100000"/>
+              </a:lnSpc>
+              <a:spcBef>
+                <a:spcPct val="30000"/>
+              </a:spcBef>
+              <a:spcAft>
+                <a:spcPct val="0"/>
+              </a:spcAft>
+              <a:buClrTx/>
+              <a:buSzTx/>
+              <a:buFontTx/>
+              <a:buChar char="-"/>
+              <a:tabLst/>
+              <a:defRPr/>
+            </a:pPr>
+            <a:r>
+              <a:rPr lang="en-US" dirty="0" smtClean="0"/>
+              <a:t>Don</a:t>
+            </a:r>
+            <a:r>
+              <a:rPr lang="fr-FR" dirty="0" smtClean="0"/>
+              <a:t>’</a:t>
+            </a:r>
+            <a:r>
+              <a:rPr lang="en-US" dirty="0" smtClean="0"/>
+              <a:t>t try to control the community, there</a:t>
+            </a:r>
+            <a:r>
+              <a:rPr lang="en-US" baseline="0" dirty="0" smtClean="0"/>
+              <a:t> are no hard deadlines in the in community-driven development, a lot of the people work on the project in their free time, you can pay some of the developers to speed up the process like Nokia has done</a:t>
+            </a:r>
+          </a:p>
+          <a:p>
+            <a:pPr marL="171450" marR="0" indent="-171450" algn="l" defTabSz="914400" rtl="0" eaLnBrk="1" fontAlgn="base" latinLnBrk="0" hangingPunct="1">
+              <a:lnSpc>
+                <a:spcPct val="100000"/>
+              </a:lnSpc>
+              <a:spcBef>
+                <a:spcPct val="30000"/>
+              </a:spcBef>
+              <a:spcAft>
+                <a:spcPct val="0"/>
+              </a:spcAft>
+              <a:buClrTx/>
+              <a:buSzTx/>
+              <a:buFontTx/>
+              <a:buChar char="-"/>
+              <a:tabLst/>
+              <a:defRPr/>
+            </a:pPr>
+            <a:r>
+              <a:rPr lang="en-US" baseline="0" dirty="0" smtClean="0"/>
+              <a:t>Stewardship is important: Nokia managed to create a whole ecosystem with its software platform with thousands of apps developed by the community</a:t>
+            </a:r>
+          </a:p>
+          <a:p>
+            <a:pPr marL="171450" marR="0" indent="-171450" algn="l" defTabSz="914400" rtl="0" eaLnBrk="1" fontAlgn="base" latinLnBrk="0" hangingPunct="1">
+              <a:lnSpc>
+                <a:spcPct val="100000"/>
+              </a:lnSpc>
+              <a:spcBef>
+                <a:spcPct val="30000"/>
+              </a:spcBef>
+              <a:spcAft>
+                <a:spcPct val="0"/>
+              </a:spcAft>
+              <a:buClrTx/>
+              <a:buSzTx/>
+              <a:buFontTx/>
+              <a:buChar char="-"/>
+              <a:tabLst/>
+              <a:defRPr/>
+            </a:pPr>
+            <a:r>
+              <a:rPr lang="en-US" baseline="0" dirty="0" smtClean="0"/>
+              <a:t>Don</a:t>
+            </a:r>
+            <a:r>
+              <a:rPr lang="fr-FR" baseline="0" dirty="0" smtClean="0"/>
+              <a:t>’</a:t>
+            </a:r>
+            <a:r>
+              <a:rPr lang="en-US" baseline="0" dirty="0" smtClean="0"/>
+              <a:t>t take a project hostage, don</a:t>
+            </a:r>
+            <a:r>
+              <a:rPr lang="fr-FR" baseline="0" dirty="0" smtClean="0"/>
+              <a:t>’</a:t>
+            </a:r>
+            <a:r>
+              <a:rPr lang="en-US" baseline="0" dirty="0" smtClean="0"/>
+              <a:t>t take over a community project, contributor may leave if you steer a project off course just to suit your needs</a:t>
+            </a:r>
+          </a:p>
+          <a:p>
+            <a:pPr marL="171450" marR="0" indent="-171450" algn="l" defTabSz="914400" rtl="0" eaLnBrk="1" fontAlgn="base" latinLnBrk="0" hangingPunct="1">
+              <a:lnSpc>
+                <a:spcPct val="100000"/>
+              </a:lnSpc>
+              <a:spcBef>
+                <a:spcPct val="30000"/>
+              </a:spcBef>
+              <a:spcAft>
+                <a:spcPct val="0"/>
+              </a:spcAft>
+              <a:buClrTx/>
+              <a:buSzTx/>
+              <a:buFontTx/>
+              <a:buChar char="-"/>
+              <a:tabLst/>
+              <a:defRPr/>
+            </a:pPr>
+            <a:r>
+              <a:rPr lang="en-US" baseline="0" dirty="0" smtClean="0"/>
+              <a:t>Don</a:t>
+            </a:r>
+            <a:r>
+              <a:rPr lang="fr-FR" baseline="0" dirty="0" smtClean="0"/>
+              <a:t>’</a:t>
+            </a:r>
+            <a:r>
+              <a:rPr lang="en-US" baseline="0" dirty="0" smtClean="0"/>
+              <a:t>t fork and expect to keep on benefiting, like Nokia did with Gimp Toolkit</a:t>
+            </a:r>
+          </a:p>
+          <a:p>
+            <a:pPr marL="171450" marR="0" indent="-171450" algn="l" defTabSz="914400" rtl="0" eaLnBrk="1" fontAlgn="base" latinLnBrk="0" hangingPunct="1">
+              <a:lnSpc>
+                <a:spcPct val="100000"/>
+              </a:lnSpc>
+              <a:spcBef>
+                <a:spcPct val="30000"/>
+              </a:spcBef>
+              <a:spcAft>
+                <a:spcPct val="0"/>
+              </a:spcAft>
+              <a:buClrTx/>
+              <a:buSzTx/>
+              <a:buFontTx/>
+              <a:buChar char="-"/>
+              <a:tabLst/>
+              <a:defRPr/>
+            </a:pPr>
+            <a:endParaRPr lang="en-US" baseline="0" dirty="0" smtClean="0"/>
+          </a:p>
+          <a:p>
+            <a:pPr marL="0" marR="0" indent="0" algn="l" defTabSz="914400" rtl="0" eaLnBrk="1" fontAlgn="base" latinLnBrk="0" hangingPunct="1">
+              <a:lnSpc>
+                <a:spcPct val="100000"/>
+              </a:lnSpc>
+              <a:spcBef>
+                <a:spcPct val="30000"/>
+              </a:spcBef>
+              <a:spcAft>
+                <a:spcPct val="0"/>
+              </a:spcAft>
+              <a:buClrTx/>
+              <a:buSzTx/>
+              <a:buFontTx/>
+              <a:buNone/>
+              <a:tabLst/>
+              <a:defRPr/>
+            </a:pPr>
+            <a:r>
+              <a:rPr lang="en-US" baseline="0" dirty="0" smtClean="0"/>
+              <a:t>If this was too much I’ll leave you with the two that I think are most important…</a:t>
+            </a:r>
+            <a:endParaRPr lang="en-US" dirty="0" smtClean="0"/>
+          </a:p>
+          <a:p>
+            <a:pPr marL="0" indent="0">
+              <a:buFontTx/>
+              <a:buNone/>
+            </a:pPr>
+            <a:endParaRPr lang="en-US" dirty="0"/>
+          </a:p>
+        </p:txBody>
+      </p:sp>
+      <p:sp>
+        <p:nvSpPr>
+          <p:cNvPr id="4" name="Slide Number Placeholder 3"/>
+          <p:cNvSpPr>
+            <a:spLocks noGrp="1"/>
+          </p:cNvSpPr>
+          <p:nvPr>
+            <p:ph type="sldNum" sz="quarter" idx="10"/>
+          </p:nvPr>
+        </p:nvSpPr>
+        <p:spPr/>
+        <p:txBody>
+          <a:bodyPr/>
+          <a:lstStyle/>
+          <a:p>
+            <a:fld id="{36C0F4B3-324B-184C-B7D7-B71343ED7D26}" type="slidenum">
+              <a:rPr lang="de-DE" smtClean="0"/>
+              <a:pPr/>
               <a:t>16</a:t>
             </a:fld>
             <a:endParaRPr lang="de-DE"/>
@@ -1726,6 +3798,91 @@
     <p:extLst>
       <p:ext uri="{BB962C8B-B14F-4D97-AF65-F5344CB8AC3E}">
         <p14:creationId xmlns:p14="http://schemas.microsoft.com/office/powerpoint/2010/main" val="2156521312"/>
+      </p:ext>
+    </p:extLst>
+  </p:cSld>
+  <p:clrMapOvr>
+    <a:masterClrMapping/>
+  </p:clrMapOvr>
+</p:notes>
+</file>
+
+<file path=ppt/notesSlides/notesSlide17.xml><?xml version="1.0" encoding="utf-8"?>
+<p:notes xmlns:a="http://schemas.openxmlformats.org/drawingml/2006/main" xmlns:r="http://schemas.openxmlformats.org/officeDocument/2006/relationships" xmlns:p="http://schemas.openxmlformats.org/presentationml/2006/main">
+  <p:cSld>
+    <p:spTree>
+      <p:nvGrpSpPr>
+        <p:cNvPr id="1" name=""/>
+        <p:cNvGrpSpPr/>
+        <p:nvPr/>
+      </p:nvGrpSpPr>
+      <p:grpSpPr>
+        <a:xfrm>
+          <a:off x="0" y="0"/>
+          <a:ext cx="0" cy="0"/>
+          <a:chOff x="0" y="0"/>
+          <a:chExt cx="0" cy="0"/>
+        </a:xfrm>
+      </p:grpSpPr>
+      <p:sp>
+        <p:nvSpPr>
+          <p:cNvPr id="2" name="Slide Image Placeholder 1"/>
+          <p:cNvSpPr>
+            <a:spLocks noGrp="1" noRot="1" noChangeAspect="1"/>
+          </p:cNvSpPr>
+          <p:nvPr>
+            <p:ph type="sldImg"/>
+          </p:nvPr>
+        </p:nvSpPr>
+        <p:spPr/>
+      </p:sp>
+      <p:sp>
+        <p:nvSpPr>
+          <p:cNvPr id="3" name="Notes Placeholder 2"/>
+          <p:cNvSpPr>
+            <a:spLocks noGrp="1"/>
+          </p:cNvSpPr>
+          <p:nvPr>
+            <p:ph type="body" idx="1"/>
+          </p:nvPr>
+        </p:nvSpPr>
+        <p:spPr/>
+        <p:txBody>
+          <a:bodyPr/>
+          <a:lstStyle/>
+          <a:p>
+            <a:endParaRPr lang="en-US"/>
+          </a:p>
+        </p:txBody>
+      </p:sp>
+      <p:sp>
+        <p:nvSpPr>
+          <p:cNvPr id="4" name="Slide Number Placeholder 3"/>
+          <p:cNvSpPr>
+            <a:spLocks noGrp="1"/>
+          </p:cNvSpPr>
+          <p:nvPr>
+            <p:ph type="sldNum" sz="quarter" idx="10"/>
+          </p:nvPr>
+        </p:nvSpPr>
+        <p:spPr/>
+        <p:txBody>
+          <a:bodyPr/>
+          <a:lstStyle/>
+          <a:p>
+            <a:fld id="{36C0F4B3-324B-184C-B7D7-B71343ED7D26}" type="slidenum">
+              <a:rPr lang="de-DE" smtClean="0"/>
+              <a:pPr/>
+              <a:t>17</a:t>
+            </a:fld>
+            <a:endParaRPr lang="de-DE"/>
+          </a:p>
+        </p:txBody>
+      </p:sp>
+    </p:spTree>
+    <p:extLst>
+      <p:ext uri="{BB962C8B-B14F-4D97-AF65-F5344CB8AC3E}">
+        <p14:creationId xmlns:p14="http://schemas.microsoft.com/office/powerpoint/2010/main" val="2847347852"/>
       </p:ext>
     </p:extLst>
   </p:cSld>
@@ -1779,15 +3936,187 @@
           <a:bodyPr/>
           <a:lstStyle/>
           <a:p>
-            <a:r>
-              <a:rPr lang="en-US" dirty="0" smtClean="0"/>
-              <a:t>Case study and survey will</a:t>
-            </a:r>
+            <a:pPr marL="171450" indent="-171450">
+              <a:buFontTx/>
+              <a:buChar char="-"/>
+            </a:pPr>
             <a:r>
               <a:rPr lang="en-US" baseline="0" dirty="0" smtClean="0"/>
-              <a:t> show how other companies applied this model.</a:t>
-            </a:r>
-            <a:endParaRPr lang="en-US" dirty="0"/>
+              <a:t>This will be explored in this talk. </a:t>
+            </a:r>
+          </a:p>
+          <a:p>
+            <a:pPr marL="171450" indent="-171450">
+              <a:buFontTx/>
+              <a:buChar char="-"/>
+            </a:pPr>
+            <a:r>
+              <a:rPr lang="en-US" baseline="0" dirty="0" smtClean="0"/>
+              <a:t>After defining this sort of investment process, present case study</a:t>
+            </a:r>
+          </a:p>
+          <a:p>
+            <a:pPr marL="171450" marR="0" indent="-171450" algn="l" defTabSz="914400" rtl="0" eaLnBrk="1" fontAlgn="base" latinLnBrk="0" hangingPunct="1">
+              <a:lnSpc>
+                <a:spcPct val="100000"/>
+              </a:lnSpc>
+              <a:spcBef>
+                <a:spcPct val="30000"/>
+              </a:spcBef>
+              <a:spcAft>
+                <a:spcPct val="0"/>
+              </a:spcAft>
+              <a:buClrTx/>
+              <a:buSzTx/>
+              <a:buFontTx/>
+              <a:buChar char="-"/>
+              <a:tabLst/>
+              <a:defRPr/>
+            </a:pPr>
+            <a:r>
+              <a:rPr lang="en-US" baseline="0" dirty="0" smtClean="0"/>
+              <a:t>Nokia did exactly this, case study Nokia Internet Tablet </a:t>
+            </a:r>
+            <a:r>
+              <a:rPr kumimoji="1" lang="en-US" sz="1200" kern="1200" dirty="0" smtClean="0">
+                <a:solidFill>
+                  <a:schemeClr val="tx1"/>
+                </a:solidFill>
+                <a:effectLst/>
+                <a:latin typeface="Verdana" charset="0"/>
+                <a:ea typeface="ＭＳ Ｐゴシック" charset="0"/>
+                <a:cs typeface="+mn-cs"/>
+              </a:rPr>
+              <a:t>based the development of this product mainly on open source software </a:t>
+            </a:r>
+          </a:p>
+          <a:p>
+            <a:pPr marL="171450" marR="0" indent="-171450" algn="l" defTabSz="914400" rtl="0" eaLnBrk="1" fontAlgn="base" latinLnBrk="0" hangingPunct="1">
+              <a:lnSpc>
+                <a:spcPct val="100000"/>
+              </a:lnSpc>
+              <a:spcBef>
+                <a:spcPct val="30000"/>
+              </a:spcBef>
+              <a:spcAft>
+                <a:spcPct val="0"/>
+              </a:spcAft>
+              <a:buClrTx/>
+              <a:buSzTx/>
+              <a:buFontTx/>
+              <a:buChar char="-"/>
+              <a:tabLst/>
+              <a:defRPr/>
+            </a:pPr>
+            <a:r>
+              <a:rPr kumimoji="1" lang="en-US" sz="1200" kern="1200" dirty="0" smtClean="0">
+                <a:solidFill>
+                  <a:schemeClr val="tx1"/>
+                </a:solidFill>
+                <a:effectLst/>
+                <a:latin typeface="Verdana" charset="0"/>
+                <a:ea typeface="ＭＳ Ｐゴシック" charset="0"/>
+                <a:cs typeface="+mn-cs"/>
+              </a:rPr>
+              <a:t>made a large part of the research and product development transparent and accessible</a:t>
+            </a:r>
+          </a:p>
+          <a:p>
+            <a:pPr marL="0" marR="0" indent="0" algn="l" defTabSz="914400" rtl="0" eaLnBrk="1" fontAlgn="base" latinLnBrk="0" hangingPunct="1">
+              <a:lnSpc>
+                <a:spcPct val="100000"/>
+              </a:lnSpc>
+              <a:spcBef>
+                <a:spcPct val="30000"/>
+              </a:spcBef>
+              <a:spcAft>
+                <a:spcPct val="0"/>
+              </a:spcAft>
+              <a:buClrTx/>
+              <a:buSzTx/>
+              <a:buFontTx/>
+              <a:buNone/>
+              <a:tabLst/>
+              <a:defRPr/>
+            </a:pPr>
+            <a:endParaRPr lang="en-US" dirty="0" smtClean="0"/>
+          </a:p>
+          <a:p>
+            <a:pPr marL="0" indent="0">
+              <a:buFontTx/>
+              <a:buNone/>
+            </a:pPr>
+            <a:r>
+              <a:rPr lang="en-US" b="1" baseline="0" dirty="0" smtClean="0"/>
+              <a:t>Main questions</a:t>
+            </a:r>
+          </a:p>
+          <a:p>
+            <a:pPr marL="171450" indent="-171450">
+              <a:buFontTx/>
+              <a:buChar char="-"/>
+            </a:pPr>
+            <a:r>
+              <a:rPr lang="en-US" baseline="0" dirty="0" smtClean="0"/>
+              <a:t>Help explore</a:t>
+            </a:r>
+          </a:p>
+          <a:p>
+            <a:pPr marL="171450" indent="-171450">
+              <a:buFontTx/>
+              <a:buChar char="-"/>
+            </a:pPr>
+            <a:r>
+              <a:rPr lang="en-US" baseline="0" dirty="0" smtClean="0"/>
+              <a:t>What are the benefits?</a:t>
+            </a:r>
+          </a:p>
+          <a:p>
+            <a:pPr marL="171450" indent="-171450">
+              <a:buFontTx/>
+              <a:buChar char="-"/>
+            </a:pPr>
+            <a:r>
+              <a:rPr lang="en-US" baseline="0" dirty="0" smtClean="0"/>
+              <a:t>What do you need to be aware of?</a:t>
+            </a:r>
+          </a:p>
+          <a:p>
+            <a:pPr marL="171450" indent="-171450">
+              <a:buFontTx/>
+              <a:buChar char="-"/>
+            </a:pPr>
+            <a:r>
+              <a:rPr lang="en-US" baseline="0" dirty="0" smtClean="0"/>
+              <a:t>How can obstacles be overcome?</a:t>
+            </a:r>
+          </a:p>
+          <a:p>
+            <a:pPr marL="171450" indent="-171450">
+              <a:buFontTx/>
+              <a:buChar char="-"/>
+            </a:pPr>
+            <a:r>
+              <a:rPr lang="en-US" baseline="0" dirty="0" smtClean="0"/>
+              <a:t>Generalize this by looking at a survey to find conditions when code sharing appears</a:t>
+            </a:r>
+          </a:p>
+          <a:p>
+            <a:pPr marL="171450" indent="-171450">
+              <a:buFontTx/>
+              <a:buChar char="-"/>
+            </a:pPr>
+            <a:endParaRPr lang="en-US" baseline="0" dirty="0" smtClean="0"/>
+          </a:p>
+          <a:p>
+            <a:pPr marL="171450" indent="-171450">
+              <a:buFontTx/>
+              <a:buChar char="-"/>
+            </a:pPr>
+            <a:r>
+              <a:rPr lang="en-US" baseline="0" dirty="0" smtClean="0"/>
+              <a:t>Derive DOs and DONTs </a:t>
+            </a:r>
           </a:p>
         </p:txBody>
       </p:sp>
@@ -1873,16 +4202,708 @@
           <a:lstStyle/>
           <a:p>
             <a:r>
+              <a:rPr kumimoji="1" lang="en-US" sz="1200" b="1" kern="1200" dirty="0" smtClean="0">
+                <a:solidFill>
+                  <a:schemeClr val="tx1"/>
+                </a:solidFill>
+                <a:effectLst/>
+                <a:latin typeface="Verdana" charset="0"/>
+                <a:ea typeface="ＭＳ Ｐゴシック" charset="0"/>
+                <a:cs typeface="+mn-cs"/>
+              </a:rPr>
+              <a:t>Private investment model </a:t>
+            </a:r>
+          </a:p>
+          <a:p>
+            <a:pPr marL="171450" marR="0" indent="-171450" algn="l" defTabSz="914400" rtl="0" eaLnBrk="1" fontAlgn="base" latinLnBrk="0" hangingPunct="1">
+              <a:lnSpc>
+                <a:spcPct val="100000"/>
+              </a:lnSpc>
+              <a:spcBef>
+                <a:spcPct val="30000"/>
+              </a:spcBef>
+              <a:spcAft>
+                <a:spcPct val="0"/>
+              </a:spcAft>
+              <a:buClrTx/>
+              <a:buSzTx/>
+              <a:buFontTx/>
+              <a:buChar char="-"/>
+              <a:tabLst/>
+              <a:defRPr/>
+            </a:pPr>
+            <a:r>
+              <a:rPr kumimoji="1" lang="en-US" sz="1200" kern="1200" dirty="0" smtClean="0">
+                <a:solidFill>
+                  <a:schemeClr val="tx1"/>
+                </a:solidFill>
+                <a:effectLst/>
+                <a:latin typeface="Verdana" charset="0"/>
+                <a:ea typeface="ＭＳ Ｐゴシック" charset="0"/>
+                <a:cs typeface="+mn-cs"/>
+              </a:rPr>
+              <a:t>use internal processes to create ideas, knowledge, and technologies </a:t>
+            </a:r>
+            <a:endParaRPr lang="en-US" dirty="0" smtClean="0"/>
+          </a:p>
+          <a:p>
+            <a:pPr marL="171450" marR="0" indent="-171450" algn="l" defTabSz="914400" rtl="0" eaLnBrk="1" fontAlgn="base" latinLnBrk="0" hangingPunct="1">
+              <a:lnSpc>
+                <a:spcPct val="100000"/>
+              </a:lnSpc>
+              <a:spcBef>
+                <a:spcPct val="30000"/>
+              </a:spcBef>
+              <a:spcAft>
+                <a:spcPct val="0"/>
+              </a:spcAft>
+              <a:buClrTx/>
+              <a:buSzTx/>
+              <a:buFontTx/>
+              <a:buChar char="-"/>
+              <a:tabLst/>
+              <a:defRPr/>
+            </a:pPr>
+            <a:r>
+              <a:rPr kumimoji="1" lang="en-US" sz="1200" kern="1200" dirty="0" smtClean="0">
+                <a:solidFill>
+                  <a:schemeClr val="tx1"/>
+                </a:solidFill>
+                <a:effectLst/>
+                <a:latin typeface="Verdana" charset="0"/>
+                <a:ea typeface="ＭＳ Ｐゴシック" charset="0"/>
+                <a:cs typeface="+mn-cs"/>
+              </a:rPr>
+              <a:t>commercialize these in the market place. </a:t>
+            </a:r>
+            <a:endParaRPr lang="en-US" dirty="0" smtClean="0"/>
+          </a:p>
+          <a:p>
+            <a:pPr marL="171450" marR="0" indent="-171450" algn="l" defTabSz="914400" rtl="0" eaLnBrk="1" fontAlgn="base" latinLnBrk="0" hangingPunct="1">
+              <a:lnSpc>
+                <a:spcPct val="100000"/>
+              </a:lnSpc>
+              <a:spcBef>
+                <a:spcPct val="30000"/>
+              </a:spcBef>
+              <a:spcAft>
+                <a:spcPct val="0"/>
+              </a:spcAft>
+              <a:buClrTx/>
+              <a:buSzTx/>
+              <a:buFontTx/>
+              <a:buChar char="-"/>
+              <a:tabLst/>
+              <a:defRPr/>
+            </a:pPr>
+            <a:r>
+              <a:rPr kumimoji="1" lang="en-US" sz="1200" kern="1200" dirty="0" smtClean="0">
+                <a:solidFill>
+                  <a:schemeClr val="tx1"/>
+                </a:solidFill>
+                <a:effectLst/>
+                <a:latin typeface="Verdana" charset="0"/>
+                <a:ea typeface="ＭＳ Ｐゴシック" charset="0"/>
+                <a:cs typeface="+mn-cs"/>
+              </a:rPr>
+              <a:t>Expect to keep benefiting through intellectual property rights</a:t>
+            </a:r>
+          </a:p>
+          <a:p>
+            <a:pPr marL="171450" marR="0" indent="-171450" algn="l" defTabSz="914400" rtl="0" eaLnBrk="1" fontAlgn="base" latinLnBrk="0" hangingPunct="1">
+              <a:lnSpc>
+                <a:spcPct val="100000"/>
+              </a:lnSpc>
+              <a:spcBef>
+                <a:spcPct val="30000"/>
+              </a:spcBef>
+              <a:spcAft>
+                <a:spcPct val="0"/>
+              </a:spcAft>
+              <a:buClrTx/>
+              <a:buSzTx/>
+              <a:buFontTx/>
+              <a:buChar char="-"/>
+              <a:tabLst/>
+              <a:defRPr/>
+            </a:pPr>
+            <a:endParaRPr kumimoji="1" lang="en-US" sz="1200" kern="1200" dirty="0" smtClean="0">
+              <a:solidFill>
+                <a:schemeClr val="tx1"/>
+              </a:solidFill>
+              <a:effectLst/>
+              <a:latin typeface="Verdana" charset="0"/>
+              <a:ea typeface="ＭＳ Ｐゴシック" charset="0"/>
+              <a:cs typeface="+mn-cs"/>
+            </a:endParaRPr>
+          </a:p>
+          <a:p>
+            <a:pPr marL="0" marR="0" indent="0" algn="l" defTabSz="914400" rtl="0" eaLnBrk="1" fontAlgn="base" latinLnBrk="0" hangingPunct="1">
+              <a:lnSpc>
+                <a:spcPct val="100000"/>
+              </a:lnSpc>
+              <a:spcBef>
+                <a:spcPct val="30000"/>
+              </a:spcBef>
+              <a:spcAft>
+                <a:spcPct val="0"/>
+              </a:spcAft>
+              <a:buClrTx/>
+              <a:buSzTx/>
+              <a:buFontTx/>
+              <a:buNone/>
+              <a:tabLst/>
+              <a:defRPr/>
+            </a:pPr>
+            <a:r>
+              <a:rPr kumimoji="1" lang="en-US" sz="1200" b="1" kern="1200" dirty="0" smtClean="0">
+                <a:solidFill>
+                  <a:schemeClr val="tx1"/>
+                </a:solidFill>
+                <a:effectLst/>
+                <a:latin typeface="Verdana" charset="0"/>
+                <a:ea typeface="ＭＳ Ｐゴシック" charset="0"/>
+                <a:cs typeface="+mn-cs"/>
+              </a:rPr>
+              <a:t>Collective action model </a:t>
+            </a:r>
+          </a:p>
+          <a:p>
+            <a:pPr marL="171450" marR="0" indent="-171450" algn="l" defTabSz="914400" rtl="0" eaLnBrk="1" fontAlgn="base" latinLnBrk="0" hangingPunct="1">
+              <a:lnSpc>
+                <a:spcPct val="100000"/>
+              </a:lnSpc>
+              <a:spcBef>
+                <a:spcPct val="30000"/>
+              </a:spcBef>
+              <a:spcAft>
+                <a:spcPct val="0"/>
+              </a:spcAft>
+              <a:buClrTx/>
+              <a:buSzTx/>
+              <a:buFontTx/>
+              <a:buChar char="-"/>
+              <a:tabLst/>
+              <a:defRPr/>
+            </a:pPr>
+            <a:r>
+              <a:rPr kumimoji="1" lang="en-US" sz="1200" kern="1200" dirty="0" smtClean="0">
+                <a:solidFill>
+                  <a:schemeClr val="tx1"/>
+                </a:solidFill>
+                <a:effectLst/>
+                <a:latin typeface="Verdana" charset="0"/>
+                <a:ea typeface="ＭＳ Ｐゴシック" charset="0"/>
+                <a:cs typeface="+mn-cs"/>
+              </a:rPr>
+              <a:t>Public subsidizes the developer who in turn contributes to the project</a:t>
+            </a:r>
+          </a:p>
+          <a:p>
+            <a:pPr marL="171450" marR="0" indent="-171450" algn="l" defTabSz="914400" rtl="0" eaLnBrk="1" fontAlgn="base" latinLnBrk="0" hangingPunct="1">
+              <a:lnSpc>
+                <a:spcPct val="100000"/>
+              </a:lnSpc>
+              <a:spcBef>
+                <a:spcPct val="30000"/>
+              </a:spcBef>
+              <a:spcAft>
+                <a:spcPct val="0"/>
+              </a:spcAft>
+              <a:buClrTx/>
+              <a:buSzTx/>
+              <a:buFontTx/>
+              <a:buChar char="-"/>
+              <a:tabLst/>
+              <a:defRPr/>
+            </a:pPr>
+            <a:r>
+              <a:rPr kumimoji="1" lang="en-US" sz="1200" kern="1200" dirty="0" smtClean="0">
+                <a:solidFill>
+                  <a:schemeClr val="tx1"/>
+                </a:solidFill>
+                <a:effectLst/>
+                <a:latin typeface="Verdana" charset="0"/>
+                <a:ea typeface="ＭＳ Ｐゴシック" charset="0"/>
+                <a:cs typeface="+mn-cs"/>
+              </a:rPr>
+              <a:t>example: source code exchanges, like </a:t>
+            </a:r>
+            <a:r>
+              <a:rPr kumimoji="1" lang="en-US" sz="1200" kern="1200" dirty="0" err="1" smtClean="0">
+                <a:solidFill>
+                  <a:schemeClr val="tx1"/>
+                </a:solidFill>
+                <a:effectLst/>
+                <a:latin typeface="Verdana" charset="0"/>
+                <a:ea typeface="ＭＳ Ｐゴシック" charset="0"/>
+                <a:cs typeface="+mn-cs"/>
+              </a:rPr>
+              <a:t>GitHub</a:t>
+            </a:r>
+            <a:r>
+              <a:rPr kumimoji="1" lang="en-US" sz="1200" kern="1200" dirty="0" smtClean="0">
+                <a:solidFill>
+                  <a:schemeClr val="tx1"/>
+                </a:solidFill>
+                <a:effectLst/>
+                <a:latin typeface="Verdana" charset="0"/>
+                <a:ea typeface="ＭＳ Ｐゴシック" charset="0"/>
+                <a:cs typeface="+mn-cs"/>
+              </a:rPr>
+              <a:t>, </a:t>
+            </a:r>
+            <a:r>
+              <a:rPr kumimoji="1" lang="en-US" sz="1200" kern="1200" dirty="0" err="1" smtClean="0">
+                <a:solidFill>
+                  <a:schemeClr val="tx1"/>
+                </a:solidFill>
+                <a:effectLst/>
+                <a:latin typeface="Verdana" charset="0"/>
+                <a:ea typeface="ＭＳ Ｐゴシック" charset="0"/>
+                <a:cs typeface="+mn-cs"/>
+              </a:rPr>
+              <a:t>BitBucket</a:t>
+            </a:r>
+            <a:endParaRPr kumimoji="1" lang="en-US" sz="1200" kern="1200" dirty="0" smtClean="0">
+              <a:solidFill>
+                <a:schemeClr val="tx1"/>
+              </a:solidFill>
+              <a:effectLst/>
+              <a:latin typeface="Verdana" charset="0"/>
+              <a:ea typeface="ＭＳ Ｐゴシック" charset="0"/>
+              <a:cs typeface="+mn-cs"/>
+            </a:endParaRPr>
+          </a:p>
+          <a:p>
+            <a:pPr marL="171450" marR="0" indent="-171450" algn="l" defTabSz="914400" rtl="0" eaLnBrk="1" fontAlgn="base" latinLnBrk="0" hangingPunct="1">
+              <a:lnSpc>
+                <a:spcPct val="100000"/>
+              </a:lnSpc>
+              <a:spcBef>
+                <a:spcPct val="30000"/>
+              </a:spcBef>
+              <a:spcAft>
+                <a:spcPct val="0"/>
+              </a:spcAft>
+              <a:buClrTx/>
+              <a:buSzTx/>
+              <a:buFontTx/>
+              <a:buChar char="-"/>
+              <a:tabLst/>
+              <a:defRPr/>
+            </a:pPr>
+            <a:r>
+              <a:rPr kumimoji="1" lang="en-US" sz="1200" kern="1200" dirty="0" smtClean="0">
+                <a:solidFill>
+                  <a:schemeClr val="tx1"/>
+                </a:solidFill>
+                <a:effectLst/>
+                <a:latin typeface="Verdana" charset="0"/>
+                <a:ea typeface="ＭＳ Ｐゴシック" charset="0"/>
+                <a:cs typeface="+mn-cs"/>
+              </a:rPr>
+              <a:t>Developer can be inside a company (allows free-riding) or just a student</a:t>
+            </a:r>
+          </a:p>
+          <a:p>
+            <a:pPr marL="171450" marR="0" indent="-171450" algn="l" defTabSz="914400" rtl="0" eaLnBrk="1" fontAlgn="base" latinLnBrk="0" hangingPunct="1">
+              <a:lnSpc>
+                <a:spcPct val="100000"/>
+              </a:lnSpc>
+              <a:spcBef>
+                <a:spcPct val="30000"/>
+              </a:spcBef>
+              <a:spcAft>
+                <a:spcPct val="0"/>
+              </a:spcAft>
+              <a:buClrTx/>
+              <a:buSzTx/>
+              <a:buFontTx/>
+              <a:buChar char="-"/>
+              <a:tabLst/>
+              <a:defRPr/>
+            </a:pPr>
+            <a:r>
+              <a:rPr kumimoji="1" lang="en-US" sz="1200" kern="1200" dirty="0" smtClean="0">
+                <a:solidFill>
+                  <a:schemeClr val="tx1"/>
+                </a:solidFill>
+                <a:effectLst/>
+                <a:latin typeface="Verdana" charset="0"/>
+                <a:ea typeface="ＭＳ Ｐゴシック" charset="0"/>
+                <a:cs typeface="+mn-cs"/>
+              </a:rPr>
+              <a:t>Important thing is: non-exclusive</a:t>
+            </a:r>
+            <a:r>
+              <a:rPr kumimoji="1" lang="en-US" sz="1200" kern="1200" baseline="0" dirty="0" smtClean="0">
+                <a:solidFill>
+                  <a:schemeClr val="tx1"/>
+                </a:solidFill>
+                <a:effectLst/>
+                <a:latin typeface="Verdana" charset="0"/>
+                <a:ea typeface="ＭＳ Ｐゴシック" charset="0"/>
+                <a:cs typeface="+mn-cs"/>
+              </a:rPr>
+              <a:t> in consumption</a:t>
+            </a:r>
+          </a:p>
+          <a:p>
+            <a:pPr marL="171450" marR="0" indent="-171450" algn="l" defTabSz="914400" rtl="0" eaLnBrk="1" fontAlgn="base" latinLnBrk="0" hangingPunct="1">
+              <a:lnSpc>
+                <a:spcPct val="100000"/>
+              </a:lnSpc>
+              <a:spcBef>
+                <a:spcPct val="30000"/>
+              </a:spcBef>
+              <a:spcAft>
+                <a:spcPct val="0"/>
+              </a:spcAft>
+              <a:buClrTx/>
+              <a:buSzTx/>
+              <a:buFontTx/>
+              <a:buChar char="-"/>
+              <a:tabLst/>
+              <a:defRPr/>
+            </a:pPr>
+            <a:endParaRPr kumimoji="1" lang="en-US" sz="1200" kern="1200" baseline="0" dirty="0" smtClean="0">
+              <a:solidFill>
+                <a:schemeClr val="tx1"/>
+              </a:solidFill>
+              <a:effectLst/>
+              <a:latin typeface="Verdana" charset="0"/>
+              <a:ea typeface="ＭＳ Ｐゴシック" charset="0"/>
+              <a:cs typeface="+mn-cs"/>
+            </a:endParaRPr>
+          </a:p>
+          <a:p>
+            <a:pPr marL="0" marR="0" indent="0" algn="l" defTabSz="914400" rtl="0" eaLnBrk="1" fontAlgn="base" latinLnBrk="0" hangingPunct="1">
+              <a:lnSpc>
+                <a:spcPct val="100000"/>
+              </a:lnSpc>
+              <a:spcBef>
+                <a:spcPct val="30000"/>
+              </a:spcBef>
+              <a:spcAft>
+                <a:spcPct val="0"/>
+              </a:spcAft>
+              <a:buClrTx/>
+              <a:buSzTx/>
+              <a:buFontTx/>
+              <a:buNone/>
+              <a:tabLst/>
+              <a:defRPr/>
+            </a:pPr>
+            <a:r>
+              <a:rPr kumimoji="1" lang="en-US" sz="1200" b="1" kern="1200" dirty="0" smtClean="0">
+                <a:solidFill>
+                  <a:schemeClr val="tx1"/>
+                </a:solidFill>
+                <a:effectLst/>
+                <a:latin typeface="Verdana" charset="0"/>
+                <a:ea typeface="ＭＳ Ｐゴシック" charset="0"/>
+                <a:cs typeface="+mn-cs"/>
+              </a:rPr>
+              <a:t>Private-collective</a:t>
+            </a:r>
+            <a:r>
+              <a:rPr kumimoji="1" lang="en-US" sz="1200" b="1" kern="1200" baseline="0" dirty="0" smtClean="0">
+                <a:solidFill>
+                  <a:schemeClr val="tx1"/>
+                </a:solidFill>
+                <a:effectLst/>
+                <a:latin typeface="Verdana" charset="0"/>
+                <a:ea typeface="ＭＳ Ｐゴシック" charset="0"/>
+                <a:cs typeface="+mn-cs"/>
+              </a:rPr>
+              <a:t> model</a:t>
+            </a:r>
+            <a:endParaRPr kumimoji="1" lang="en-US" sz="1200" b="1" kern="1200" dirty="0" smtClean="0">
+              <a:solidFill>
+                <a:schemeClr val="tx1"/>
+              </a:solidFill>
+              <a:effectLst/>
+              <a:latin typeface="Verdana" charset="0"/>
+              <a:ea typeface="ＭＳ Ｐゴシック" charset="0"/>
+              <a:cs typeface="+mn-cs"/>
+            </a:endParaRPr>
+          </a:p>
+          <a:p>
+            <a:pPr marL="171450" marR="0" indent="-171450" algn="l" defTabSz="914400" rtl="0" eaLnBrk="1" fontAlgn="base" latinLnBrk="0" hangingPunct="1">
+              <a:lnSpc>
+                <a:spcPct val="100000"/>
+              </a:lnSpc>
+              <a:spcBef>
+                <a:spcPct val="30000"/>
+              </a:spcBef>
+              <a:spcAft>
+                <a:spcPct val="0"/>
+              </a:spcAft>
+              <a:buClrTx/>
+              <a:buSzTx/>
+              <a:buFontTx/>
+              <a:buChar char="-"/>
+              <a:tabLst/>
+              <a:defRPr/>
+            </a:pPr>
+            <a:r>
+              <a:rPr kumimoji="1" lang="en-US" sz="1200" kern="1200" dirty="0" smtClean="0">
+                <a:solidFill>
+                  <a:schemeClr val="tx1"/>
+                </a:solidFill>
+                <a:effectLst/>
+                <a:latin typeface="Verdana" charset="0"/>
+                <a:ea typeface="ＭＳ Ｐゴシック" charset="0"/>
+                <a:cs typeface="+mn-cs"/>
+              </a:rPr>
+              <a:t>Private companies spend resources to create public goods</a:t>
+            </a:r>
+          </a:p>
+          <a:p>
+            <a:pPr marL="171450" marR="0" indent="-171450" algn="l" defTabSz="914400" rtl="0" eaLnBrk="1" fontAlgn="base" latinLnBrk="0" hangingPunct="1">
+              <a:lnSpc>
+                <a:spcPct val="100000"/>
+              </a:lnSpc>
+              <a:spcBef>
+                <a:spcPct val="30000"/>
+              </a:spcBef>
+              <a:spcAft>
+                <a:spcPct val="0"/>
+              </a:spcAft>
+              <a:buClrTx/>
+              <a:buSzTx/>
+              <a:buFontTx/>
+              <a:buChar char="-"/>
+              <a:tabLst/>
+              <a:defRPr/>
+            </a:pPr>
+            <a:r>
+              <a:rPr kumimoji="1" lang="en-US" sz="1200" kern="1200" dirty="0" smtClean="0">
+                <a:solidFill>
+                  <a:schemeClr val="tx1"/>
+                </a:solidFill>
+                <a:effectLst/>
+                <a:latin typeface="Verdana" charset="0"/>
+                <a:ea typeface="ＭＳ Ｐゴシック" charset="0"/>
+                <a:cs typeface="+mn-cs"/>
+              </a:rPr>
+              <a:t>Counter-intuitive: why should I make my innovations available to all and why pay for something that anyone else can use for free? </a:t>
+            </a:r>
+          </a:p>
+          <a:p>
+            <a:pPr marL="171450" marR="0" indent="-171450" algn="l" defTabSz="914400" rtl="0" eaLnBrk="1" fontAlgn="base" latinLnBrk="0" hangingPunct="1">
+              <a:lnSpc>
+                <a:spcPct val="100000"/>
+              </a:lnSpc>
+              <a:spcBef>
+                <a:spcPct val="30000"/>
+              </a:spcBef>
+              <a:spcAft>
+                <a:spcPct val="0"/>
+              </a:spcAft>
+              <a:buClrTx/>
+              <a:buSzTx/>
+              <a:buFontTx/>
+              <a:buChar char="-"/>
+              <a:tabLst/>
+              <a:defRPr/>
+            </a:pPr>
+            <a:r>
+              <a:rPr kumimoji="1" lang="en-US" sz="1200" kern="1200" dirty="0" smtClean="0">
+                <a:solidFill>
+                  <a:schemeClr val="tx1"/>
+                </a:solidFill>
+                <a:effectLst/>
+                <a:latin typeface="Verdana" charset="0"/>
+                <a:ea typeface="ＭＳ Ｐゴシック" charset="0"/>
+                <a:cs typeface="+mn-cs"/>
+              </a:rPr>
+              <a:t>Main</a:t>
+            </a:r>
+            <a:r>
+              <a:rPr kumimoji="1" lang="en-US" sz="1200" kern="1200" baseline="0" dirty="0" smtClean="0">
+                <a:solidFill>
+                  <a:schemeClr val="tx1"/>
+                </a:solidFill>
+                <a:effectLst/>
+                <a:latin typeface="Verdana" charset="0"/>
+                <a:ea typeface="ＭＳ Ｐゴシック" charset="0"/>
+                <a:cs typeface="+mn-cs"/>
+              </a:rPr>
+              <a:t> question you need to ask: Just f</a:t>
+            </a:r>
+            <a:r>
+              <a:rPr kumimoji="1" lang="en-US" sz="1200" kern="1200" dirty="0" smtClean="0">
+                <a:solidFill>
+                  <a:schemeClr val="tx1"/>
+                </a:solidFill>
+                <a:effectLst/>
+                <a:latin typeface="Verdana" charset="0"/>
+                <a:ea typeface="ＭＳ Ｐゴシック" charset="0"/>
+                <a:cs typeface="+mn-cs"/>
+              </a:rPr>
+              <a:t>ree-ride or receive higher benefits when contributing to the public goods</a:t>
+            </a:r>
+          </a:p>
+          <a:p>
+            <a:pPr marL="171450" marR="0" indent="-171450" algn="l" defTabSz="914400" rtl="0" eaLnBrk="1" fontAlgn="base" latinLnBrk="0" hangingPunct="1">
+              <a:lnSpc>
+                <a:spcPct val="100000"/>
+              </a:lnSpc>
+              <a:spcBef>
+                <a:spcPct val="30000"/>
+              </a:spcBef>
+              <a:spcAft>
+                <a:spcPct val="0"/>
+              </a:spcAft>
+              <a:buClrTx/>
+              <a:buSzTx/>
+              <a:buFontTx/>
+              <a:buChar char="-"/>
+              <a:tabLst/>
+              <a:defRPr/>
+            </a:pPr>
+            <a:r>
+              <a:rPr kumimoji="1" lang="en-US" sz="1200" kern="1200" dirty="0" smtClean="0">
+                <a:solidFill>
+                  <a:schemeClr val="tx1"/>
+                </a:solidFill>
+                <a:effectLst/>
+                <a:latin typeface="Verdana" charset="0"/>
+                <a:ea typeface="ＭＳ Ｐゴシック" charset="0"/>
+                <a:cs typeface="+mn-cs"/>
+              </a:rPr>
+              <a:t>Nokia took this further: paid</a:t>
+            </a:r>
+            <a:r>
+              <a:rPr kumimoji="1" lang="en-US" sz="1200" kern="1200" baseline="0" dirty="0" smtClean="0">
+                <a:solidFill>
+                  <a:schemeClr val="tx1"/>
+                </a:solidFill>
+                <a:effectLst/>
+                <a:latin typeface="Verdana" charset="0"/>
+                <a:ea typeface="ＭＳ Ｐゴシック" charset="0"/>
+                <a:cs typeface="+mn-cs"/>
+              </a:rPr>
+              <a:t> or </a:t>
+            </a:r>
+            <a:r>
+              <a:rPr kumimoji="1" lang="en-US" sz="1200" kern="1200" dirty="0" smtClean="0">
+                <a:solidFill>
+                  <a:schemeClr val="tx1"/>
+                </a:solidFill>
+                <a:effectLst/>
+                <a:latin typeface="Verdana" charset="0"/>
+                <a:ea typeface="ＭＳ Ｐゴシック" charset="0"/>
+                <a:cs typeface="+mn-cs"/>
+              </a:rPr>
+              <a:t>hired OSS developers and created a community software platform</a:t>
+            </a:r>
+            <a:endParaRPr lang="en-US" dirty="0" smtClean="0"/>
+          </a:p>
+          <a:p>
+            <a:pPr marL="171450" marR="0" indent="-171450" algn="l" defTabSz="914400" rtl="0" eaLnBrk="1" fontAlgn="base" latinLnBrk="0" hangingPunct="1">
+              <a:lnSpc>
+                <a:spcPct val="100000"/>
+              </a:lnSpc>
+              <a:spcBef>
+                <a:spcPct val="30000"/>
+              </a:spcBef>
+              <a:spcAft>
+                <a:spcPct val="0"/>
+              </a:spcAft>
+              <a:buClrTx/>
+              <a:buSzTx/>
+              <a:buFontTx/>
+              <a:buChar char="-"/>
+              <a:tabLst/>
+              <a:defRPr/>
+            </a:pPr>
+            <a:endParaRPr lang="en-US" dirty="0" smtClean="0"/>
+          </a:p>
+          <a:p>
+            <a:pPr marL="0" marR="0" indent="0" algn="l" defTabSz="914400" rtl="0" eaLnBrk="1" fontAlgn="base" latinLnBrk="0" hangingPunct="1">
+              <a:lnSpc>
+                <a:spcPct val="100000"/>
+              </a:lnSpc>
+              <a:spcBef>
+                <a:spcPct val="30000"/>
+              </a:spcBef>
+              <a:spcAft>
+                <a:spcPct val="0"/>
+              </a:spcAft>
+              <a:buClrTx/>
+              <a:buSzTx/>
+              <a:buFontTx/>
+              <a:buNone/>
+              <a:tabLst/>
+              <a:defRPr/>
+            </a:pPr>
+            <a:r>
               <a:rPr lang="en-US" dirty="0" smtClean="0"/>
-              <a:t>Google</a:t>
+              <a:t>This all happened</a:t>
             </a:r>
             <a:r>
               <a:rPr lang="en-US" baseline="0" dirty="0" smtClean="0"/>
-              <a:t> just purchased Android Inc. but Android was not released for another 3 years.</a:t>
-            </a:r>
-          </a:p>
-          <a:p>
-            <a:endParaRPr lang="en-US" dirty="0"/>
+              <a:t> for…</a:t>
+            </a:r>
+            <a:endParaRPr lang="en-US" dirty="0" smtClean="0"/>
+          </a:p>
+          <a:p>
+            <a:pPr marL="171450" marR="0" indent="-171450" algn="l" defTabSz="914400" rtl="0" eaLnBrk="1" fontAlgn="base" latinLnBrk="0" hangingPunct="1">
+              <a:lnSpc>
+                <a:spcPct val="100000"/>
+              </a:lnSpc>
+              <a:spcBef>
+                <a:spcPct val="30000"/>
+              </a:spcBef>
+              <a:spcAft>
+                <a:spcPct val="0"/>
+              </a:spcAft>
+              <a:buClrTx/>
+              <a:buSzTx/>
+              <a:buFontTx/>
+              <a:buChar char="-"/>
+              <a:tabLst/>
+              <a:defRPr/>
+            </a:pPr>
+            <a:endParaRPr kumimoji="1" lang="en-US" sz="1200" kern="1200" dirty="0" smtClean="0">
+              <a:solidFill>
+                <a:schemeClr val="tx1"/>
+              </a:solidFill>
+              <a:effectLst/>
+              <a:latin typeface="Verdana" charset="0"/>
+              <a:ea typeface="ＭＳ Ｐゴシック" charset="0"/>
+              <a:cs typeface="+mn-cs"/>
+            </a:endParaRPr>
+          </a:p>
+          <a:p>
+            <a:pPr marL="171450" marR="0" indent="-171450" algn="l" defTabSz="914400" rtl="0" eaLnBrk="1" fontAlgn="base" latinLnBrk="0" hangingPunct="1">
+              <a:lnSpc>
+                <a:spcPct val="100000"/>
+              </a:lnSpc>
+              <a:spcBef>
+                <a:spcPct val="30000"/>
+              </a:spcBef>
+              <a:spcAft>
+                <a:spcPct val="0"/>
+              </a:spcAft>
+              <a:buClrTx/>
+              <a:buSzTx/>
+              <a:buFontTx/>
+              <a:buChar char="-"/>
+              <a:tabLst/>
+              <a:defRPr/>
+            </a:pPr>
+            <a:endParaRPr lang="en-US" dirty="0" smtClean="0"/>
+          </a:p>
+          <a:p>
+            <a:pPr marL="171450" indent="-171450">
+              <a:buFontTx/>
+              <a:buChar char="-"/>
+            </a:pPr>
+            <a:endParaRPr lang="en-US" dirty="0" smtClean="0"/>
           </a:p>
         </p:txBody>
       </p:sp>
@@ -1913,7 +4934,7 @@
     </p:spTree>
     <p:extLst>
       <p:ext uri="{BB962C8B-B14F-4D97-AF65-F5344CB8AC3E}">
-        <p14:creationId xmlns:p14="http://schemas.microsoft.com/office/powerpoint/2010/main" val="1143158259"/>
+        <p14:creationId xmlns:p14="http://schemas.microsoft.com/office/powerpoint/2010/main" val="655116422"/>
       </p:ext>
     </p:extLst>
   </p:cSld>
@@ -1967,10 +4988,118 @@
           <a:bodyPr/>
           <a:lstStyle/>
           <a:p>
+            <a:pPr marL="0" indent="0">
+              <a:buFontTx/>
+              <a:buNone/>
+            </a:pPr>
+            <a:r>
+              <a:rPr lang="en-US" b="1" dirty="0" smtClean="0"/>
+              <a:t>Nokia Internet Tablet</a:t>
+            </a:r>
+          </a:p>
+          <a:p>
+            <a:pPr marL="171450" indent="-171450">
+              <a:buFontTx/>
+              <a:buChar char="-"/>
+            </a:pPr>
+            <a:r>
+              <a:rPr kumimoji="1" lang="en-US" sz="1200" kern="1200" dirty="0" smtClean="0">
+                <a:solidFill>
+                  <a:schemeClr val="tx1"/>
+                </a:solidFill>
+                <a:effectLst/>
+                <a:latin typeface="Verdana" charset="0"/>
+                <a:ea typeface="ＭＳ Ｐゴシック" charset="0"/>
+                <a:cs typeface="+mn-cs"/>
+              </a:rPr>
+              <a:t>Nokia started to experiment with incorporating open source products, specifically based on the Linux kernel, into their devices in 2000 </a:t>
+            </a:r>
+          </a:p>
+          <a:p>
+            <a:pPr marL="171450" indent="-171450">
+              <a:buFontTx/>
+              <a:buChar char="-"/>
+            </a:pPr>
+            <a:r>
+              <a:rPr lang="en-US" baseline="0" dirty="0" smtClean="0"/>
+              <a:t>Release in 2005, </a:t>
+            </a:r>
             <a:r>
               <a:rPr lang="en-US" dirty="0" smtClean="0"/>
-              <a:t>For each of these components, Nokia had to decide, what to chose?</a:t>
-            </a:r>
+              <a:t>Google</a:t>
+            </a:r>
+            <a:r>
+              <a:rPr lang="en-US" baseline="0" dirty="0" smtClean="0"/>
+              <a:t> </a:t>
+            </a:r>
+            <a:r>
+              <a:rPr lang="en-US" baseline="0" dirty="0" smtClean="0"/>
+              <a:t>just purchased Android Inc. but Android was not released for another 3 </a:t>
+            </a:r>
+            <a:r>
+              <a:rPr lang="en-US" baseline="0" dirty="0" smtClean="0"/>
+              <a:t>years</a:t>
+            </a:r>
+          </a:p>
+          <a:p>
+            <a:pPr marL="171450" indent="-171450">
+              <a:buFontTx/>
+              <a:buChar char="-"/>
+            </a:pPr>
+            <a:r>
+              <a:rPr lang="en-US" baseline="0" dirty="0" smtClean="0"/>
+              <a:t>Smartphones were getting smarter, Internet more mobile</a:t>
+            </a:r>
+          </a:p>
+          <a:p>
+            <a:pPr marL="171450" indent="-171450">
+              <a:buFontTx/>
+              <a:buChar char="-"/>
+            </a:pPr>
+            <a:r>
+              <a:rPr lang="en-US" baseline="0" dirty="0" smtClean="0"/>
+              <a:t>Built this device to probe the market, keep costs low</a:t>
+            </a:r>
+          </a:p>
+          <a:p>
+            <a:pPr marL="171450" indent="-171450">
+              <a:buFontTx/>
+              <a:buChar char="-"/>
+            </a:pPr>
+            <a:endParaRPr lang="en-US" baseline="0" dirty="0" smtClean="0"/>
+          </a:p>
+          <a:p>
+            <a:pPr marL="0" indent="0">
+              <a:buFontTx/>
+              <a:buNone/>
+            </a:pPr>
+            <a:r>
+              <a:rPr lang="en-US" baseline="0" dirty="0" smtClean="0"/>
+              <a:t>They included a lot of OSS into the product…</a:t>
+            </a:r>
+          </a:p>
+          <a:p>
+            <a:pPr marL="171450" indent="-171450">
+              <a:buFontTx/>
+              <a:buChar char="-"/>
+            </a:pPr>
+            <a:endParaRPr lang="en-US" baseline="0" dirty="0" smtClean="0"/>
+          </a:p>
+          <a:p>
+            <a:pPr marL="171450" indent="-171450">
+              <a:buFontTx/>
+              <a:buChar char="-"/>
+            </a:pPr>
+            <a:endParaRPr lang="en-US" baseline="0" dirty="0" smtClean="0"/>
+          </a:p>
+          <a:p>
+            <a:pPr marL="171450" indent="-171450">
+              <a:buFontTx/>
+              <a:buChar char="-"/>
+            </a:pPr>
+            <a:endParaRPr lang="en-US" baseline="0" dirty="0" smtClean="0"/>
+          </a:p>
+          <a:p>
             <a:endParaRPr lang="en-US" dirty="0"/>
           </a:p>
         </p:txBody>
@@ -1993,7 +5122,7 @@
             <a:fld id="{36C0F4B3-324B-184C-B7D7-B71343ED7D26}" type="slidenum">
               <a:rPr lang="de-DE" smtClean="0"/>
               <a:pPr/>
-              <a:t>5</a:t>
+              <a:t>4</a:t>
             </a:fld>
             <a:endParaRPr lang="de-DE"/>
           </a:p>
@@ -2002,7 +5131,7 @@
     </p:spTree>
     <p:extLst>
       <p:ext uri="{BB962C8B-B14F-4D97-AF65-F5344CB8AC3E}">
-        <p14:creationId xmlns:p14="http://schemas.microsoft.com/office/powerpoint/2010/main" val="655116422"/>
+        <p14:creationId xmlns:p14="http://schemas.microsoft.com/office/powerpoint/2010/main" val="1143158259"/>
       </p:ext>
     </p:extLst>
   </p:cSld>
@@ -2056,235 +5185,182 @@
           <a:bodyPr/>
           <a:lstStyle/>
           <a:p>
-            <a:pPr marL="0" marR="0" indent="0" algn="l" defTabSz="914400" rtl="0" eaLnBrk="1" fontAlgn="base" latinLnBrk="0" hangingPunct="1">
-              <a:lnSpc>
-                <a:spcPct val="100000"/>
-              </a:lnSpc>
-              <a:spcBef>
-                <a:spcPct val="30000"/>
-              </a:spcBef>
-              <a:spcAft>
-                <a:spcPct val="0"/>
-              </a:spcAft>
-              <a:buClrTx/>
-              <a:buSzTx/>
+            <a:r>
+              <a:rPr lang="en-US" dirty="0" smtClean="0"/>
+              <a:t>Don</a:t>
+            </a:r>
+            <a:r>
+              <a:rPr lang="fr-FR" dirty="0" smtClean="0"/>
+              <a:t>’</a:t>
+            </a:r>
+            <a:r>
+              <a:rPr lang="en-US" dirty="0" smtClean="0"/>
+              <a:t>t be alarmed!</a:t>
+            </a:r>
+            <a:r>
+              <a:rPr lang="en-US" baseline="0" dirty="0" smtClean="0"/>
+              <a:t> You are not supposed to be able to read the labels.</a:t>
+            </a:r>
+          </a:p>
+          <a:p>
+            <a:endParaRPr lang="en-US" baseline="0" dirty="0" smtClean="0"/>
+          </a:p>
+          <a:p>
+            <a:pPr marL="171450" indent="-171450">
+              <a:buFontTx/>
+              <a:buChar char="-"/>
+            </a:pPr>
+            <a:r>
+              <a:rPr lang="en-US" baseline="0" dirty="0" smtClean="0"/>
+              <a:t>Shows the system design for the operating system</a:t>
+            </a:r>
+          </a:p>
+          <a:p>
+            <a:pPr marL="171450" indent="-171450">
+              <a:buFontTx/>
+              <a:buChar char="-"/>
+            </a:pPr>
+            <a:r>
+              <a:rPr lang="en-US" baseline="0" dirty="0" smtClean="0"/>
+              <a:t>Hardware access in the bottom and UI components in the top</a:t>
+            </a:r>
+          </a:p>
+          <a:p>
+            <a:pPr marL="171450" indent="-171450">
+              <a:buFontTx/>
+              <a:buChar char="-"/>
+            </a:pPr>
+            <a:r>
+              <a:rPr lang="en-US" baseline="0" dirty="0" smtClean="0"/>
+              <a:t>Important: share of components colored red</a:t>
+            </a:r>
+          </a:p>
+          <a:p>
+            <a:pPr marL="171450" indent="-171450">
+              <a:buFontTx/>
+              <a:buChar char="-"/>
+            </a:pPr>
+            <a:r>
+              <a:rPr lang="en-US" baseline="0" dirty="0" smtClean="0"/>
+              <a:t>25% of code was closed source</a:t>
+            </a:r>
+          </a:p>
+          <a:p>
+            <a:pPr marL="171450" indent="-171450">
+              <a:buFontTx/>
+              <a:buChar char="-"/>
+            </a:pPr>
+            <a:r>
+              <a:rPr lang="en-US" baseline="0" dirty="0" smtClean="0"/>
+              <a:t>Dominated by proprietary software: system software (</a:t>
+            </a:r>
+            <a:r>
+              <a:rPr lang="en-US" baseline="0" dirty="0" err="1" smtClean="0"/>
+              <a:t>clockd</a:t>
+            </a:r>
+            <a:r>
+              <a:rPr lang="en-US" baseline="0" dirty="0" smtClean="0"/>
+              <a:t>, profile manager), Nokia graphics, Location framework</a:t>
+            </a:r>
+          </a:p>
+          <a:p>
+            <a:pPr marL="171450" indent="-171450">
+              <a:buFontTx/>
+              <a:buChar char="-"/>
+            </a:pPr>
+            <a:r>
+              <a:rPr lang="en-US" baseline="0" dirty="0" smtClean="0"/>
+              <a:t>Single components: boot-loader, restore/backup, fonts and themes</a:t>
+            </a:r>
+          </a:p>
+          <a:p>
+            <a:pPr marL="171450" indent="-171450">
+              <a:buFontTx/>
+              <a:buChar char="-"/>
+            </a:pPr>
+            <a:endParaRPr lang="en-US" dirty="0" smtClean="0"/>
+          </a:p>
+          <a:p>
+            <a:pPr marL="0" indent="0">
               <a:buFontTx/>
               <a:buNone/>
-              <a:tabLst/>
-              <a:defRPr/>
-            </a:pPr>
-            <a:r>
-              <a:rPr kumimoji="1" lang="en-US" sz="1200" b="1" kern="1200" dirty="0" smtClean="0">
-                <a:solidFill>
-                  <a:schemeClr val="tx1"/>
-                </a:solidFill>
-                <a:effectLst/>
-                <a:latin typeface="Verdana" charset="0"/>
-                <a:ea typeface="ＭＳ Ｐゴシック" charset="0"/>
-                <a:cs typeface="+mn-cs"/>
-              </a:rPr>
-              <a:t>Shared development</a:t>
-            </a:r>
-            <a:endParaRPr kumimoji="1" lang="en-US" sz="1200" b="0" kern="1200" dirty="0" smtClean="0">
-              <a:solidFill>
-                <a:schemeClr val="tx1"/>
-              </a:solidFill>
-              <a:effectLst/>
-              <a:latin typeface="Verdana" charset="0"/>
-              <a:ea typeface="ＭＳ Ｐゴシック" charset="0"/>
-              <a:cs typeface="+mn-cs"/>
-            </a:endParaRPr>
-          </a:p>
-          <a:p>
-            <a:pPr marL="0" marR="0" indent="0" algn="l" defTabSz="914400" rtl="0" eaLnBrk="1" fontAlgn="base" latinLnBrk="0" hangingPunct="1">
-              <a:lnSpc>
-                <a:spcPct val="100000"/>
-              </a:lnSpc>
-              <a:spcBef>
-                <a:spcPct val="30000"/>
-              </a:spcBef>
-              <a:spcAft>
-                <a:spcPct val="0"/>
-              </a:spcAft>
-              <a:buClrTx/>
-              <a:buSzTx/>
+            </a:pPr>
+            <a:r>
+              <a:rPr lang="en-US" dirty="0" smtClean="0"/>
+              <a:t>25%</a:t>
+            </a:r>
+            <a:r>
+              <a:rPr lang="en-US" baseline="0" dirty="0" smtClean="0"/>
+              <a:t> closed source, 50% modified OSS, 25% unmodified OSS</a:t>
+            </a:r>
+          </a:p>
+          <a:p>
+            <a:pPr marL="0" indent="0">
               <a:buFontTx/>
               <a:buNone/>
-              <a:tabLst/>
-              <a:defRPr/>
-            </a:pPr>
-            <a:endParaRPr lang="en-US" dirty="0" smtClean="0"/>
-          </a:p>
-          <a:p>
-            <a:pPr marL="0" marR="0" indent="0" algn="l" defTabSz="914400" rtl="0" eaLnBrk="1" fontAlgn="base" latinLnBrk="0" hangingPunct="1">
-              <a:lnSpc>
-                <a:spcPct val="100000"/>
-              </a:lnSpc>
-              <a:spcBef>
-                <a:spcPct val="30000"/>
-              </a:spcBef>
-              <a:spcAft>
-                <a:spcPct val="0"/>
-              </a:spcAft>
-              <a:buClrTx/>
-              <a:buSzTx/>
+            </a:pPr>
+            <a:endParaRPr lang="en-US" baseline="0" dirty="0" smtClean="0"/>
+          </a:p>
+          <a:p>
+            <a:pPr marL="0" indent="0">
               <a:buFontTx/>
               <a:buNone/>
-              <a:tabLst/>
-              <a:defRPr/>
-            </a:pPr>
-            <a:r>
-              <a:rPr kumimoji="1" lang="en-US" sz="1200" b="1" kern="1200" dirty="0" smtClean="0">
-                <a:solidFill>
-                  <a:schemeClr val="tx1"/>
-                </a:solidFill>
-                <a:effectLst/>
-                <a:latin typeface="Verdana" charset="0"/>
-                <a:ea typeface="ＭＳ Ｐゴシック" charset="0"/>
-                <a:cs typeface="+mn-cs"/>
-              </a:rPr>
-              <a:t>Faster time-to-market </a:t>
-            </a:r>
-            <a:r>
-              <a:rPr kumimoji="1" lang="en-US" sz="1200" kern="1200" dirty="0" smtClean="0">
-                <a:solidFill>
-                  <a:schemeClr val="tx1"/>
-                </a:solidFill>
-                <a:effectLst/>
-                <a:latin typeface="Verdana" charset="0"/>
-                <a:ea typeface="ＭＳ Ｐゴシック" charset="0"/>
-                <a:cs typeface="+mn-cs"/>
-              </a:rPr>
-              <a:t>The use of modular open source software allowed Nokia to develop an operating system in a short time. By collaborating with outside volunteers and contributors Nokia acted as a system integrator coordinating a loosely coupled network of component providers. </a:t>
-            </a:r>
-            <a:endParaRPr lang="en-US" dirty="0" smtClean="0"/>
-          </a:p>
-          <a:p>
-            <a:pPr marL="0" marR="0" indent="0" algn="l" defTabSz="914400" rtl="0" eaLnBrk="1" fontAlgn="base" latinLnBrk="0" hangingPunct="1">
-              <a:lnSpc>
-                <a:spcPct val="100000"/>
-              </a:lnSpc>
-              <a:spcBef>
-                <a:spcPct val="30000"/>
-              </a:spcBef>
-              <a:spcAft>
-                <a:spcPct val="0"/>
-              </a:spcAft>
-              <a:buClrTx/>
-              <a:buSzTx/>
+            </a:pPr>
+            <a:r>
+              <a:rPr lang="en-US" dirty="0" smtClean="0"/>
+              <a:t>Half</a:t>
+            </a:r>
+            <a:r>
+              <a:rPr lang="en-US" baseline="0" dirty="0" smtClean="0"/>
+              <a:t> of the OSS was modified, improved or extended by Nokia.</a:t>
+            </a:r>
+          </a:p>
+          <a:p>
+            <a:pPr marL="171450" indent="-171450">
+              <a:buFontTx/>
+              <a:buChar char="-"/>
+            </a:pPr>
+            <a:r>
+              <a:rPr lang="en-US" baseline="0" dirty="0" smtClean="0"/>
+              <a:t>Nokia helped advance more than half of these projects</a:t>
+            </a:r>
+          </a:p>
+          <a:p>
+            <a:pPr marL="171450" indent="-171450">
+              <a:buFontTx/>
+              <a:buChar char="-"/>
+            </a:pPr>
+            <a:r>
+              <a:rPr lang="en-US" baseline="0" dirty="0" smtClean="0"/>
+              <a:t>Paid OSS developers</a:t>
+            </a:r>
+          </a:p>
+          <a:p>
+            <a:pPr marL="171450" indent="-171450">
+              <a:buFontTx/>
+              <a:buChar char="-"/>
+            </a:pPr>
+            <a:r>
+              <a:rPr lang="en-US" baseline="0" dirty="0" smtClean="0"/>
+              <a:t>created an SDK and a community platform</a:t>
+            </a:r>
+          </a:p>
+          <a:p>
+            <a:pPr marL="0" indent="0">
               <a:buFontTx/>
               <a:buNone/>
-              <a:tabLst/>
-              <a:defRPr/>
-            </a:pPr>
-            <a:endParaRPr lang="en-US" dirty="0" smtClean="0"/>
-          </a:p>
-          <a:p>
-            <a:pPr marL="0" marR="0" indent="0" algn="l" defTabSz="914400" rtl="0" eaLnBrk="1" fontAlgn="base" latinLnBrk="0" hangingPunct="1">
-              <a:lnSpc>
-                <a:spcPct val="100000"/>
-              </a:lnSpc>
-              <a:spcBef>
-                <a:spcPct val="30000"/>
-              </a:spcBef>
-              <a:spcAft>
-                <a:spcPct val="0"/>
-              </a:spcAft>
-              <a:buClrTx/>
-              <a:buSzTx/>
+            </a:pPr>
+            <a:endParaRPr lang="en-US" baseline="0" dirty="0" smtClean="0"/>
+          </a:p>
+          <a:p>
+            <a:pPr marL="0" indent="0">
               <a:buFontTx/>
               <a:buNone/>
-              <a:tabLst/>
-              <a:defRPr/>
-            </a:pPr>
-            <a:r>
-              <a:rPr kumimoji="1" lang="en-US" sz="1200" b="1" kern="1200" dirty="0" smtClean="0">
-                <a:solidFill>
-                  <a:schemeClr val="tx1"/>
-                </a:solidFill>
-                <a:effectLst/>
-                <a:latin typeface="Verdana" charset="0"/>
-                <a:ea typeface="ＭＳ Ｐゴシック" charset="0"/>
-                <a:cs typeface="+mn-cs"/>
-              </a:rPr>
-              <a:t>Learning from others’ contributions </a:t>
-            </a:r>
-            <a:r>
-              <a:rPr kumimoji="1" lang="en-US" sz="1200" kern="1200" dirty="0" smtClean="0">
-                <a:solidFill>
-                  <a:schemeClr val="tx1"/>
-                </a:solidFill>
-                <a:effectLst/>
-                <a:latin typeface="Verdana" charset="0"/>
-                <a:ea typeface="ＭＳ Ｐゴシック" charset="0"/>
-                <a:cs typeface="+mn-cs"/>
-              </a:rPr>
-              <a:t>This effect goes both ways as you can learn from the contributions of the community as well as learn in the process of creating something that you share. Nokia had started the Internet Tablet as a research project and had a lot of intimate knowledge of the whole architecture. Knowledge gaps were addressed by either outsourcing small tasks to individuals or companies experienced in open source software development. With this dual approach Nokia learned from the contributions as it had to integrate them into the final product. </a:t>
-            </a:r>
-          </a:p>
-          <a:p>
-            <a:pPr marL="0" marR="0" indent="0" algn="l" defTabSz="914400" rtl="0" eaLnBrk="1" fontAlgn="base" latinLnBrk="0" hangingPunct="1">
-              <a:lnSpc>
-                <a:spcPct val="100000"/>
-              </a:lnSpc>
-              <a:spcBef>
-                <a:spcPct val="30000"/>
-              </a:spcBef>
-              <a:spcAft>
-                <a:spcPct val="0"/>
-              </a:spcAft>
-              <a:buClrTx/>
-              <a:buSzTx/>
-              <a:buFontTx/>
-              <a:buNone/>
-              <a:tabLst/>
-              <a:defRPr/>
-            </a:pPr>
-            <a:r>
-              <a:rPr kumimoji="1" lang="en-US" sz="1200" kern="1200" dirty="0" smtClean="0">
-                <a:solidFill>
-                  <a:schemeClr val="tx1"/>
-                </a:solidFill>
-                <a:effectLst/>
-                <a:latin typeface="Verdana" charset="0"/>
-                <a:ea typeface="ＭＳ Ｐゴシック" charset="0"/>
-                <a:cs typeface="+mn-cs"/>
-              </a:rPr>
-              <a:t>GTK</a:t>
-            </a:r>
-            <a:r>
-              <a:rPr kumimoji="1" lang="en-US" sz="1200" kern="1200" baseline="0" dirty="0" smtClean="0">
-                <a:solidFill>
-                  <a:schemeClr val="tx1"/>
-                </a:solidFill>
-                <a:effectLst/>
-                <a:latin typeface="Verdana" charset="0"/>
-                <a:ea typeface="ＭＳ Ｐゴシック" charset="0"/>
-                <a:cs typeface="+mn-cs"/>
-              </a:rPr>
-              <a:t> fork story.</a:t>
-            </a:r>
-            <a:endParaRPr lang="en-US" dirty="0" smtClean="0"/>
-          </a:p>
-          <a:p>
-            <a:pPr marL="0" marR="0" indent="0" algn="l" defTabSz="914400" rtl="0" eaLnBrk="1" fontAlgn="base" latinLnBrk="0" hangingPunct="1">
-              <a:lnSpc>
-                <a:spcPct val="100000"/>
-              </a:lnSpc>
-              <a:spcBef>
-                <a:spcPct val="30000"/>
-              </a:spcBef>
-              <a:spcAft>
-                <a:spcPct val="0"/>
-              </a:spcAft>
-              <a:buClrTx/>
-              <a:buSzTx/>
-              <a:buFontTx/>
-              <a:buNone/>
-              <a:tabLst/>
-              <a:defRPr/>
-            </a:pPr>
-            <a:endParaRPr lang="en-US" dirty="0" smtClean="0"/>
+            </a:pPr>
+            <a:r>
+              <a:rPr lang="en-US" baseline="0" dirty="0" smtClean="0"/>
+              <a:t>Invested considerable resources, lets look at the benefits…</a:t>
+            </a:r>
           </a:p>
         </p:txBody>
       </p:sp>
@@ -2306,7 +5382,7 @@
             <a:fld id="{36C0F4B3-324B-184C-B7D7-B71343ED7D26}" type="slidenum">
               <a:rPr lang="de-DE" smtClean="0"/>
               <a:pPr/>
-              <a:t>6</a:t>
+              <a:t>5</a:t>
             </a:fld>
             <a:endParaRPr lang="de-DE"/>
           </a:p>
@@ -2315,7 +5391,7 @@
     </p:spTree>
     <p:extLst>
       <p:ext uri="{BB962C8B-B14F-4D97-AF65-F5344CB8AC3E}">
-        <p14:creationId xmlns:p14="http://schemas.microsoft.com/office/powerpoint/2010/main" val="3283908325"/>
+        <p14:creationId xmlns:p14="http://schemas.microsoft.com/office/powerpoint/2010/main" val="2724407031"/>
       </p:ext>
     </p:extLst>
   </p:cSld>
@@ -2369,102 +5445,6 @@
           <a:bodyPr/>
           <a:lstStyle/>
           <a:p>
-            <a:r>
-              <a:rPr kumimoji="1" lang="en-US" sz="1200" b="1" kern="1200" dirty="0" smtClean="0">
-                <a:solidFill>
-                  <a:schemeClr val="tx1"/>
-                </a:solidFill>
-                <a:effectLst/>
-                <a:latin typeface="Verdana" charset="0"/>
-                <a:ea typeface="ＭＳ Ｐゴシック" charset="0"/>
-                <a:cs typeface="+mn-cs"/>
-              </a:rPr>
-              <a:t>Reputation gain </a:t>
-            </a:r>
-          </a:p>
-          <a:p>
-            <a:pPr marL="171450" indent="-171450">
-              <a:buFontTx/>
-              <a:buChar char="-"/>
-            </a:pPr>
-            <a:r>
-              <a:rPr kumimoji="1" lang="en-US" sz="1200" kern="1200" dirty="0" smtClean="0">
-                <a:solidFill>
-                  <a:schemeClr val="tx1"/>
-                </a:solidFill>
-                <a:effectLst/>
-                <a:latin typeface="Verdana" charset="0"/>
-                <a:ea typeface="ＭＳ Ｐゴシック" charset="0"/>
-                <a:cs typeface="+mn-cs"/>
-              </a:rPr>
-              <a:t>A positive reputation can be gained from a commitment to open source. </a:t>
-            </a:r>
-          </a:p>
-          <a:p>
-            <a:pPr marL="171450" indent="-171450">
-              <a:buFontTx/>
-              <a:buChar char="-"/>
-            </a:pPr>
-            <a:r>
-              <a:rPr kumimoji="1" lang="en-US" sz="1200" kern="1200" dirty="0" smtClean="0">
-                <a:solidFill>
-                  <a:schemeClr val="tx1"/>
-                </a:solidFill>
-                <a:effectLst/>
-                <a:latin typeface="Verdana" charset="0"/>
-                <a:ea typeface="ＭＳ Ｐゴシック" charset="0"/>
-                <a:cs typeface="+mn-cs"/>
-              </a:rPr>
-              <a:t>Volunteers contributing to the </a:t>
-            </a:r>
-            <a:r>
-              <a:rPr kumimoji="1" lang="en-US" sz="1200" kern="1200" dirty="0" err="1" smtClean="0">
-                <a:solidFill>
-                  <a:schemeClr val="tx1"/>
-                </a:solidFill>
-                <a:effectLst/>
-                <a:latin typeface="Verdana" charset="0"/>
-                <a:ea typeface="ＭＳ Ｐゴシック" charset="0"/>
-                <a:cs typeface="+mn-cs"/>
-              </a:rPr>
-              <a:t>Maemo</a:t>
-            </a:r>
-            <a:r>
-              <a:rPr kumimoji="1" lang="en-US" sz="1200" kern="1200" dirty="0" smtClean="0">
-                <a:solidFill>
-                  <a:schemeClr val="tx1"/>
-                </a:solidFill>
-                <a:effectLst/>
-                <a:latin typeface="Verdana" charset="0"/>
-                <a:ea typeface="ＭＳ Ｐゴシック" charset="0"/>
-                <a:cs typeface="+mn-cs"/>
-              </a:rPr>
-              <a:t> platform reported growing attachment to Nokia. </a:t>
-            </a:r>
-          </a:p>
-          <a:p>
-            <a:pPr marL="171450" indent="-171450">
-              <a:buFontTx/>
-              <a:buChar char="-"/>
-            </a:pPr>
-            <a:r>
-              <a:rPr kumimoji="1" lang="en-US" sz="1200" kern="1200" dirty="0" smtClean="0">
-                <a:solidFill>
-                  <a:schemeClr val="tx1"/>
-                </a:solidFill>
-                <a:effectLst/>
-                <a:latin typeface="Verdana" charset="0"/>
-                <a:ea typeface="ＭＳ Ｐゴシック" charset="0"/>
-                <a:cs typeface="+mn-cs"/>
-              </a:rPr>
-              <a:t>economical effect as these volunteers bought the device knowing that they were buying into an ecosystem which they could improve and create applications for. </a:t>
-            </a:r>
-            <a:endParaRPr lang="en-US" dirty="0" smtClean="0"/>
-          </a:p>
-          <a:p>
-            <a:endParaRPr lang="en-US" dirty="0" smtClean="0"/>
-          </a:p>
-          <a:p>
             <a:pPr marL="0" marR="0" indent="0" algn="l" defTabSz="914400" rtl="0" eaLnBrk="1" fontAlgn="base" latinLnBrk="0" hangingPunct="1">
               <a:lnSpc>
                 <a:spcPct val="100000"/>
@@ -2492,7 +5472,19 @@
                 <a:ea typeface="ＭＳ Ｐゴシック" charset="0"/>
                 <a:cs typeface="+mn-cs"/>
               </a:rPr>
-              <a:t>Widespread adoption </a:t>
+              <a:t>Shared </a:t>
+            </a:r>
+            <a:r>
+              <a:rPr kumimoji="1" lang="en-US" sz="1200" b="1" kern="1200" dirty="0" smtClean="0">
+                <a:solidFill>
+                  <a:schemeClr val="tx1"/>
+                </a:solidFill>
+                <a:effectLst/>
+                <a:latin typeface="Verdana" charset="0"/>
+                <a:ea typeface="ＭＳ Ｐゴシック" charset="0"/>
+                <a:cs typeface="+mn-cs"/>
+              </a:rPr>
+              <a:t>development cost</a:t>
             </a:r>
           </a:p>
           <a:p>
@@ -2523,7 +5515,7 @@
                 <a:ea typeface="ＭＳ Ｐゴシック" charset="0"/>
                 <a:cs typeface="+mn-cs"/>
               </a:rPr>
-              <a:t>The public availability of the innovation can lead to a fast and wide adoption, </a:t>
+              <a:t>Reuse of open source software</a:t>
             </a:r>
           </a:p>
           <a:p>
@@ -2554,7 +5546,7 @@
                 <a:ea typeface="ＭＳ Ｐゴシック" charset="0"/>
                 <a:cs typeface="+mn-cs"/>
               </a:rPr>
-              <a:t>accelerated by network effects that may establish a dominant design. </a:t>
+              <a:t>outsourcing of software testing and bug fixing and maintenance to open source communities</a:t>
             </a:r>
           </a:p>
           <a:p>
@@ -2585,32 +5577,17 @@
                 <a:ea typeface="ＭＳ Ｐゴシック" charset="0"/>
                 <a:cs typeface="+mn-cs"/>
               </a:rPr>
-              <a:t>contributors to the</a:t>
-            </a:r>
-            <a:r>
-              <a:rPr kumimoji="1" lang="en-US" sz="1200" kern="1200" baseline="0" dirty="0" smtClean="0">
-                <a:solidFill>
-                  <a:schemeClr val="tx1"/>
-                </a:solidFill>
-                <a:effectLst/>
-                <a:latin typeface="Verdana" charset="0"/>
-                <a:ea typeface="ＭＳ Ｐゴシック" charset="0"/>
-                <a:cs typeface="+mn-cs"/>
-              </a:rPr>
-              <a:t> OSS</a:t>
-            </a:r>
-            <a:r>
-              <a:rPr kumimoji="1" lang="en-US" sz="1200" kern="1200" dirty="0" smtClean="0">
-                <a:solidFill>
-                  <a:schemeClr val="tx1"/>
-                </a:solidFill>
-                <a:effectLst/>
-                <a:latin typeface="Verdana" charset="0"/>
-                <a:ea typeface="ＭＳ Ｐゴシック" charset="0"/>
-                <a:cs typeface="+mn-cs"/>
-              </a:rPr>
-              <a:t> projects had no entry barrier to participate in the development of applications for the tablet. Nokia created GNOME Embedded Platform.</a:t>
-            </a:r>
+              <a:t>Experimentation and contributions of new applications by lead users</a:t>
+            </a:r>
+            <a:endParaRPr kumimoji="1" lang="en-US" sz="1200" b="0" kern="1200" dirty="0" smtClean="0">
+              <a:solidFill>
+                <a:schemeClr val="tx1"/>
+              </a:solidFill>
+              <a:effectLst/>
+              <a:latin typeface="Verdana" charset="0"/>
+              <a:ea typeface="ＭＳ Ｐゴシック" charset="0"/>
+              <a:cs typeface="+mn-cs"/>
+            </a:endParaRPr>
           </a:p>
           <a:p>
             <a:pPr marL="0" marR="0" indent="0" algn="l" defTabSz="914400" rtl="0" eaLnBrk="1" fontAlgn="base" latinLnBrk="0" hangingPunct="1">
@@ -2630,113 +5607,6 @@
               <a:tabLst/>
               <a:defRPr/>
             </a:pPr>
-            <a:endParaRPr kumimoji="1" lang="en-US" sz="1200" kern="1200" dirty="0" smtClean="0">
-              <a:solidFill>
-                <a:schemeClr val="tx1"/>
-              </a:solidFill>
-              <a:effectLst/>
-              <a:latin typeface="Verdana" charset="0"/>
-              <a:ea typeface="ＭＳ Ｐゴシック" charset="0"/>
-              <a:cs typeface="+mn-cs"/>
-            </a:endParaRPr>
-          </a:p>
-          <a:p>
-            <a:r>
-              <a:rPr kumimoji="1" lang="en-US" sz="1200" b="0" kern="1200" dirty="0" smtClean="0">
-                <a:solidFill>
-                  <a:schemeClr val="tx1"/>
-                </a:solidFill>
-                <a:effectLst/>
-                <a:latin typeface="Verdana" charset="0"/>
-                <a:ea typeface="ＭＳ Ｐゴシック" charset="0"/>
-                <a:cs typeface="+mn-cs"/>
-              </a:rPr>
-              <a:t>Number</a:t>
-            </a:r>
-            <a:r>
-              <a:rPr kumimoji="1" lang="en-US" sz="1200" b="0" kern="1200" baseline="0" dirty="0" smtClean="0">
-                <a:solidFill>
-                  <a:schemeClr val="tx1"/>
-                </a:solidFill>
-                <a:effectLst/>
-                <a:latin typeface="Verdana" charset="0"/>
-                <a:ea typeface="ＭＳ Ｐゴシック" charset="0"/>
-                <a:cs typeface="+mn-cs"/>
-              </a:rPr>
-              <a:t> one: </a:t>
-            </a:r>
-            <a:r>
-              <a:rPr kumimoji="1" lang="en-US" sz="1200" b="1" kern="1200" baseline="0" dirty="0" smtClean="0">
-                <a:solidFill>
-                  <a:schemeClr val="tx1"/>
-                </a:solidFill>
-                <a:effectLst/>
-                <a:latin typeface="Verdana" charset="0"/>
-                <a:ea typeface="ＭＳ Ｐゴシック" charset="0"/>
-                <a:cs typeface="+mn-cs"/>
-              </a:rPr>
-              <a:t>Reputation gain</a:t>
-            </a:r>
-            <a:r>
-              <a:rPr kumimoji="1" lang="en-US" sz="1200" b="1" kern="1200" dirty="0" smtClean="0">
-                <a:solidFill>
-                  <a:schemeClr val="tx1"/>
-                </a:solidFill>
-                <a:effectLst/>
-                <a:latin typeface="Verdana" charset="0"/>
-                <a:ea typeface="ＭＳ Ｐゴシック" charset="0"/>
-                <a:cs typeface="+mn-cs"/>
-              </a:rPr>
-              <a:t> </a:t>
-            </a:r>
-            <a:r>
-              <a:rPr kumimoji="1" lang="en-US" sz="1200" b="0" kern="1200" dirty="0" smtClean="0">
-                <a:solidFill>
-                  <a:schemeClr val="tx1"/>
-                </a:solidFill>
-                <a:effectLst/>
-                <a:latin typeface="Verdana" charset="0"/>
-                <a:ea typeface="ＭＳ Ｐゴシック" charset="0"/>
-                <a:cs typeface="+mn-cs"/>
-              </a:rPr>
-              <a:t>B</a:t>
-            </a:r>
-            <a:r>
-              <a:rPr kumimoji="1" lang="en-US" sz="1200" kern="1200" dirty="0" smtClean="0">
-                <a:solidFill>
-                  <a:schemeClr val="tx1"/>
-                </a:solidFill>
-                <a:effectLst/>
-                <a:latin typeface="Verdana" charset="0"/>
-                <a:ea typeface="ＭＳ Ｐゴシック" charset="0"/>
-                <a:cs typeface="+mn-cs"/>
-              </a:rPr>
-              <a:t>eing labeled “open source friendly”</a:t>
-            </a:r>
-            <a:r>
-              <a:rPr kumimoji="1" lang="en-US" sz="1200" kern="1200" baseline="0" dirty="0" smtClean="0">
-                <a:solidFill>
-                  <a:schemeClr val="tx1"/>
-                </a:solidFill>
-                <a:effectLst/>
-                <a:latin typeface="Verdana" charset="0"/>
-                <a:ea typeface="ＭＳ Ｐゴシック" charset="0"/>
-                <a:cs typeface="+mn-cs"/>
-              </a:rPr>
-              <a:t> </a:t>
-            </a:r>
-            <a:r>
-              <a:rPr kumimoji="1" lang="en-US" sz="1200" kern="1200" dirty="0" smtClean="0">
-                <a:solidFill>
-                  <a:schemeClr val="tx1"/>
-                </a:solidFill>
-                <a:effectLst/>
-                <a:latin typeface="Verdana" charset="0"/>
-                <a:ea typeface="ＭＳ Ｐゴシック" charset="0"/>
-                <a:cs typeface="+mn-cs"/>
-              </a:rPr>
-              <a:t>attracted developers who contributed to the platform, helped it grow and become increasingly appealing to other developers. </a:t>
-            </a:r>
             <a:endParaRPr lang="en-US" dirty="0" smtClean="0"/>
           </a:p>
           <a:p>
@@ -2757,10 +5627,705 @@
               <a:tabLst/>
               <a:defRPr/>
             </a:pPr>
+            <a:r>
+              <a:rPr kumimoji="1" lang="en-US" sz="1200" b="1" kern="1200" dirty="0" smtClean="0">
+                <a:solidFill>
+                  <a:schemeClr val="tx1"/>
+                </a:solidFill>
+                <a:effectLst/>
+                <a:latin typeface="Verdana" charset="0"/>
+                <a:ea typeface="ＭＳ Ｐゴシック" charset="0"/>
+                <a:cs typeface="+mn-cs"/>
+              </a:rPr>
+              <a:t>Faster time-to-market </a:t>
+            </a:r>
+            <a:endParaRPr kumimoji="1" lang="en-US" sz="1200" b="1" kern="1200" dirty="0" smtClean="0">
+              <a:solidFill>
+                <a:schemeClr val="tx1"/>
+              </a:solidFill>
+              <a:effectLst/>
+              <a:latin typeface="Verdana" charset="0"/>
+              <a:ea typeface="ＭＳ Ｐゴシック" charset="0"/>
+              <a:cs typeface="+mn-cs"/>
+            </a:endParaRPr>
+          </a:p>
+          <a:p>
+            <a:pPr marL="0" marR="0" indent="0" algn="l" defTabSz="914400" rtl="0" eaLnBrk="1" fontAlgn="base" latinLnBrk="0" hangingPunct="1">
+              <a:lnSpc>
+                <a:spcPct val="100000"/>
+              </a:lnSpc>
+              <a:spcBef>
+                <a:spcPct val="30000"/>
+              </a:spcBef>
+              <a:spcAft>
+                <a:spcPct val="0"/>
+              </a:spcAft>
+              <a:buClrTx/>
+              <a:buSzTx/>
+              <a:buFontTx/>
+              <a:buNone/>
+              <a:tabLst/>
+              <a:defRPr/>
+            </a:pPr>
+            <a:r>
+              <a:rPr kumimoji="1" lang="en-US" sz="1200" b="0" kern="1200" dirty="0" smtClean="0">
+                <a:solidFill>
+                  <a:schemeClr val="tx1"/>
+                </a:solidFill>
+                <a:effectLst/>
+                <a:latin typeface="Verdana" charset="0"/>
+                <a:ea typeface="ＭＳ Ｐゴシック" charset="0"/>
+                <a:cs typeface="+mn-cs"/>
+              </a:rPr>
+              <a:t>- </a:t>
+            </a:r>
+            <a:r>
+              <a:rPr kumimoji="1" lang="en-US" sz="1200" kern="1200" dirty="0" smtClean="0">
+                <a:solidFill>
+                  <a:schemeClr val="tx1"/>
+                </a:solidFill>
+                <a:effectLst/>
+                <a:latin typeface="Verdana" charset="0"/>
+                <a:ea typeface="ＭＳ Ｐゴシック" charset="0"/>
+                <a:cs typeface="+mn-cs"/>
+              </a:rPr>
+              <a:t>The use of modular </a:t>
+            </a:r>
+            <a:r>
+              <a:rPr kumimoji="1" lang="en-US" sz="1200" kern="1200" dirty="0" smtClean="0">
+                <a:solidFill>
+                  <a:schemeClr val="tx1"/>
+                </a:solidFill>
+                <a:effectLst/>
+                <a:latin typeface="Verdana" charset="0"/>
+                <a:ea typeface="ＭＳ Ｐゴシック" charset="0"/>
+                <a:cs typeface="+mn-cs"/>
+              </a:rPr>
+              <a:t>open source software allowed Nokia to develop an operating system in a short </a:t>
+            </a:r>
+            <a:r>
+              <a:rPr kumimoji="1" lang="en-US" sz="1200" kern="1200" dirty="0" smtClean="0">
+                <a:solidFill>
+                  <a:schemeClr val="tx1"/>
+                </a:solidFill>
+                <a:effectLst/>
+                <a:latin typeface="Verdana" charset="0"/>
+                <a:ea typeface="ＭＳ Ｐゴシック" charset="0"/>
+                <a:cs typeface="+mn-cs"/>
+              </a:rPr>
+              <a:t>time</a:t>
+            </a:r>
+          </a:p>
+          <a:p>
+            <a:pPr marL="171450" marR="0" indent="-171450" algn="l" defTabSz="914400" rtl="0" eaLnBrk="1" fontAlgn="base" latinLnBrk="0" hangingPunct="1">
+              <a:lnSpc>
+                <a:spcPct val="100000"/>
+              </a:lnSpc>
+              <a:spcBef>
+                <a:spcPct val="30000"/>
+              </a:spcBef>
+              <a:spcAft>
+                <a:spcPct val="0"/>
+              </a:spcAft>
+              <a:buClrTx/>
+              <a:buSzTx/>
+              <a:buFontTx/>
+              <a:buChar char="-"/>
+              <a:tabLst/>
+              <a:defRPr/>
+            </a:pPr>
+            <a:r>
+              <a:rPr kumimoji="1" lang="en-US" sz="1200" kern="1200" dirty="0" smtClean="0">
+                <a:solidFill>
+                  <a:schemeClr val="tx1"/>
+                </a:solidFill>
+                <a:effectLst/>
+                <a:latin typeface="Verdana" charset="0"/>
+                <a:ea typeface="ＭＳ Ｐゴシック" charset="0"/>
+                <a:cs typeface="+mn-cs"/>
+              </a:rPr>
+              <a:t>By collaborating </a:t>
+            </a:r>
+            <a:r>
+              <a:rPr kumimoji="1" lang="en-US" sz="1200" kern="1200" dirty="0" smtClean="0">
+                <a:solidFill>
+                  <a:schemeClr val="tx1"/>
+                </a:solidFill>
+                <a:effectLst/>
+                <a:latin typeface="Verdana" charset="0"/>
+                <a:ea typeface="ＭＳ Ｐゴシック" charset="0"/>
+                <a:cs typeface="+mn-cs"/>
+              </a:rPr>
+              <a:t>with outside volunteers and contributors Nokia acted as a system integrator </a:t>
+            </a:r>
+            <a:endParaRPr kumimoji="1" lang="en-US" sz="1200" kern="1200" dirty="0" smtClean="0">
+              <a:solidFill>
+                <a:schemeClr val="tx1"/>
+              </a:solidFill>
+              <a:effectLst/>
+              <a:latin typeface="Verdana" charset="0"/>
+              <a:ea typeface="ＭＳ Ｐゴシック" charset="0"/>
+              <a:cs typeface="+mn-cs"/>
+            </a:endParaRPr>
+          </a:p>
+          <a:p>
+            <a:pPr marL="171450" marR="0" indent="-171450" algn="l" defTabSz="914400" rtl="0" eaLnBrk="1" fontAlgn="base" latinLnBrk="0" hangingPunct="1">
+              <a:lnSpc>
+                <a:spcPct val="100000"/>
+              </a:lnSpc>
+              <a:spcBef>
+                <a:spcPct val="30000"/>
+              </a:spcBef>
+              <a:spcAft>
+                <a:spcPct val="0"/>
+              </a:spcAft>
+              <a:buClrTx/>
+              <a:buSzTx/>
+              <a:buFontTx/>
+              <a:buChar char="-"/>
+              <a:tabLst/>
+              <a:defRPr/>
+            </a:pPr>
+            <a:r>
+              <a:rPr kumimoji="1" lang="en-US" sz="1200" kern="1200" dirty="0" smtClean="0">
+                <a:solidFill>
+                  <a:schemeClr val="tx1"/>
+                </a:solidFill>
+                <a:effectLst/>
+                <a:latin typeface="Verdana" charset="0"/>
+                <a:ea typeface="ＭＳ Ｐゴシック" charset="0"/>
+                <a:cs typeface="+mn-cs"/>
+              </a:rPr>
+              <a:t>coordinating </a:t>
+            </a:r>
+            <a:r>
+              <a:rPr kumimoji="1" lang="en-US" sz="1200" kern="1200" dirty="0" smtClean="0">
+                <a:solidFill>
+                  <a:schemeClr val="tx1"/>
+                </a:solidFill>
+                <a:effectLst/>
+                <a:latin typeface="Verdana" charset="0"/>
+                <a:ea typeface="ＭＳ Ｐゴシック" charset="0"/>
+                <a:cs typeface="+mn-cs"/>
+              </a:rPr>
+              <a:t>a loosely coupled network of component </a:t>
+            </a:r>
+            <a:r>
+              <a:rPr kumimoji="1" lang="en-US" sz="1200" kern="1200" dirty="0" smtClean="0">
+                <a:solidFill>
+                  <a:schemeClr val="tx1"/>
+                </a:solidFill>
+                <a:effectLst/>
+                <a:latin typeface="Verdana" charset="0"/>
+                <a:ea typeface="ＭＳ Ｐゴシック" charset="0"/>
+                <a:cs typeface="+mn-cs"/>
+              </a:rPr>
+              <a:t>providers</a:t>
+            </a:r>
+          </a:p>
+          <a:p>
+            <a:pPr marL="171450" marR="0" indent="-171450" algn="l" defTabSz="914400" rtl="0" eaLnBrk="1" fontAlgn="base" latinLnBrk="0" hangingPunct="1">
+              <a:lnSpc>
+                <a:spcPct val="100000"/>
+              </a:lnSpc>
+              <a:spcBef>
+                <a:spcPct val="30000"/>
+              </a:spcBef>
+              <a:spcAft>
+                <a:spcPct val="0"/>
+              </a:spcAft>
+              <a:buClrTx/>
+              <a:buSzTx/>
+              <a:buFontTx/>
+              <a:buChar char="-"/>
+              <a:tabLst/>
+              <a:defRPr/>
+            </a:pPr>
+            <a:r>
+              <a:rPr kumimoji="1" lang="en-US" sz="1200" kern="1200" dirty="0" smtClean="0">
+                <a:solidFill>
+                  <a:schemeClr val="tx1"/>
+                </a:solidFill>
+                <a:effectLst/>
+                <a:latin typeface="Verdana" charset="0"/>
+                <a:ea typeface="ＭＳ Ｐゴシック" charset="0"/>
+                <a:cs typeface="+mn-cs"/>
+              </a:rPr>
+              <a:t>Short feedback loop from the community, good for deciding what</a:t>
+            </a:r>
+            <a:r>
+              <a:rPr kumimoji="1" lang="en-US" sz="1200" kern="1200" baseline="0" dirty="0" smtClean="0">
+                <a:solidFill>
+                  <a:schemeClr val="tx1"/>
+                </a:solidFill>
+                <a:effectLst/>
+                <a:latin typeface="Verdana" charset="0"/>
+                <a:ea typeface="ＭＳ Ｐゴシック" charset="0"/>
+                <a:cs typeface="+mn-cs"/>
+              </a:rPr>
+              <a:t> features to include</a:t>
+            </a:r>
             <a:endParaRPr lang="en-US" dirty="0" smtClean="0"/>
           </a:p>
           <a:p>
-            <a:endParaRPr lang="en-US" b="1" dirty="0"/>
+            <a:pPr marL="0" marR="0" indent="0" algn="l" defTabSz="914400" rtl="0" eaLnBrk="1" fontAlgn="base" latinLnBrk="0" hangingPunct="1">
+              <a:lnSpc>
+                <a:spcPct val="100000"/>
+              </a:lnSpc>
+              <a:spcBef>
+                <a:spcPct val="30000"/>
+              </a:spcBef>
+              <a:spcAft>
+                <a:spcPct val="0"/>
+              </a:spcAft>
+              <a:buClrTx/>
+              <a:buSzTx/>
+              <a:buFontTx/>
+              <a:buNone/>
+              <a:tabLst/>
+              <a:defRPr/>
+            </a:pPr>
+            <a:endParaRPr lang="en-US" dirty="0" smtClean="0"/>
+          </a:p>
+          <a:p>
+            <a:pPr marL="0" marR="0" indent="0" algn="l" defTabSz="914400" rtl="0" eaLnBrk="1" fontAlgn="base" latinLnBrk="0" hangingPunct="1">
+              <a:lnSpc>
+                <a:spcPct val="100000"/>
+              </a:lnSpc>
+              <a:spcBef>
+                <a:spcPct val="30000"/>
+              </a:spcBef>
+              <a:spcAft>
+                <a:spcPct val="0"/>
+              </a:spcAft>
+              <a:buClrTx/>
+              <a:buSzTx/>
+              <a:buFontTx/>
+              <a:buNone/>
+              <a:tabLst/>
+              <a:defRPr/>
+            </a:pPr>
+            <a:r>
+              <a:rPr kumimoji="1" lang="en-US" sz="1200" b="1" kern="1200" dirty="0" smtClean="0">
+                <a:solidFill>
+                  <a:schemeClr val="tx1"/>
+                </a:solidFill>
+                <a:effectLst/>
+                <a:latin typeface="Verdana" charset="0"/>
+                <a:ea typeface="ＭＳ Ｐゴシック" charset="0"/>
+                <a:cs typeface="+mn-cs"/>
+              </a:rPr>
+              <a:t>Learning from others’ contributions </a:t>
+            </a:r>
+            <a:endParaRPr kumimoji="1" lang="en-US" sz="1200" b="1" kern="1200" dirty="0" smtClean="0">
+              <a:solidFill>
+                <a:schemeClr val="tx1"/>
+              </a:solidFill>
+              <a:effectLst/>
+              <a:latin typeface="Verdana" charset="0"/>
+              <a:ea typeface="ＭＳ Ｐゴシック" charset="0"/>
+              <a:cs typeface="+mn-cs"/>
+            </a:endParaRPr>
+          </a:p>
+          <a:p>
+            <a:pPr marL="171450" marR="0" indent="-171450" algn="l" defTabSz="914400" rtl="0" eaLnBrk="1" fontAlgn="base" latinLnBrk="0" hangingPunct="1">
+              <a:lnSpc>
+                <a:spcPct val="100000"/>
+              </a:lnSpc>
+              <a:spcBef>
+                <a:spcPct val="30000"/>
+              </a:spcBef>
+              <a:spcAft>
+                <a:spcPct val="0"/>
+              </a:spcAft>
+              <a:buClrTx/>
+              <a:buSzTx/>
+              <a:buFontTx/>
+              <a:buChar char="-"/>
+              <a:tabLst/>
+              <a:defRPr/>
+            </a:pPr>
+            <a:r>
+              <a:rPr kumimoji="1" lang="en-US" sz="1200" kern="1200" dirty="0" smtClean="0">
+                <a:solidFill>
+                  <a:schemeClr val="tx1"/>
+                </a:solidFill>
+                <a:effectLst/>
+                <a:latin typeface="Verdana" charset="0"/>
+                <a:ea typeface="ＭＳ Ｐゴシック" charset="0"/>
+                <a:cs typeface="+mn-cs"/>
+              </a:rPr>
+              <a:t>This </a:t>
+            </a:r>
+            <a:r>
+              <a:rPr kumimoji="1" lang="en-US" sz="1200" kern="1200" dirty="0" smtClean="0">
+                <a:solidFill>
+                  <a:schemeClr val="tx1"/>
+                </a:solidFill>
+                <a:effectLst/>
+                <a:latin typeface="Verdana" charset="0"/>
+                <a:ea typeface="ＭＳ Ｐゴシック" charset="0"/>
+                <a:cs typeface="+mn-cs"/>
+              </a:rPr>
+              <a:t>effect goes both ways as you can learn from the contributions of the community as well as learn in the process of creating something that you share. </a:t>
+            </a:r>
+            <a:endParaRPr kumimoji="1" lang="en-US" sz="1200" kern="1200" dirty="0" smtClean="0">
+              <a:solidFill>
+                <a:schemeClr val="tx1"/>
+              </a:solidFill>
+              <a:effectLst/>
+              <a:latin typeface="Verdana" charset="0"/>
+              <a:ea typeface="ＭＳ Ｐゴシック" charset="0"/>
+              <a:cs typeface="+mn-cs"/>
+            </a:endParaRPr>
+          </a:p>
+          <a:p>
+            <a:pPr marL="171450" marR="0" indent="-171450" algn="l" defTabSz="914400" rtl="0" eaLnBrk="1" fontAlgn="base" latinLnBrk="0" hangingPunct="1">
+              <a:lnSpc>
+                <a:spcPct val="100000"/>
+              </a:lnSpc>
+              <a:spcBef>
+                <a:spcPct val="30000"/>
+              </a:spcBef>
+              <a:spcAft>
+                <a:spcPct val="0"/>
+              </a:spcAft>
+              <a:buClrTx/>
+              <a:buSzTx/>
+              <a:buFontTx/>
+              <a:buChar char="-"/>
+              <a:tabLst/>
+              <a:defRPr/>
+            </a:pPr>
+            <a:r>
+              <a:rPr kumimoji="1" lang="en-US" sz="1200" kern="1200" dirty="0" smtClean="0">
+                <a:solidFill>
+                  <a:schemeClr val="tx1"/>
+                </a:solidFill>
+                <a:effectLst/>
+                <a:latin typeface="Verdana" charset="0"/>
+                <a:ea typeface="ＭＳ Ｐゴシック" charset="0"/>
+                <a:cs typeface="+mn-cs"/>
+              </a:rPr>
+              <a:t>When creating something, you develop a better understanding than you would get from just using</a:t>
+            </a:r>
+            <a:r>
+              <a:rPr kumimoji="1" lang="en-US" sz="1200" kern="1200" baseline="0" dirty="0" smtClean="0">
+                <a:solidFill>
+                  <a:schemeClr val="tx1"/>
+                </a:solidFill>
+                <a:effectLst/>
+                <a:latin typeface="Verdana" charset="0"/>
+                <a:ea typeface="ＭＳ Ｐゴシック" charset="0"/>
+                <a:cs typeface="+mn-cs"/>
+              </a:rPr>
+              <a:t> it.</a:t>
+            </a:r>
+            <a:endParaRPr kumimoji="1" lang="en-US" sz="1200" kern="1200" dirty="0" smtClean="0">
+              <a:solidFill>
+                <a:schemeClr val="tx1"/>
+              </a:solidFill>
+              <a:effectLst/>
+              <a:latin typeface="Verdana" charset="0"/>
+              <a:ea typeface="ＭＳ Ｐゴシック" charset="0"/>
+              <a:cs typeface="+mn-cs"/>
+            </a:endParaRPr>
+          </a:p>
+          <a:p>
+            <a:pPr marL="171450" marR="0" indent="-171450" algn="l" defTabSz="914400" rtl="0" eaLnBrk="1" fontAlgn="base" latinLnBrk="0" hangingPunct="1">
+              <a:lnSpc>
+                <a:spcPct val="100000"/>
+              </a:lnSpc>
+              <a:spcBef>
+                <a:spcPct val="30000"/>
+              </a:spcBef>
+              <a:spcAft>
+                <a:spcPct val="0"/>
+              </a:spcAft>
+              <a:buClrTx/>
+              <a:buSzTx/>
+              <a:buFontTx/>
+              <a:buChar char="-"/>
+              <a:tabLst/>
+              <a:defRPr/>
+            </a:pPr>
+            <a:r>
+              <a:rPr kumimoji="1" lang="en-US" sz="1200" kern="1200" dirty="0" smtClean="0">
+                <a:solidFill>
+                  <a:schemeClr val="tx1"/>
+                </a:solidFill>
+                <a:effectLst/>
+                <a:latin typeface="Verdana" charset="0"/>
+                <a:ea typeface="ＭＳ Ｐゴシック" charset="0"/>
+                <a:cs typeface="+mn-cs"/>
+              </a:rPr>
+              <a:t>Nokia </a:t>
+            </a:r>
+            <a:r>
+              <a:rPr kumimoji="1" lang="en-US" sz="1200" kern="1200" dirty="0" smtClean="0">
+                <a:solidFill>
+                  <a:schemeClr val="tx1"/>
+                </a:solidFill>
+                <a:effectLst/>
+                <a:latin typeface="Verdana" charset="0"/>
+                <a:ea typeface="ＭＳ Ｐゴシック" charset="0"/>
+                <a:cs typeface="+mn-cs"/>
+              </a:rPr>
+              <a:t>had started the Internet Tablet as a research project and had a lot of intimate knowledge of the whole architecture. </a:t>
+            </a:r>
+            <a:endParaRPr kumimoji="1" lang="en-US" sz="1200" kern="1200" dirty="0" smtClean="0">
+              <a:solidFill>
+                <a:schemeClr val="tx1"/>
+              </a:solidFill>
+              <a:effectLst/>
+              <a:latin typeface="Verdana" charset="0"/>
+              <a:ea typeface="ＭＳ Ｐゴシック" charset="0"/>
+              <a:cs typeface="+mn-cs"/>
+            </a:endParaRPr>
+          </a:p>
+          <a:p>
+            <a:pPr marL="171450" marR="0" indent="-171450" algn="l" defTabSz="914400" rtl="0" eaLnBrk="1" fontAlgn="base" latinLnBrk="0" hangingPunct="1">
+              <a:lnSpc>
+                <a:spcPct val="100000"/>
+              </a:lnSpc>
+              <a:spcBef>
+                <a:spcPct val="30000"/>
+              </a:spcBef>
+              <a:spcAft>
+                <a:spcPct val="0"/>
+              </a:spcAft>
+              <a:buClrTx/>
+              <a:buSzTx/>
+              <a:buFontTx/>
+              <a:buChar char="-"/>
+              <a:tabLst/>
+              <a:defRPr/>
+            </a:pPr>
+            <a:r>
+              <a:rPr kumimoji="1" lang="en-US" sz="1200" kern="1200" dirty="0" smtClean="0">
+                <a:solidFill>
+                  <a:schemeClr val="tx1"/>
+                </a:solidFill>
+                <a:effectLst/>
+                <a:latin typeface="Verdana" charset="0"/>
+                <a:ea typeface="ＭＳ Ｐゴシック" charset="0"/>
+                <a:cs typeface="+mn-cs"/>
+              </a:rPr>
+              <a:t>Knowledge </a:t>
+            </a:r>
+            <a:r>
+              <a:rPr kumimoji="1" lang="en-US" sz="1200" kern="1200" dirty="0" smtClean="0">
+                <a:solidFill>
+                  <a:schemeClr val="tx1"/>
+                </a:solidFill>
+                <a:effectLst/>
+                <a:latin typeface="Verdana" charset="0"/>
+                <a:ea typeface="ＭＳ Ｐゴシック" charset="0"/>
+                <a:cs typeface="+mn-cs"/>
+              </a:rPr>
+              <a:t>gaps were addressed by either outsourcing small tasks to individuals or companies experienced in open source software development. </a:t>
+            </a:r>
+            <a:endParaRPr kumimoji="1" lang="en-US" sz="1200" kern="1200" dirty="0" smtClean="0">
+              <a:solidFill>
+                <a:schemeClr val="tx1"/>
+              </a:solidFill>
+              <a:effectLst/>
+              <a:latin typeface="Verdana" charset="0"/>
+              <a:ea typeface="ＭＳ Ｐゴシック" charset="0"/>
+              <a:cs typeface="+mn-cs"/>
+            </a:endParaRPr>
+          </a:p>
+          <a:p>
+            <a:pPr marL="171450" marR="0" indent="-171450" algn="l" defTabSz="914400" rtl="0" eaLnBrk="1" fontAlgn="base" latinLnBrk="0" hangingPunct="1">
+              <a:lnSpc>
+                <a:spcPct val="100000"/>
+              </a:lnSpc>
+              <a:spcBef>
+                <a:spcPct val="30000"/>
+              </a:spcBef>
+              <a:spcAft>
+                <a:spcPct val="0"/>
+              </a:spcAft>
+              <a:buClrTx/>
+              <a:buSzTx/>
+              <a:buFontTx/>
+              <a:buChar char="-"/>
+              <a:tabLst/>
+              <a:defRPr/>
+            </a:pPr>
+            <a:r>
+              <a:rPr kumimoji="1" lang="en-US" sz="1200" kern="1200" dirty="0" smtClean="0">
+                <a:solidFill>
+                  <a:schemeClr val="tx1"/>
+                </a:solidFill>
+                <a:effectLst/>
+                <a:latin typeface="Verdana" charset="0"/>
+                <a:ea typeface="ＭＳ Ｐゴシック" charset="0"/>
+                <a:cs typeface="+mn-cs"/>
+              </a:rPr>
+              <a:t>With </a:t>
+            </a:r>
+            <a:r>
+              <a:rPr kumimoji="1" lang="en-US" sz="1200" kern="1200" dirty="0" smtClean="0">
+                <a:solidFill>
+                  <a:schemeClr val="tx1"/>
+                </a:solidFill>
+                <a:effectLst/>
+                <a:latin typeface="Verdana" charset="0"/>
+                <a:ea typeface="ＭＳ Ｐゴシック" charset="0"/>
+                <a:cs typeface="+mn-cs"/>
+              </a:rPr>
+              <a:t>this dual approach Nokia learned from the contributions as it had to integrate them into the final product. </a:t>
+            </a:r>
+            <a:endParaRPr kumimoji="1" lang="en-US" sz="1200" kern="1200" dirty="0" smtClean="0">
+              <a:solidFill>
+                <a:schemeClr val="tx1"/>
+              </a:solidFill>
+              <a:effectLst/>
+              <a:latin typeface="Verdana" charset="0"/>
+              <a:ea typeface="ＭＳ Ｐゴシック" charset="0"/>
+              <a:cs typeface="+mn-cs"/>
+            </a:endParaRPr>
+          </a:p>
+          <a:p>
+            <a:pPr marL="171450" marR="0" indent="-171450" algn="l" defTabSz="914400" rtl="0" eaLnBrk="1" fontAlgn="base" latinLnBrk="0" hangingPunct="1">
+              <a:lnSpc>
+                <a:spcPct val="100000"/>
+              </a:lnSpc>
+              <a:spcBef>
+                <a:spcPct val="30000"/>
+              </a:spcBef>
+              <a:spcAft>
+                <a:spcPct val="0"/>
+              </a:spcAft>
+              <a:buClrTx/>
+              <a:buSzTx/>
+              <a:buFontTx/>
+              <a:buChar char="-"/>
+              <a:tabLst/>
+              <a:defRPr/>
+            </a:pPr>
+            <a:endParaRPr kumimoji="1" lang="en-US" sz="1200" kern="1200" dirty="0" smtClean="0">
+              <a:solidFill>
+                <a:schemeClr val="tx1"/>
+              </a:solidFill>
+              <a:effectLst/>
+              <a:latin typeface="Verdana" charset="0"/>
+              <a:ea typeface="ＭＳ Ｐゴシック" charset="0"/>
+              <a:cs typeface="+mn-cs"/>
+            </a:endParaRPr>
+          </a:p>
+          <a:p>
+            <a:pPr marL="0" marR="0" indent="0" algn="l" defTabSz="914400" rtl="0" eaLnBrk="1" fontAlgn="base" latinLnBrk="0" hangingPunct="1">
+              <a:lnSpc>
+                <a:spcPct val="100000"/>
+              </a:lnSpc>
+              <a:spcBef>
+                <a:spcPct val="30000"/>
+              </a:spcBef>
+              <a:spcAft>
+                <a:spcPct val="0"/>
+              </a:spcAft>
+              <a:buClrTx/>
+              <a:buSzTx/>
+              <a:buFontTx/>
+              <a:buNone/>
+              <a:tabLst/>
+              <a:defRPr/>
+            </a:pPr>
+            <a:r>
+              <a:rPr kumimoji="1" lang="en-US" sz="1200" kern="1200" dirty="0" smtClean="0">
+                <a:solidFill>
+                  <a:schemeClr val="tx1"/>
+                </a:solidFill>
+                <a:effectLst/>
+                <a:latin typeface="Verdana" charset="0"/>
+                <a:ea typeface="ＭＳ Ｐゴシック" charset="0"/>
+                <a:cs typeface="+mn-cs"/>
+              </a:rPr>
+              <a:t>Learn about</a:t>
+            </a:r>
+            <a:r>
+              <a:rPr kumimoji="1" lang="en-US" sz="1200" kern="1200" baseline="0" dirty="0" smtClean="0">
+                <a:solidFill>
+                  <a:schemeClr val="tx1"/>
+                </a:solidFill>
+                <a:effectLst/>
+                <a:latin typeface="Verdana" charset="0"/>
+                <a:ea typeface="ＭＳ Ｐゴシック" charset="0"/>
+                <a:cs typeface="+mn-cs"/>
+              </a:rPr>
+              <a:t> how the community works. </a:t>
+            </a:r>
+            <a:r>
+              <a:rPr kumimoji="1" lang="en-US" sz="1200" kern="1200" dirty="0" smtClean="0">
+                <a:solidFill>
+                  <a:schemeClr val="tx1"/>
+                </a:solidFill>
+                <a:effectLst/>
+                <a:latin typeface="Verdana" charset="0"/>
+                <a:ea typeface="ＭＳ Ｐゴシック" charset="0"/>
+                <a:cs typeface="+mn-cs"/>
+              </a:rPr>
+              <a:t>GTK</a:t>
+            </a:r>
+            <a:r>
+              <a:rPr kumimoji="1" lang="en-US" sz="1200" kern="1200" baseline="0" dirty="0" smtClean="0">
+                <a:solidFill>
+                  <a:schemeClr val="tx1"/>
+                </a:solidFill>
+                <a:effectLst/>
+                <a:latin typeface="Verdana" charset="0"/>
+                <a:ea typeface="ＭＳ Ｐゴシック" charset="0"/>
+                <a:cs typeface="+mn-cs"/>
+              </a:rPr>
+              <a:t> </a:t>
+            </a:r>
+            <a:r>
+              <a:rPr kumimoji="1" lang="en-US" sz="1200" kern="1200" baseline="0" dirty="0" smtClean="0">
+                <a:solidFill>
+                  <a:schemeClr val="tx1"/>
+                </a:solidFill>
+                <a:effectLst/>
+                <a:latin typeface="Verdana" charset="0"/>
+                <a:ea typeface="ＭＳ Ｐゴシック" charset="0"/>
+                <a:cs typeface="+mn-cs"/>
+              </a:rPr>
+              <a:t>fork </a:t>
+            </a:r>
+            <a:r>
+              <a:rPr kumimoji="1" lang="en-US" sz="1200" kern="1200" baseline="0" dirty="0" smtClean="0">
+                <a:solidFill>
+                  <a:schemeClr val="tx1"/>
+                </a:solidFill>
+                <a:effectLst/>
+                <a:latin typeface="Verdana" charset="0"/>
+                <a:ea typeface="ＭＳ Ｐゴシック" charset="0"/>
+                <a:cs typeface="+mn-cs"/>
+              </a:rPr>
+              <a:t>story: Forked early and then worked only on the fork, in effect two separate development branches, over time it gets more and more difficult to transplant changes</a:t>
+            </a:r>
+            <a:endParaRPr lang="en-US" dirty="0" smtClean="0"/>
+          </a:p>
+          <a:p>
+            <a:pPr marL="0" marR="0" indent="0" algn="l" defTabSz="914400" rtl="0" eaLnBrk="1" fontAlgn="base" latinLnBrk="0" hangingPunct="1">
+              <a:lnSpc>
+                <a:spcPct val="100000"/>
+              </a:lnSpc>
+              <a:spcBef>
+                <a:spcPct val="30000"/>
+              </a:spcBef>
+              <a:spcAft>
+                <a:spcPct val="0"/>
+              </a:spcAft>
+              <a:buClrTx/>
+              <a:buSzTx/>
+              <a:buFontTx/>
+              <a:buNone/>
+              <a:tabLst/>
+              <a:defRPr/>
+            </a:pPr>
+            <a:endParaRPr lang="en-US" dirty="0" smtClean="0"/>
           </a:p>
         </p:txBody>
       </p:sp>
@@ -2782,7 +6347,7 @@
             <a:fld id="{36C0F4B3-324B-184C-B7D7-B71343ED7D26}" type="slidenum">
               <a:rPr lang="de-DE" smtClean="0"/>
               <a:pPr/>
-              <a:t>7</a:t>
+              <a:t>6</a:t>
             </a:fld>
             <a:endParaRPr lang="de-DE"/>
           </a:p>
@@ -2855,7 +6420,7 @@
                 <a:ea typeface="ＭＳ Ｐゴシック" charset="0"/>
                 <a:cs typeface="+mn-cs"/>
               </a:rPr>
-              <a:t>Lack of differentiation</a:t>
+              <a:t>Reputation gain </a:t>
             </a:r>
           </a:p>
           <a:p>
@@ -2864,6 +6429,108 @@
               <a:buChar char="-"/>
             </a:pPr>
             <a:r>
+              <a:rPr kumimoji="1" lang="en-US" sz="1200" kern="1200" dirty="0" smtClean="0">
+                <a:solidFill>
+                  <a:schemeClr val="tx1"/>
+                </a:solidFill>
+                <a:effectLst/>
+                <a:latin typeface="Verdana" charset="0"/>
+                <a:ea typeface="ＭＳ Ｐゴシック" charset="0"/>
+                <a:cs typeface="+mn-cs"/>
+              </a:rPr>
+              <a:t>A positive reputation can be gained from a commitment to open source. </a:t>
+            </a:r>
+          </a:p>
+          <a:p>
+            <a:pPr marL="171450" indent="-171450">
+              <a:buFontTx/>
+              <a:buChar char="-"/>
+            </a:pPr>
+            <a:r>
+              <a:rPr kumimoji="1" lang="en-US" sz="1200" kern="1200" dirty="0" smtClean="0">
+                <a:solidFill>
+                  <a:schemeClr val="tx1"/>
+                </a:solidFill>
+                <a:effectLst/>
+                <a:latin typeface="Verdana" charset="0"/>
+                <a:ea typeface="ＭＳ Ｐゴシック" charset="0"/>
+                <a:cs typeface="+mn-cs"/>
+              </a:rPr>
+              <a:t>Volunteers contributing to the </a:t>
+            </a:r>
+            <a:r>
+              <a:rPr kumimoji="1" lang="en-US" sz="1200" kern="1200" dirty="0" err="1" smtClean="0">
+                <a:solidFill>
+                  <a:schemeClr val="tx1"/>
+                </a:solidFill>
+                <a:effectLst/>
+                <a:latin typeface="Verdana" charset="0"/>
+                <a:ea typeface="ＭＳ Ｐゴシック" charset="0"/>
+                <a:cs typeface="+mn-cs"/>
+              </a:rPr>
+              <a:t>Maemo</a:t>
+            </a:r>
+            <a:r>
+              <a:rPr kumimoji="1" lang="en-US" sz="1200" kern="1200" dirty="0" smtClean="0">
+                <a:solidFill>
+                  <a:schemeClr val="tx1"/>
+                </a:solidFill>
+                <a:effectLst/>
+                <a:latin typeface="Verdana" charset="0"/>
+                <a:ea typeface="ＭＳ Ｐゴシック" charset="0"/>
+                <a:cs typeface="+mn-cs"/>
+              </a:rPr>
+              <a:t> platform reported growing attachment to Nokia. </a:t>
+            </a:r>
+          </a:p>
+          <a:p>
+            <a:pPr marL="171450" indent="-171450">
+              <a:buFontTx/>
+              <a:buChar char="-"/>
+            </a:pPr>
+            <a:r>
+              <a:rPr kumimoji="1" lang="en-US" sz="1200" kern="1200" dirty="0" smtClean="0">
+                <a:solidFill>
+                  <a:schemeClr val="tx1"/>
+                </a:solidFill>
+                <a:effectLst/>
+                <a:latin typeface="Verdana" charset="0"/>
+                <a:ea typeface="ＭＳ Ｐゴシック" charset="0"/>
+                <a:cs typeface="+mn-cs"/>
+              </a:rPr>
+              <a:t>economical effect as these volunteers bought the device knowing that they were buying into an ecosystem which they could improve and create applications </a:t>
+            </a:r>
+            <a:r>
+              <a:rPr kumimoji="1" lang="en-US" sz="1200" kern="1200" dirty="0" smtClean="0">
+                <a:solidFill>
+                  <a:schemeClr val="tx1"/>
+                </a:solidFill>
+                <a:effectLst/>
+                <a:latin typeface="Verdana" charset="0"/>
+                <a:ea typeface="ＭＳ Ｐゴシック" charset="0"/>
+                <a:cs typeface="+mn-cs"/>
+              </a:rPr>
+              <a:t>for</a:t>
+            </a:r>
+          </a:p>
+          <a:p>
+            <a:pPr marL="171450" indent="-171450">
+              <a:buFontTx/>
+              <a:buChar char="-"/>
+            </a:pPr>
+            <a:r>
+              <a:rPr kumimoji="1" lang="en-US" sz="1200" kern="1200" dirty="0" smtClean="0">
+                <a:solidFill>
+                  <a:schemeClr val="tx1"/>
+                </a:solidFill>
+                <a:effectLst/>
+                <a:latin typeface="Verdana" charset="0"/>
+                <a:ea typeface="ＭＳ Ｐゴシック" charset="0"/>
+                <a:cs typeface="+mn-cs"/>
+              </a:rPr>
+              <a:t>Nokia</a:t>
+            </a:r>
+            <a:r>
               <a:rPr kumimoji="1" lang="en-US" sz="1200" kern="1200" baseline="0" dirty="0" smtClean="0">
                 <a:solidFill>
                   <a:schemeClr val="tx1"/>
@@ -2873,14 +6540,136 @@
                 <a:ea typeface="ＭＳ Ｐゴシック" charset="0"/>
                 <a:cs typeface="+mn-cs"/>
               </a:rPr>
-              <a:t>Nothing can stop a competitor to use the same architecture, same OSS, creating a clone</a:t>
-            </a:r>
-          </a:p>
-          <a:p>
-            <a:pPr marL="171450" indent="-171450">
+              <a:t> can fish in this pool of developers for employees</a:t>
+            </a:r>
+            <a:endParaRPr lang="en-US" dirty="0" smtClean="0"/>
+          </a:p>
+          <a:p>
+            <a:endParaRPr lang="en-US" dirty="0" smtClean="0"/>
+          </a:p>
+          <a:p>
+            <a:pPr marL="0" marR="0" indent="0" algn="l" defTabSz="914400" rtl="0" eaLnBrk="1" fontAlgn="base" latinLnBrk="0" hangingPunct="1">
+              <a:lnSpc>
+                <a:spcPct val="100000"/>
+              </a:lnSpc>
+              <a:spcBef>
+                <a:spcPct val="30000"/>
+              </a:spcBef>
+              <a:spcAft>
+                <a:spcPct val="0"/>
+              </a:spcAft>
+              <a:buClrTx/>
+              <a:buSzTx/>
+              <a:buFontTx/>
+              <a:buNone/>
+              <a:tabLst/>
+              <a:defRPr/>
+            </a:pPr>
+            <a:r>
+              <a:rPr kumimoji="1" lang="en-US" sz="1200" b="1" kern="1200" dirty="0" smtClean="0">
+                <a:solidFill>
+                  <a:schemeClr val="tx1"/>
+                </a:solidFill>
+                <a:effectLst/>
+                <a:latin typeface="Verdana" charset="0"/>
+                <a:ea typeface="ＭＳ Ｐゴシック" charset="0"/>
+                <a:cs typeface="+mn-cs"/>
+              </a:rPr>
+              <a:t>Widespread adoption </a:t>
+            </a:r>
+          </a:p>
+          <a:p>
+            <a:pPr marL="171450" marR="0" indent="-171450" algn="l" defTabSz="914400" rtl="0" eaLnBrk="1" fontAlgn="base" latinLnBrk="0" hangingPunct="1">
+              <a:lnSpc>
+                <a:spcPct val="100000"/>
+              </a:lnSpc>
+              <a:spcBef>
+                <a:spcPct val="30000"/>
+              </a:spcBef>
+              <a:spcAft>
+                <a:spcPct val="0"/>
+              </a:spcAft>
+              <a:buClrTx/>
+              <a:buSzTx/>
               <a:buFontTx/>
               <a:buChar char="-"/>
-            </a:pPr>
+              <a:tabLst/>
+              <a:defRPr/>
+            </a:pPr>
+            <a:r>
+              <a:rPr kumimoji="1" lang="en-US" sz="1200" kern="1200" dirty="0" smtClean="0">
+                <a:solidFill>
+                  <a:schemeClr val="tx1"/>
+                </a:solidFill>
+                <a:effectLst/>
+                <a:latin typeface="Verdana" charset="0"/>
+                <a:ea typeface="ＭＳ Ｐゴシック" charset="0"/>
+                <a:cs typeface="+mn-cs"/>
+              </a:rPr>
+              <a:t>The public availability of the innovation can lead to a fast and wide adoption, </a:t>
+            </a:r>
+          </a:p>
+          <a:p>
+            <a:pPr marL="171450" marR="0" indent="-171450" algn="l" defTabSz="914400" rtl="0" eaLnBrk="1" fontAlgn="base" latinLnBrk="0" hangingPunct="1">
+              <a:lnSpc>
+                <a:spcPct val="100000"/>
+              </a:lnSpc>
+              <a:spcBef>
+                <a:spcPct val="30000"/>
+              </a:spcBef>
+              <a:spcAft>
+                <a:spcPct val="0"/>
+              </a:spcAft>
+              <a:buClrTx/>
+              <a:buSzTx/>
+              <a:buFontTx/>
+              <a:buChar char="-"/>
+              <a:tabLst/>
+              <a:defRPr/>
+            </a:pPr>
+            <a:r>
+              <a:rPr kumimoji="1" lang="en-US" sz="1200" kern="1200" dirty="0" smtClean="0">
+                <a:solidFill>
+                  <a:schemeClr val="tx1"/>
+                </a:solidFill>
+                <a:effectLst/>
+                <a:latin typeface="Verdana" charset="0"/>
+                <a:ea typeface="ＭＳ Ｐゴシック" charset="0"/>
+                <a:cs typeface="+mn-cs"/>
+              </a:rPr>
+              <a:t>accelerated by network effects that may establish a dominant design. </a:t>
+            </a:r>
+          </a:p>
+          <a:p>
+            <a:pPr marL="171450" marR="0" indent="-171450" algn="l" defTabSz="914400" rtl="0" eaLnBrk="1" fontAlgn="base" latinLnBrk="0" hangingPunct="1">
+              <a:lnSpc>
+                <a:spcPct val="100000"/>
+              </a:lnSpc>
+              <a:spcBef>
+                <a:spcPct val="30000"/>
+              </a:spcBef>
+              <a:spcAft>
+                <a:spcPct val="0"/>
+              </a:spcAft>
+              <a:buClrTx/>
+              <a:buSzTx/>
+              <a:buFontTx/>
+              <a:buChar char="-"/>
+              <a:tabLst/>
+              <a:defRPr/>
+            </a:pPr>
+            <a:r>
+              <a:rPr kumimoji="1" lang="en-US" sz="1200" kern="1200" dirty="0" smtClean="0">
+                <a:solidFill>
+                  <a:schemeClr val="tx1"/>
+                </a:solidFill>
+                <a:effectLst/>
+                <a:latin typeface="Verdana" charset="0"/>
+                <a:ea typeface="ＭＳ Ｐゴシック" charset="0"/>
+                <a:cs typeface="+mn-cs"/>
+              </a:rPr>
+              <a:t>contributors to the</a:t>
+            </a:r>
             <a:r>
               <a:rPr kumimoji="1" lang="en-US" sz="1200" kern="1200" baseline="0" dirty="0" smtClean="0">
                 <a:solidFill>
@@ -2891,15 +6680,40 @@
                 <a:ea typeface="ＭＳ Ｐゴシック" charset="0"/>
                 <a:cs typeface="+mn-cs"/>
               </a:rPr>
-              <a:t>Strategy: selective revealing, architecture designed so that top and bottom layer are kept proprietary, middleware shared, middle part is generic</a:t>
-            </a:r>
-          </a:p>
-          <a:p>
-            <a:pPr marL="171450" indent="-171450">
-              <a:buFontTx/>
-              <a:buChar char="-"/>
-            </a:pPr>
-            <a:endParaRPr kumimoji="1" lang="en-US" sz="1200" kern="1200" baseline="0" dirty="0" smtClean="0">
+              <a:t> OSS</a:t>
+            </a:r>
+            <a:r>
+              <a:rPr kumimoji="1" lang="en-US" sz="1200" kern="1200" dirty="0" smtClean="0">
+                <a:solidFill>
+                  <a:schemeClr val="tx1"/>
+                </a:solidFill>
+                <a:effectLst/>
+                <a:latin typeface="Verdana" charset="0"/>
+                <a:ea typeface="ＭＳ Ｐゴシック" charset="0"/>
+                <a:cs typeface="+mn-cs"/>
+              </a:rPr>
+              <a:t> projects had no entry barrier to participate in the development of applications for the tablet. Nokia created GNOME Embedded Platform.</a:t>
+            </a:r>
+          </a:p>
+          <a:p>
+            <a:pPr marL="0" marR="0" indent="0" algn="l" defTabSz="914400" rtl="0" eaLnBrk="1" fontAlgn="base" latinLnBrk="0" hangingPunct="1">
+              <a:lnSpc>
+                <a:spcPct val="100000"/>
+              </a:lnSpc>
+              <a:spcBef>
+                <a:spcPct val="30000"/>
+              </a:spcBef>
+              <a:spcAft>
+                <a:spcPct val="0"/>
+              </a:spcAft>
+              <a:buClrTx/>
+              <a:buSzTx/>
+              <a:buFontTx/>
+              <a:buNone/>
+              <a:tabLst/>
+              <a:defRPr/>
+            </a:pPr>
+            <a:endParaRPr kumimoji="1" lang="en-US" sz="1200" kern="1200" dirty="0" smtClean="0">
               <a:solidFill>
                 <a:schemeClr val="tx1"/>
               </a:solidFill>
@@ -2910,58 +6724,219 @@
             </a:endParaRPr>
           </a:p>
           <a:p>
-            <a:pPr marL="0" indent="0">
+            <a:r>
+              <a:rPr kumimoji="1" lang="en-US" sz="1200" b="0" kern="1200" dirty="0" smtClean="0">
+                <a:solidFill>
+                  <a:schemeClr val="tx1"/>
+                </a:solidFill>
+                <a:effectLst/>
+                <a:latin typeface="Verdana" charset="0"/>
+                <a:ea typeface="ＭＳ Ｐゴシック" charset="0"/>
+                <a:cs typeface="+mn-cs"/>
+              </a:rPr>
+              <a:t>Number</a:t>
+            </a:r>
+            <a:r>
+              <a:rPr kumimoji="1" lang="en-US" sz="1200" b="0" kern="1200" baseline="0" dirty="0" smtClean="0">
+                <a:solidFill>
+                  <a:schemeClr val="tx1"/>
+                </a:solidFill>
+                <a:effectLst/>
+                <a:latin typeface="Verdana" charset="0"/>
+                <a:ea typeface="ＭＳ Ｐゴシック" charset="0"/>
+                <a:cs typeface="+mn-cs"/>
+              </a:rPr>
+              <a:t> </a:t>
+            </a:r>
+            <a:r>
+              <a:rPr kumimoji="1" lang="en-US" sz="1200" b="0" kern="1200" baseline="0" dirty="0" smtClean="0">
+                <a:solidFill>
+                  <a:schemeClr val="tx1"/>
+                </a:solidFill>
+                <a:effectLst/>
+                <a:latin typeface="Verdana" charset="0"/>
+                <a:ea typeface="ＭＳ Ｐゴシック" charset="0"/>
+                <a:cs typeface="+mn-cs"/>
+              </a:rPr>
+              <a:t>one benefit: </a:t>
+            </a:r>
+            <a:r>
+              <a:rPr kumimoji="1" lang="en-US" sz="1200" b="1" kern="1200" baseline="0" dirty="0" smtClean="0">
+                <a:solidFill>
+                  <a:schemeClr val="tx1"/>
+                </a:solidFill>
+                <a:effectLst/>
+                <a:latin typeface="Verdana" charset="0"/>
+                <a:ea typeface="ＭＳ Ｐゴシック" charset="0"/>
+                <a:cs typeface="+mn-cs"/>
+              </a:rPr>
+              <a:t>Reputation </a:t>
+            </a:r>
+            <a:r>
+              <a:rPr kumimoji="1" lang="en-US" sz="1200" b="1" kern="1200" baseline="0" dirty="0" smtClean="0">
+                <a:solidFill>
+                  <a:schemeClr val="tx1"/>
+                </a:solidFill>
+                <a:effectLst/>
+                <a:latin typeface="Verdana" charset="0"/>
+                <a:ea typeface="ＭＳ Ｐゴシック" charset="0"/>
+                <a:cs typeface="+mn-cs"/>
+              </a:rPr>
+              <a:t>gain</a:t>
+            </a:r>
+            <a:r>
+              <a:rPr kumimoji="1" lang="en-US" sz="1200" b="1" kern="1200" dirty="0" smtClean="0">
+                <a:solidFill>
+                  <a:schemeClr val="tx1"/>
+                </a:solidFill>
+                <a:effectLst/>
+                <a:latin typeface="Verdana" charset="0"/>
+                <a:ea typeface="ＭＳ Ｐゴシック" charset="0"/>
+                <a:cs typeface="+mn-cs"/>
+              </a:rPr>
+              <a:t> </a:t>
+            </a:r>
+            <a:endParaRPr kumimoji="1" lang="en-US" sz="1200" b="1" kern="1200" dirty="0" smtClean="0">
+              <a:solidFill>
+                <a:schemeClr val="tx1"/>
+              </a:solidFill>
+              <a:effectLst/>
+              <a:latin typeface="Verdana" charset="0"/>
+              <a:ea typeface="ＭＳ Ｐゴシック" charset="0"/>
+              <a:cs typeface="+mn-cs"/>
+            </a:endParaRPr>
+          </a:p>
+          <a:p>
+            <a:r>
+              <a:rPr kumimoji="1" lang="en-US" sz="1200" b="0" kern="1200" dirty="0" smtClean="0">
+                <a:solidFill>
+                  <a:schemeClr val="tx1"/>
+                </a:solidFill>
+                <a:effectLst/>
+                <a:latin typeface="Verdana" charset="0"/>
+                <a:ea typeface="ＭＳ Ｐゴシック" charset="0"/>
+                <a:cs typeface="+mn-cs"/>
+              </a:rPr>
+              <a:t>B</a:t>
+            </a:r>
+            <a:r>
+              <a:rPr kumimoji="1" lang="en-US" sz="1200" kern="1200" dirty="0" smtClean="0">
+                <a:solidFill>
+                  <a:schemeClr val="tx1"/>
+                </a:solidFill>
+                <a:effectLst/>
+                <a:latin typeface="Verdana" charset="0"/>
+                <a:ea typeface="ＭＳ Ｐゴシック" charset="0"/>
+                <a:cs typeface="+mn-cs"/>
+              </a:rPr>
+              <a:t>eing </a:t>
+            </a:r>
+            <a:r>
+              <a:rPr kumimoji="1" lang="en-US" sz="1200" kern="1200" dirty="0" smtClean="0">
+                <a:solidFill>
+                  <a:schemeClr val="tx1"/>
+                </a:solidFill>
+                <a:effectLst/>
+                <a:latin typeface="Verdana" charset="0"/>
+                <a:ea typeface="ＭＳ Ｐゴシック" charset="0"/>
+                <a:cs typeface="+mn-cs"/>
+              </a:rPr>
+              <a:t>labeled “open source friendly”</a:t>
+            </a:r>
+            <a:r>
+              <a:rPr kumimoji="1" lang="en-US" sz="1200" kern="1200" baseline="0" dirty="0" smtClean="0">
+                <a:solidFill>
+                  <a:schemeClr val="tx1"/>
+                </a:solidFill>
+                <a:effectLst/>
+                <a:latin typeface="Verdana" charset="0"/>
+                <a:ea typeface="ＭＳ Ｐゴシック" charset="0"/>
+                <a:cs typeface="+mn-cs"/>
+              </a:rPr>
+              <a:t> </a:t>
+            </a:r>
+            <a:r>
+              <a:rPr kumimoji="1" lang="en-US" sz="1200" kern="1200" dirty="0" smtClean="0">
+                <a:solidFill>
+                  <a:schemeClr val="tx1"/>
+                </a:solidFill>
+                <a:effectLst/>
+                <a:latin typeface="Verdana" charset="0"/>
+                <a:ea typeface="ＭＳ Ｐゴシック" charset="0"/>
+                <a:cs typeface="+mn-cs"/>
+              </a:rPr>
+              <a:t>attracted developers who contributed to the platform, helped it grow and become increasingly appealing to other developers. </a:t>
+            </a:r>
+            <a:endParaRPr kumimoji="1" lang="en-US" sz="1200" kern="1200" dirty="0" smtClean="0">
+              <a:solidFill>
+                <a:schemeClr val="tx1"/>
+              </a:solidFill>
+              <a:effectLst/>
+              <a:latin typeface="Verdana" charset="0"/>
+              <a:ea typeface="ＭＳ Ｐゴシック" charset="0"/>
+              <a:cs typeface="+mn-cs"/>
+            </a:endParaRPr>
+          </a:p>
+          <a:p>
+            <a:endParaRPr kumimoji="1" lang="en-US" sz="1200" kern="1200" dirty="0" smtClean="0">
+              <a:solidFill>
+                <a:schemeClr val="tx1"/>
+              </a:solidFill>
+              <a:effectLst/>
+              <a:latin typeface="Verdana" charset="0"/>
+              <a:ea typeface="ＭＳ Ｐゴシック" charset="0"/>
+              <a:cs typeface="+mn-cs"/>
+            </a:endParaRPr>
+          </a:p>
+          <a:p>
+            <a:r>
+              <a:rPr kumimoji="1" lang="en-US" sz="1200" kern="1200" dirty="0" smtClean="0">
+                <a:solidFill>
+                  <a:schemeClr val="tx1"/>
+                </a:solidFill>
+                <a:effectLst/>
+                <a:latin typeface="Verdana" charset="0"/>
+                <a:ea typeface="ＭＳ Ｐゴシック" charset="0"/>
+                <a:cs typeface="+mn-cs"/>
+              </a:rPr>
+              <a:t>What about</a:t>
+            </a:r>
+            <a:r>
+              <a:rPr kumimoji="1" lang="en-US" sz="1200" kern="1200" baseline="0" dirty="0" smtClean="0">
+                <a:solidFill>
+                  <a:schemeClr val="tx1"/>
+                </a:solidFill>
+                <a:effectLst/>
+                <a:latin typeface="Verdana" charset="0"/>
+                <a:ea typeface="ＭＳ Ｐゴシック" charset="0"/>
+                <a:cs typeface="+mn-cs"/>
+              </a:rPr>
+              <a:t> the cost?</a:t>
+            </a:r>
+            <a:endParaRPr lang="en-US" dirty="0" smtClean="0"/>
+          </a:p>
+          <a:p>
+            <a:pPr marL="0" marR="0" indent="0" algn="l" defTabSz="914400" rtl="0" eaLnBrk="1" fontAlgn="base" latinLnBrk="0" hangingPunct="1">
+              <a:lnSpc>
+                <a:spcPct val="100000"/>
+              </a:lnSpc>
+              <a:spcBef>
+                <a:spcPct val="30000"/>
+              </a:spcBef>
+              <a:spcAft>
+                <a:spcPct val="0"/>
+              </a:spcAft>
+              <a:buClrTx/>
+              <a:buSzTx/>
               <a:buFontTx/>
               <a:buNone/>
-            </a:pPr>
-            <a:r>
-              <a:rPr kumimoji="1" lang="en-US" sz="1200" b="1" kern="1200" baseline="0" dirty="0" smtClean="0">
-                <a:solidFill>
-                  <a:schemeClr val="tx1"/>
-                </a:solidFill>
-                <a:effectLst/>
-                <a:latin typeface="Verdana" charset="0"/>
-                <a:ea typeface="ＭＳ Ｐゴシック" charset="0"/>
-                <a:cs typeface="+mn-cs"/>
-              </a:rPr>
-              <a:t>Losing business secrets</a:t>
-            </a:r>
-          </a:p>
-          <a:p>
-            <a:pPr marL="171450" indent="-171450">
-              <a:buFontTx/>
-              <a:buChar char="-"/>
-            </a:pPr>
-            <a:r>
-              <a:rPr kumimoji="1" lang="en-US" sz="1200" kern="1200" baseline="0" dirty="0" smtClean="0">
-                <a:solidFill>
-                  <a:schemeClr val="tx1"/>
-                </a:solidFill>
-                <a:effectLst/>
-                <a:latin typeface="Verdana" charset="0"/>
-                <a:ea typeface="ＭＳ Ｐゴシック" charset="0"/>
-                <a:cs typeface="+mn-cs"/>
-              </a:rPr>
-              <a:t>What is a business secret, what ends up in the source code?</a:t>
-            </a:r>
-          </a:p>
-          <a:p>
-            <a:pPr marL="171450" indent="-171450">
-              <a:buFontTx/>
-              <a:buChar char="-"/>
-            </a:pPr>
-            <a:r>
-              <a:rPr kumimoji="1" lang="en-US" sz="1200" kern="1200" baseline="0" dirty="0" smtClean="0">
-                <a:solidFill>
-                  <a:schemeClr val="tx1"/>
-                </a:solidFill>
-                <a:effectLst/>
-                <a:latin typeface="Verdana" charset="0"/>
-                <a:ea typeface="ＭＳ Ｐゴシック" charset="0"/>
-                <a:cs typeface="+mn-cs"/>
-              </a:rPr>
-              <a:t>Strategy: modular approach, separation of concerns</a:t>
-            </a:r>
+              <a:tabLst/>
+              <a:defRPr/>
+            </a:pPr>
+            <a:endParaRPr lang="en-US" dirty="0" smtClean="0"/>
+          </a:p>
+          <a:p>
+            <a:endParaRPr lang="en-US" b="1" dirty="0"/>
           </a:p>
         </p:txBody>
       </p:sp>
@@ -2983,7 +6958,7 @@
             <a:fld id="{36C0F4B3-324B-184C-B7D7-B71343ED7D26}" type="slidenum">
               <a:rPr lang="de-DE" smtClean="0"/>
               <a:pPr/>
-              <a:t>8</a:t>
+              <a:t>7</a:t>
             </a:fld>
             <a:endParaRPr lang="de-DE"/>
           </a:p>
@@ -2992,7 +6967,7 @@
     </p:spTree>
     <p:extLst>
       <p:ext uri="{BB962C8B-B14F-4D97-AF65-F5344CB8AC3E}">
-        <p14:creationId xmlns:p14="http://schemas.microsoft.com/office/powerpoint/2010/main" val="265029203"/>
+        <p14:creationId xmlns:p14="http://schemas.microsoft.com/office/powerpoint/2010/main" val="3283908325"/>
       </p:ext>
     </p:extLst>
   </p:cSld>
@@ -3046,12 +7021,8 @@
           <a:bodyPr/>
           <a:lstStyle/>
           <a:p>
-            <a:pPr marL="0" indent="0">
-              <a:buFontTx/>
-              <a:buNone/>
-            </a:pPr>
-            <a:r>
-              <a:rPr kumimoji="1" lang="en-US" sz="1200" b="1" kern="1200" baseline="0" dirty="0" smtClean="0">
+            <a:r>
+              <a:rPr kumimoji="1" lang="en-US" sz="1200" b="1" kern="1200" dirty="0" smtClean="0">
                 <a:solidFill>
                   <a:schemeClr val="tx1"/>
                 </a:solidFill>
@@ -3060,8 +7031,17 @@
                 <a:ea typeface="ＭＳ Ｐゴシック" charset="0"/>
                 <a:cs typeface="+mn-cs"/>
               </a:rPr>
-              <a:t>Giving up control</a:t>
-            </a:r>
+              <a:t>Obvious costs</a:t>
+            </a:r>
+            <a:endParaRPr kumimoji="1" lang="en-US" sz="1200" b="0" kern="1200" dirty="0" smtClean="0">
+              <a:solidFill>
+                <a:schemeClr val="tx1"/>
+              </a:solidFill>
+              <a:effectLst/>
+              <a:latin typeface="Verdana" charset="0"/>
+              <a:ea typeface="ＭＳ Ｐゴシック" charset="0"/>
+              <a:cs typeface="+mn-cs"/>
+            </a:endParaRPr>
           </a:p>
           <a:p>
             <a:pPr marL="171450" indent="-171450">
@@ -3069,6 +7049,100 @@
               <a:buChar char="-"/>
             </a:pPr>
             <a:r>
+              <a:rPr kumimoji="1" lang="en-US" sz="1200" b="0" kern="1200" dirty="0" smtClean="0">
+                <a:solidFill>
+                  <a:schemeClr val="tx1"/>
+                </a:solidFill>
+                <a:effectLst/>
+                <a:latin typeface="Verdana" charset="0"/>
+                <a:ea typeface="ＭＳ Ｐゴシック" charset="0"/>
+                <a:cs typeface="+mn-cs"/>
+              </a:rPr>
+              <a:t>paying developers (hired and contracted)</a:t>
+            </a:r>
+          </a:p>
+          <a:p>
+            <a:pPr marL="171450" indent="-171450">
+              <a:buFontTx/>
+              <a:buChar char="-"/>
+            </a:pPr>
+            <a:r>
+              <a:rPr kumimoji="1" lang="en-US" sz="1200" b="0" kern="1200" dirty="0" smtClean="0">
+                <a:solidFill>
+                  <a:schemeClr val="tx1"/>
+                </a:solidFill>
+                <a:effectLst/>
+                <a:latin typeface="Verdana" charset="0"/>
+                <a:ea typeface="ＭＳ Ｐゴシック" charset="0"/>
+                <a:cs typeface="+mn-cs"/>
+              </a:rPr>
+              <a:t>Forfeiting IP rights that could be licensed</a:t>
+            </a:r>
+            <a:r>
+              <a:rPr kumimoji="1" lang="en-US" sz="1200" b="0" kern="1200" baseline="0" dirty="0" smtClean="0">
+                <a:solidFill>
+                  <a:schemeClr val="tx1"/>
+                </a:solidFill>
+                <a:effectLst/>
+                <a:latin typeface="Verdana" charset="0"/>
+                <a:ea typeface="ＭＳ Ｐゴシック" charset="0"/>
+                <a:cs typeface="+mn-cs"/>
+              </a:rPr>
+              <a:t> to others</a:t>
+            </a:r>
+            <a:endParaRPr kumimoji="1" lang="en-US" sz="1200" b="0" kern="1200" dirty="0" smtClean="0">
+              <a:solidFill>
+                <a:schemeClr val="tx1"/>
+              </a:solidFill>
+              <a:effectLst/>
+              <a:latin typeface="Verdana" charset="0"/>
+              <a:ea typeface="ＭＳ Ｐゴシック" charset="0"/>
+              <a:cs typeface="+mn-cs"/>
+            </a:endParaRPr>
+          </a:p>
+          <a:p>
+            <a:endParaRPr kumimoji="1" lang="en-US" sz="1200" b="1" kern="1200" dirty="0" smtClean="0">
+              <a:solidFill>
+                <a:schemeClr val="tx1"/>
+              </a:solidFill>
+              <a:effectLst/>
+              <a:latin typeface="Verdana" charset="0"/>
+              <a:ea typeface="ＭＳ Ｐゴシック" charset="0"/>
+              <a:cs typeface="+mn-cs"/>
+            </a:endParaRPr>
+          </a:p>
+          <a:p>
+            <a:r>
+              <a:rPr kumimoji="1" lang="en-US" sz="1200" b="1" kern="1200" dirty="0" smtClean="0">
+                <a:solidFill>
+                  <a:schemeClr val="tx1"/>
+                </a:solidFill>
+                <a:effectLst/>
+                <a:latin typeface="Verdana" charset="0"/>
+                <a:ea typeface="ＭＳ Ｐゴシック" charset="0"/>
+                <a:cs typeface="+mn-cs"/>
+              </a:rPr>
+              <a:t>Lack </a:t>
+            </a:r>
+            <a:r>
+              <a:rPr kumimoji="1" lang="en-US" sz="1200" b="1" kern="1200" dirty="0" smtClean="0">
+                <a:solidFill>
+                  <a:schemeClr val="tx1"/>
+                </a:solidFill>
+                <a:effectLst/>
+                <a:latin typeface="Verdana" charset="0"/>
+                <a:ea typeface="ＭＳ Ｐゴシック" charset="0"/>
+                <a:cs typeface="+mn-cs"/>
+              </a:rPr>
+              <a:t>of differentiation</a:t>
+            </a:r>
+          </a:p>
+          <a:p>
+            <a:pPr marL="171450" indent="-171450">
+              <a:buFontTx/>
+              <a:buChar char="-"/>
+            </a:pPr>
+            <a:r>
               <a:rPr kumimoji="1" lang="en-US" sz="1200" kern="1200" baseline="0" dirty="0" smtClean="0">
                 <a:solidFill>
                   <a:schemeClr val="tx1"/>
@@ -3078,29 +7152,16 @@
                 <a:ea typeface="ＭＳ Ｐゴシック" charset="0"/>
                 <a:cs typeface="+mn-cs"/>
               </a:rPr>
-              <a:t>Costs increases when dependency on external sources increases</a:t>
-            </a:r>
-          </a:p>
-          <a:p>
-            <a:pPr marL="171450" marR="0" indent="-171450" algn="l" defTabSz="914400" rtl="0" eaLnBrk="1" fontAlgn="base" latinLnBrk="0" hangingPunct="1">
-              <a:lnSpc>
-                <a:spcPct val="100000"/>
-              </a:lnSpc>
-              <a:spcBef>
-                <a:spcPct val="30000"/>
-              </a:spcBef>
-              <a:spcAft>
-                <a:spcPct val="0"/>
-              </a:spcAft>
-              <a:buClrTx/>
-              <a:buSzTx/>
+              <a:t>Nothing can stop a competitor to use the same architecture, same OSS, creating a clone</a:t>
+            </a:r>
+          </a:p>
+          <a:p>
+            <a:pPr marL="171450" indent="-171450">
               <a:buFontTx/>
               <a:buChar char="-"/>
-              <a:tabLst/>
-              <a:defRPr/>
-            </a:pPr>
-            <a:r>
-              <a:rPr kumimoji="1" lang="en-US" sz="1200" kern="1200" dirty="0" smtClean="0">
+            </a:pPr>
+            <a:r>
+              <a:rPr kumimoji="1" lang="en-US" sz="1200" kern="1200" baseline="0" dirty="0" smtClean="0">
                 <a:solidFill>
                   <a:schemeClr val="tx1"/>
                 </a:solidFill>
@@ -3109,76 +7170,8 @@
                 <a:ea typeface="ＭＳ Ｐゴシック" charset="0"/>
                 <a:cs typeface="+mn-cs"/>
               </a:rPr>
-              <a:t>Choosing open source projects for the core of one’s product means giving up control over the direction of the development. </a:t>
-            </a:r>
-          </a:p>
-          <a:p>
-            <a:pPr marL="171450" marR="0" indent="-171450" algn="l" defTabSz="914400" rtl="0" eaLnBrk="1" fontAlgn="base" latinLnBrk="0" hangingPunct="1">
-              <a:lnSpc>
-                <a:spcPct val="100000"/>
-              </a:lnSpc>
-              <a:spcBef>
-                <a:spcPct val="30000"/>
-              </a:spcBef>
-              <a:spcAft>
-                <a:spcPct val="0"/>
-              </a:spcAft>
-              <a:buClrTx/>
-              <a:buSzTx/>
-              <a:buFontTx/>
-              <a:buChar char="-"/>
-              <a:tabLst/>
-              <a:defRPr/>
-            </a:pPr>
-            <a:r>
-              <a:rPr kumimoji="1" lang="en-US" sz="1200" kern="1200" dirty="0" smtClean="0">
-                <a:solidFill>
-                  <a:schemeClr val="tx1"/>
-                </a:solidFill>
-                <a:effectLst/>
-                <a:latin typeface="Verdana" charset="0"/>
-                <a:ea typeface="ＭＳ Ｐゴシック" charset="0"/>
-                <a:cs typeface="+mn-cs"/>
-              </a:rPr>
-              <a:t>A thin line: Nokia poured money in the development of the GTK,</a:t>
-            </a:r>
-            <a:r>
-              <a:rPr kumimoji="1" lang="en-US" sz="1200" kern="1200" baseline="0" dirty="0" smtClean="0">
-                <a:solidFill>
-                  <a:schemeClr val="tx1"/>
-                </a:solidFill>
-                <a:effectLst/>
-                <a:latin typeface="Verdana" charset="0"/>
-                <a:ea typeface="ＭＳ Ｐゴシック" charset="0"/>
-                <a:cs typeface="+mn-cs"/>
-              </a:rPr>
-              <a:t> improving it a lot for mobile devices, </a:t>
-            </a:r>
-            <a:r>
-              <a:rPr kumimoji="1" lang="en-US" sz="1200" kern="1200" dirty="0" smtClean="0">
-                <a:solidFill>
-                  <a:schemeClr val="tx1"/>
-                </a:solidFill>
-                <a:effectLst/>
-                <a:latin typeface="Verdana" charset="0"/>
-                <a:ea typeface="ＭＳ Ｐゴシック" charset="0"/>
-                <a:cs typeface="+mn-cs"/>
-              </a:rPr>
-              <a:t>community members felt being pushed out,</a:t>
-            </a:r>
-            <a:r>
-              <a:rPr kumimoji="1" lang="en-US" sz="1200" kern="1200" baseline="0" dirty="0" smtClean="0">
-                <a:solidFill>
-                  <a:schemeClr val="tx1"/>
-                </a:solidFill>
-                <a:effectLst/>
-                <a:latin typeface="Verdana" charset="0"/>
-                <a:ea typeface="ＭＳ Ｐゴシック" charset="0"/>
-                <a:cs typeface="+mn-cs"/>
-              </a:rPr>
-              <a:t> not given write access to Nokia’s repo, got more and more difficult to apply upstream patches</a:t>
-            </a:r>
-            <a:endParaRPr lang="en-US" dirty="0" smtClean="0"/>
+              <a:t>Strategy: selective revealing, architecture designed so that top and bottom layer are kept proprietary, middleware shared, middle part is generic</a:t>
+            </a:r>
           </a:p>
           <a:p>
             <a:pPr marL="171450" indent="-171450">
@@ -3201,7 +7194,7 @@
               <a:buNone/>
             </a:pPr>
             <a:r>
-              <a:rPr kumimoji="1" lang="en-US" sz="1200" b="1" kern="1200" dirty="0" smtClean="0">
+              <a:rPr kumimoji="1" lang="en-US" sz="1200" b="1" kern="1200" baseline="0" dirty="0" smtClean="0">
                 <a:solidFill>
                   <a:schemeClr val="tx1"/>
                 </a:solidFill>
@@ -3210,17 +7203,8 @@
                 <a:ea typeface="ＭＳ Ｐゴシック" charset="0"/>
                 <a:cs typeface="+mn-cs"/>
               </a:rPr>
-              <a:t>Organizational inertia </a:t>
-            </a:r>
-            <a:endParaRPr kumimoji="1" lang="en-US" sz="1200" b="1" kern="1200" baseline="0" dirty="0" smtClean="0">
-              <a:solidFill>
-                <a:schemeClr val="tx1"/>
-              </a:solidFill>
-              <a:effectLst/>
-              <a:latin typeface="Verdana" charset="0"/>
-              <a:ea typeface="ＭＳ Ｐゴシック" charset="0"/>
-              <a:cs typeface="+mn-cs"/>
-            </a:endParaRPr>
+              <a:t>Losing business secrets</a:t>
+            </a:r>
           </a:p>
           <a:p>
             <a:pPr marL="171450" indent="-171450">
@@ -3237,10 +7221,10 @@
                 <a:ea typeface="ＭＳ Ｐゴシック" charset="0"/>
                 <a:cs typeface="+mn-cs"/>
               </a:rPr>
-              <a:t>Platform software might include 3</a:t>
-            </a:r>
-            <a:r>
-              <a:rPr kumimoji="1" lang="en-US" sz="1200" kern="1200" baseline="30000" dirty="0" smtClean="0">
+              <a:t>What is a business secret, what ends up in the source code</a:t>
+            </a:r>
+            <a:r>
+              <a:rPr kumimoji="1" lang="en-US" sz="1200" kern="1200" baseline="0" dirty="0" smtClean="0">
                 <a:solidFill>
                   <a:schemeClr val="tx1"/>
                 </a:solidFill>
@@ -3249,44 +7233,8 @@
                 <a:ea typeface="ＭＳ Ｐゴシック" charset="0"/>
                 <a:cs typeface="+mn-cs"/>
               </a:rPr>
-              <a:t>rd</a:t>
-            </a:r>
-            <a:r>
-              <a:rPr kumimoji="1" lang="en-US" sz="1200" kern="1200" baseline="0" dirty="0" smtClean="0">
-                <a:solidFill>
-                  <a:schemeClr val="tx1"/>
-                </a:solidFill>
-                <a:effectLst/>
-                <a:latin typeface="Verdana" charset="0"/>
-                <a:ea typeface="ＭＳ Ｐゴシック" charset="0"/>
-                <a:cs typeface="+mn-cs"/>
-              </a:rPr>
-              <a:t> party software. Can it be shared with the public?</a:t>
-            </a:r>
-          </a:p>
-          <a:p>
-            <a:pPr marL="171450" indent="-171450">
-              <a:buFontTx/>
-              <a:buChar char="-"/>
-            </a:pPr>
-            <a:r>
-              <a:rPr kumimoji="1" lang="en-US" sz="1200" kern="1200" baseline="0" dirty="0" smtClean="0">
-                <a:solidFill>
-                  <a:schemeClr val="tx1"/>
-                </a:solidFill>
-                <a:effectLst/>
-                <a:latin typeface="Verdana" charset="0"/>
-                <a:ea typeface="ＭＳ Ｐゴシック" charset="0"/>
-                <a:cs typeface="+mn-cs"/>
-              </a:rPr>
-              <a:t>Regarding collaboration worlds collide: Nokia had internal bug-tracker, could not access public IRC channel, infrastructure was duplicated</a:t>
-            </a:r>
-          </a:p>
-          <a:p>
-            <a:pPr marL="171450" indent="-171450">
-              <a:buFontTx/>
-              <a:buChar char="-"/>
-            </a:pPr>
+              <a:t>? New products?</a:t>
+            </a:r>
             <a:endParaRPr kumimoji="1" lang="en-US" sz="1200" kern="1200" baseline="0" dirty="0" smtClean="0">
               <a:solidFill>
                 <a:schemeClr val="tx1"/>
@@ -3298,22 +7246,9 @@
             </a:endParaRPr>
           </a:p>
           <a:p>
-            <a:pPr marL="0" marR="0" indent="0" algn="l" defTabSz="914400" rtl="0" eaLnBrk="1" fontAlgn="base" latinLnBrk="0" hangingPunct="1">
-              <a:lnSpc>
-                <a:spcPct val="100000"/>
-              </a:lnSpc>
-              <a:spcBef>
-                <a:spcPct val="30000"/>
-              </a:spcBef>
-              <a:spcAft>
-                <a:spcPct val="0"/>
-              </a:spcAft>
-              <a:buClrTx/>
-              <a:buSzTx/>
-              <a:buFontTx/>
-              <a:buNone/>
-              <a:tabLst/>
-              <a:defRPr/>
+            <a:pPr marL="171450" indent="-171450">
+              <a:buFontTx/>
+              <a:buChar char="-"/>
             </a:pPr>
             <a:r>
               <a:rPr kumimoji="1" lang="en-US" sz="1200" kern="1200" baseline="0" dirty="0" smtClean="0">
@@ -3325,75 +7260,8 @@
                 <a:ea typeface="ＭＳ Ｐゴシック" charset="0"/>
                 <a:cs typeface="+mn-cs"/>
               </a:rPr>
-              <a:t>Number one cost: </a:t>
-            </a:r>
-            <a:r>
-              <a:rPr kumimoji="1" lang="en-US" sz="1200" b="1" kern="1200" dirty="0" smtClean="0">
-                <a:solidFill>
-                  <a:schemeClr val="tx1"/>
-                </a:solidFill>
-                <a:effectLst/>
-                <a:latin typeface="Verdana" charset="0"/>
-                <a:ea typeface="ＭＳ Ｐゴシック" charset="0"/>
-                <a:cs typeface="+mn-cs"/>
-              </a:rPr>
-              <a:t>Organizational inertia</a:t>
-            </a:r>
-            <a:r>
-              <a:rPr kumimoji="1" lang="en-US" sz="1200" b="0" kern="1200" baseline="0" dirty="0" smtClean="0">
-                <a:solidFill>
-                  <a:schemeClr val="tx1"/>
-                </a:solidFill>
-                <a:effectLst/>
-                <a:latin typeface="Verdana" charset="0"/>
-                <a:ea typeface="ＭＳ Ｐゴシック" charset="0"/>
-                <a:cs typeface="+mn-cs"/>
-              </a:rPr>
-              <a:t> </a:t>
-            </a:r>
-            <a:r>
-              <a:rPr kumimoji="1" lang="en-US" sz="1200" kern="1200" dirty="0" smtClean="0">
-                <a:solidFill>
-                  <a:schemeClr val="tx1"/>
-                </a:solidFill>
-                <a:effectLst/>
-                <a:latin typeface="Verdana" charset="0"/>
-                <a:ea typeface="ＭＳ Ｐゴシック" charset="0"/>
-                <a:cs typeface="+mn-cs"/>
-              </a:rPr>
-              <a:t>time-consuming processes simply proved inadequate to collaborate with a very flexible community, resulting in frustration on both sides</a:t>
-            </a:r>
-            <a:endParaRPr kumimoji="1" lang="en-US" sz="1200" b="1" kern="1200" baseline="0" dirty="0" smtClean="0">
-              <a:solidFill>
-                <a:schemeClr val="tx1"/>
-              </a:solidFill>
-              <a:effectLst/>
-              <a:latin typeface="Verdana" charset="0"/>
-              <a:ea typeface="ＭＳ Ｐゴシック" charset="0"/>
-              <a:cs typeface="+mn-cs"/>
-            </a:endParaRPr>
-          </a:p>
-          <a:p>
-            <a:pPr marL="0" indent="0">
-              <a:buFontTx/>
-              <a:buNone/>
-            </a:pPr>
-            <a:endParaRPr kumimoji="1" lang="en-US" sz="1200" kern="1200" baseline="0" dirty="0" smtClean="0">
-              <a:solidFill>
-                <a:schemeClr val="tx1"/>
-              </a:solidFill>
-              <a:effectLst/>
-              <a:latin typeface="Verdana" charset="0"/>
-              <a:ea typeface="ＭＳ Ｐゴシック" charset="0"/>
-              <a:cs typeface="+mn-cs"/>
-            </a:endParaRPr>
-          </a:p>
-          <a:p>
-            <a:pPr marL="171450" indent="-171450">
-              <a:buFontTx/>
-              <a:buChar char="-"/>
-            </a:pPr>
-            <a:endParaRPr lang="en-US" dirty="0"/>
+              <a:t>Strategy: modular approach, separation of concerns</a:t>
+            </a:r>
           </a:p>
         </p:txBody>
       </p:sp>
@@ -3415,7 +7283,7 @@
             <a:fld id="{36C0F4B3-324B-184C-B7D7-B71343ED7D26}" type="slidenum">
               <a:rPr lang="de-DE" smtClean="0"/>
               <a:pPr/>
-              <a:t>9</a:t>
+              <a:t>8</a:t>
             </a:fld>
             <a:endParaRPr lang="de-DE"/>
           </a:p>
@@ -3478,14 +7346,61 @@
           <a:bodyPr/>
           <a:lstStyle/>
           <a:p>
-            <a:r>
-              <a:rPr lang="en-US" dirty="0" smtClean="0"/>
-              <a:t>Survey</a:t>
-            </a:r>
-            <a:r>
-              <a:rPr lang="en-US" baseline="0" dirty="0" smtClean="0"/>
-              <a:t> of embedded Linux developers:</a:t>
-            </a:r>
+            <a:pPr marL="0" indent="0">
+              <a:buFontTx/>
+              <a:buNone/>
+            </a:pPr>
+            <a:r>
+              <a:rPr kumimoji="1" lang="en-US" sz="1200" b="1" kern="1200" baseline="0" dirty="0" smtClean="0">
+                <a:solidFill>
+                  <a:schemeClr val="tx1"/>
+                </a:solidFill>
+                <a:effectLst/>
+                <a:latin typeface="Verdana" charset="0"/>
+                <a:ea typeface="ＭＳ Ｐゴシック" charset="0"/>
+                <a:cs typeface="+mn-cs"/>
+              </a:rPr>
+              <a:t>Giving up control</a:t>
+            </a:r>
+          </a:p>
+          <a:p>
+            <a:pPr marL="171450" indent="-171450">
+              <a:buFontTx/>
+              <a:buChar char="-"/>
+            </a:pPr>
+            <a:r>
+              <a:rPr kumimoji="1" lang="en-US" sz="1200" kern="1200" baseline="0" dirty="0" smtClean="0">
+                <a:solidFill>
+                  <a:schemeClr val="tx1"/>
+                </a:solidFill>
+                <a:effectLst/>
+                <a:latin typeface="Verdana" charset="0"/>
+                <a:ea typeface="ＭＳ Ｐゴシック" charset="0"/>
+                <a:cs typeface="+mn-cs"/>
+              </a:rPr>
+              <a:t>Costs increases when dependency on external sources </a:t>
+            </a:r>
+            <a:r>
+              <a:rPr kumimoji="1" lang="en-US" sz="1200" kern="1200" baseline="0" dirty="0" smtClean="0">
+                <a:solidFill>
+                  <a:schemeClr val="tx1"/>
+                </a:solidFill>
+                <a:effectLst/>
+                <a:latin typeface="Verdana" charset="0"/>
+                <a:ea typeface="ＭＳ Ｐゴシック" charset="0"/>
+                <a:cs typeface="+mn-cs"/>
+              </a:rPr>
+              <a:t>increases</a:t>
+            </a:r>
+            <a:endParaRPr kumimoji="1" lang="en-US" sz="1200" kern="1200" baseline="0" dirty="0" smtClean="0">
+              <a:solidFill>
+                <a:schemeClr val="tx1"/>
+              </a:solidFill>
+              <a:effectLst/>
+              <a:latin typeface="Verdana" charset="0"/>
+              <a:ea typeface="ＭＳ Ｐゴシック" charset="0"/>
+              <a:cs typeface="+mn-cs"/>
+            </a:endParaRPr>
           </a:p>
           <a:p>
             <a:pPr marL="171450" marR="0" indent="-171450" algn="l" defTabSz="914400" rtl="0" eaLnBrk="1" fontAlgn="base" latinLnBrk="0" hangingPunct="1">
@@ -3515,8 +7430,29 @@
                 <a:ea typeface="ＭＳ Ｐゴシック" charset="0"/>
                 <a:cs typeface="+mn-cs"/>
               </a:rPr>
-              <a:t>one of three most widely used operating systems for embedded devices ranging from VCRs to mobile phones</a:t>
-            </a:r>
+              <a:t>Choosing open source projects for the core of one’s product means giving up control over the direction of the </a:t>
+            </a:r>
+            <a:r>
+              <a:rPr kumimoji="1" lang="en-US" sz="1200" kern="1200" dirty="0" smtClean="0">
+                <a:solidFill>
+                  <a:schemeClr val="tx1"/>
+                </a:solidFill>
+                <a:effectLst/>
+                <a:latin typeface="Verdana" charset="0"/>
+                <a:ea typeface="ＭＳ Ｐゴシック" charset="0"/>
+                <a:cs typeface="+mn-cs"/>
+              </a:rPr>
+              <a:t>development</a:t>
+            </a:r>
+            <a:endParaRPr kumimoji="1" lang="en-US" sz="1200" kern="1200" dirty="0" smtClean="0">
+              <a:solidFill>
+                <a:schemeClr val="tx1"/>
+              </a:solidFill>
+              <a:effectLst/>
+              <a:latin typeface="Verdana" charset="0"/>
+              <a:ea typeface="ＭＳ Ｐゴシック" charset="0"/>
+              <a:cs typeface="+mn-cs"/>
+            </a:endParaRPr>
           </a:p>
           <a:p>
             <a:pPr marL="171450" marR="0" indent="-171450" algn="l" defTabSz="914400" rtl="0" eaLnBrk="1" fontAlgn="base" latinLnBrk="0" hangingPunct="1">
@@ -3546,11 +7482,204 @@
                 <a:ea typeface="ＭＳ Ｐゴシック" charset="0"/>
                 <a:cs typeface="+mn-cs"/>
               </a:rPr>
-              <a:t>device types are so different from one to another that no standard version of embedded Linux exists</a:t>
-            </a:r>
-          </a:p>
-          <a:p>
-            <a:pPr marL="171450" marR="0" indent="-171450" algn="l" defTabSz="914400" rtl="0" eaLnBrk="1" fontAlgn="base" latinLnBrk="0" hangingPunct="1">
+              <a:t>A thin line: Nokia poured money in the development of the GTK,</a:t>
+            </a:r>
+            <a:r>
+              <a:rPr kumimoji="1" lang="en-US" sz="1200" kern="1200" baseline="0" dirty="0" smtClean="0">
+                <a:solidFill>
+                  <a:schemeClr val="tx1"/>
+                </a:solidFill>
+                <a:effectLst/>
+                <a:latin typeface="Verdana" charset="0"/>
+                <a:ea typeface="ＭＳ Ｐゴシック" charset="0"/>
+                <a:cs typeface="+mn-cs"/>
+              </a:rPr>
+              <a:t> improving it a lot for mobile devices, </a:t>
+            </a:r>
+            <a:r>
+              <a:rPr kumimoji="1" lang="en-US" sz="1200" kern="1200" dirty="0" smtClean="0">
+                <a:solidFill>
+                  <a:schemeClr val="tx1"/>
+                </a:solidFill>
+                <a:effectLst/>
+                <a:latin typeface="Verdana" charset="0"/>
+                <a:ea typeface="ＭＳ Ｐゴシック" charset="0"/>
+                <a:cs typeface="+mn-cs"/>
+              </a:rPr>
+              <a:t>community members felt being pushed out,</a:t>
+            </a:r>
+            <a:r>
+              <a:rPr kumimoji="1" lang="en-US" sz="1200" kern="1200" baseline="0" dirty="0" smtClean="0">
+                <a:solidFill>
+                  <a:schemeClr val="tx1"/>
+                </a:solidFill>
+                <a:effectLst/>
+                <a:latin typeface="Verdana" charset="0"/>
+                <a:ea typeface="ＭＳ Ｐゴシック" charset="0"/>
+                <a:cs typeface="+mn-cs"/>
+              </a:rPr>
+              <a:t> not given write access to Nokia’s repo, got more and more difficult to apply upstream patches</a:t>
+            </a:r>
+            <a:endParaRPr lang="en-US" dirty="0" smtClean="0"/>
+          </a:p>
+          <a:p>
+            <a:pPr marL="171450" indent="-171450">
+              <a:buFontTx/>
+              <a:buChar char="-"/>
+            </a:pPr>
+            <a:endParaRPr kumimoji="1" lang="en-US" sz="1200" kern="1200" baseline="0" dirty="0" smtClean="0">
+              <a:solidFill>
+                <a:schemeClr val="tx1"/>
+              </a:solidFill>
+              <a:effectLst/>
+              <a:latin typeface="Verdana" charset="0"/>
+              <a:ea typeface="ＭＳ Ｐゴシック" charset="0"/>
+              <a:cs typeface="+mn-cs"/>
+            </a:endParaRPr>
+          </a:p>
+          <a:p>
+            <a:pPr marL="0" indent="0">
+              <a:buFontTx/>
+              <a:buNone/>
+            </a:pPr>
+            <a:r>
+              <a:rPr kumimoji="1" lang="en-US" sz="1200" b="1" kern="1200" dirty="0" smtClean="0">
+                <a:solidFill>
+                  <a:schemeClr val="tx1"/>
+                </a:solidFill>
+                <a:effectLst/>
+                <a:latin typeface="Verdana" charset="0"/>
+                <a:ea typeface="ＭＳ Ｐゴシック" charset="0"/>
+                <a:cs typeface="+mn-cs"/>
+              </a:rPr>
+              <a:t>Organizational inertia </a:t>
+            </a:r>
+            <a:endParaRPr kumimoji="1" lang="en-US" sz="1200" b="1" kern="1200" baseline="0" dirty="0" smtClean="0">
+              <a:solidFill>
+                <a:schemeClr val="tx1"/>
+              </a:solidFill>
+              <a:effectLst/>
+              <a:latin typeface="Verdana" charset="0"/>
+              <a:ea typeface="ＭＳ Ｐゴシック" charset="0"/>
+              <a:cs typeface="+mn-cs"/>
+            </a:endParaRPr>
+          </a:p>
+          <a:p>
+            <a:pPr marL="171450" indent="-171450">
+              <a:buFontTx/>
+              <a:buChar char="-"/>
+            </a:pPr>
+            <a:r>
+              <a:rPr kumimoji="1" lang="en-US" sz="1200" kern="1200" baseline="0" dirty="0" smtClean="0">
+                <a:solidFill>
+                  <a:schemeClr val="tx1"/>
+                </a:solidFill>
+                <a:effectLst/>
+                <a:latin typeface="Verdana" charset="0"/>
+                <a:ea typeface="ＭＳ Ｐゴシック" charset="0"/>
+                <a:cs typeface="+mn-cs"/>
+              </a:rPr>
+              <a:t>Platform software might include 3</a:t>
+            </a:r>
+            <a:r>
+              <a:rPr kumimoji="1" lang="en-US" sz="1200" kern="1200" baseline="30000" dirty="0" smtClean="0">
+                <a:solidFill>
+                  <a:schemeClr val="tx1"/>
+                </a:solidFill>
+                <a:effectLst/>
+                <a:latin typeface="Verdana" charset="0"/>
+                <a:ea typeface="ＭＳ Ｐゴシック" charset="0"/>
+                <a:cs typeface="+mn-cs"/>
+              </a:rPr>
+              <a:t>rd</a:t>
+            </a:r>
+            <a:r>
+              <a:rPr kumimoji="1" lang="en-US" sz="1200" kern="1200" baseline="0" dirty="0" smtClean="0">
+                <a:solidFill>
+                  <a:schemeClr val="tx1"/>
+                </a:solidFill>
+                <a:effectLst/>
+                <a:latin typeface="Verdana" charset="0"/>
+                <a:ea typeface="ＭＳ Ｐゴシック" charset="0"/>
+                <a:cs typeface="+mn-cs"/>
+              </a:rPr>
+              <a:t> party software. Can it be shared with the public</a:t>
+            </a:r>
+            <a:r>
+              <a:rPr kumimoji="1" lang="en-US" sz="1200" kern="1200" baseline="0" dirty="0" smtClean="0">
+                <a:solidFill>
+                  <a:schemeClr val="tx1"/>
+                </a:solidFill>
+                <a:effectLst/>
+                <a:latin typeface="Verdana" charset="0"/>
+                <a:ea typeface="ＭＳ Ｐゴシック" charset="0"/>
+                <a:cs typeface="+mn-cs"/>
+              </a:rPr>
+              <a:t>? </a:t>
+            </a:r>
+          </a:p>
+          <a:p>
+            <a:pPr marL="171450" indent="-171450">
+              <a:buFontTx/>
+              <a:buChar char="-"/>
+            </a:pPr>
+            <a:r>
+              <a:rPr kumimoji="1" lang="en-US" sz="1200" kern="1200" baseline="0" dirty="0" smtClean="0">
+                <a:solidFill>
+                  <a:schemeClr val="tx1"/>
+                </a:solidFill>
+                <a:effectLst/>
+                <a:latin typeface="Verdana" charset="0"/>
+                <a:ea typeface="ＭＳ Ｐゴシック" charset="0"/>
+                <a:cs typeface="+mn-cs"/>
+              </a:rPr>
+              <a:t>Legal review process required</a:t>
+            </a:r>
+            <a:endParaRPr kumimoji="1" lang="en-US" sz="1200" kern="1200" baseline="0" dirty="0" smtClean="0">
+              <a:solidFill>
+                <a:schemeClr val="tx1"/>
+              </a:solidFill>
+              <a:effectLst/>
+              <a:latin typeface="Verdana" charset="0"/>
+              <a:ea typeface="ＭＳ Ｐゴシック" charset="0"/>
+              <a:cs typeface="+mn-cs"/>
+            </a:endParaRPr>
+          </a:p>
+          <a:p>
+            <a:pPr marL="171450" indent="-171450">
+              <a:buFontTx/>
+              <a:buChar char="-"/>
+            </a:pPr>
+            <a:r>
+              <a:rPr kumimoji="1" lang="en-US" sz="1200" kern="1200" baseline="0" dirty="0" smtClean="0">
+                <a:solidFill>
+                  <a:schemeClr val="tx1"/>
+                </a:solidFill>
+                <a:effectLst/>
+                <a:latin typeface="Verdana" charset="0"/>
+                <a:ea typeface="ＭＳ Ｐゴシック" charset="0"/>
+                <a:cs typeface="+mn-cs"/>
+              </a:rPr>
+              <a:t>Regarding collaboration worlds collide: Nokia had internal bug-tracker, could not access public IRC channel, infrastructure was duplicated</a:t>
+            </a:r>
+          </a:p>
+          <a:p>
+            <a:pPr marL="171450" indent="-171450">
+              <a:buFontTx/>
+              <a:buChar char="-"/>
+            </a:pPr>
+            <a:endParaRPr kumimoji="1" lang="en-US" sz="1200" kern="1200" baseline="0" dirty="0" smtClean="0">
+              <a:solidFill>
+                <a:schemeClr val="tx1"/>
+              </a:solidFill>
+              <a:effectLst/>
+              <a:latin typeface="Verdana" charset="0"/>
+              <a:ea typeface="ＭＳ Ｐゴシック" charset="0"/>
+              <a:cs typeface="+mn-cs"/>
+            </a:endParaRPr>
+          </a:p>
+          <a:p>
+            <a:pPr marL="0" marR="0" indent="0" algn="l" defTabSz="914400" rtl="0" eaLnBrk="1" fontAlgn="base" latinLnBrk="0" hangingPunct="1">
               <a:lnSpc>
                 <a:spcPct val="100000"/>
               </a:lnSpc>
@@ -3563,11 +7692,75 @@
               <a:buClrTx/>
               <a:buSzTx/>
               <a:buFontTx/>
-              <a:buChar char="-"/>
+              <a:buNone/>
               <a:tabLst/>
               <a:defRPr/>
             </a:pPr>
             <a:r>
+              <a:rPr kumimoji="1" lang="en-US" sz="1200" kern="1200" baseline="0" dirty="0" smtClean="0">
+                <a:solidFill>
+                  <a:schemeClr val="tx1"/>
+                </a:solidFill>
+                <a:effectLst/>
+                <a:latin typeface="Verdana" charset="0"/>
+                <a:ea typeface="ＭＳ Ｐゴシック" charset="0"/>
+                <a:cs typeface="+mn-cs"/>
+              </a:rPr>
+              <a:t>Number one cost: </a:t>
+            </a:r>
+            <a:r>
+              <a:rPr kumimoji="1" lang="en-US" sz="1200" b="1" kern="1200" dirty="0" smtClean="0">
+                <a:solidFill>
+                  <a:schemeClr val="tx1"/>
+                </a:solidFill>
+                <a:effectLst/>
+                <a:latin typeface="Verdana" charset="0"/>
+                <a:ea typeface="ＭＳ Ｐゴシック" charset="0"/>
+                <a:cs typeface="+mn-cs"/>
+              </a:rPr>
+              <a:t>Organizational inertia</a:t>
+            </a:r>
+            <a:r>
+              <a:rPr kumimoji="1" lang="en-US" sz="1200" b="0" kern="1200" baseline="0" dirty="0" smtClean="0">
+                <a:solidFill>
+                  <a:schemeClr val="tx1"/>
+                </a:solidFill>
+                <a:effectLst/>
+                <a:latin typeface="Verdana" charset="0"/>
+                <a:ea typeface="ＭＳ Ｐゴシック" charset="0"/>
+                <a:cs typeface="+mn-cs"/>
+              </a:rPr>
+              <a:t> </a:t>
+            </a:r>
+            <a:endParaRPr kumimoji="1" lang="en-US" sz="1200" b="0" kern="1200" baseline="0" dirty="0" smtClean="0">
+              <a:solidFill>
+                <a:schemeClr val="tx1"/>
+              </a:solidFill>
+              <a:effectLst/>
+              <a:latin typeface="Verdana" charset="0"/>
+              <a:ea typeface="ＭＳ Ｐゴシック" charset="0"/>
+              <a:cs typeface="+mn-cs"/>
+            </a:endParaRPr>
+          </a:p>
+          <a:p>
+            <a:pPr marL="0" marR="0" indent="0" algn="l" defTabSz="914400" rtl="0" eaLnBrk="1" fontAlgn="base" latinLnBrk="0" hangingPunct="1">
+              <a:lnSpc>
+                <a:spcPct val="100000"/>
+              </a:lnSpc>
+              <a:spcBef>
+                <a:spcPct val="30000"/>
+              </a:spcBef>
+              <a:spcAft>
+                <a:spcPct val="0"/>
+              </a:spcAft>
+              <a:buClrTx/>
+              <a:buSzTx/>
+              <a:buFontTx/>
+              <a:buNone/>
+              <a:tabLst/>
+              <a:defRPr/>
+            </a:pPr>
+            <a:r>
               <a:rPr kumimoji="1" lang="en-US" sz="1200" kern="1200" dirty="0" smtClean="0">
                 <a:solidFill>
                   <a:schemeClr val="tx1"/>
@@ -3577,11 +7770,126 @@
                 <a:ea typeface="ＭＳ Ｐゴシック" charset="0"/>
                 <a:cs typeface="+mn-cs"/>
               </a:rPr>
-              <a:t>Instead, developing for embedded Linux refers to the activity of extending or writing modules that make Linux more suitable for the respective device type. </a:t>
-            </a:r>
-            <a:endParaRPr lang="en-US" dirty="0" smtClean="0"/>
-          </a:p>
-          <a:p>
+              <a:t>time</a:t>
+            </a:r>
+            <a:r>
+              <a:rPr kumimoji="1" lang="en-US" sz="1200" kern="1200" dirty="0" smtClean="0">
+                <a:solidFill>
+                  <a:schemeClr val="tx1"/>
+                </a:solidFill>
+                <a:effectLst/>
+                <a:latin typeface="Verdana" charset="0"/>
+                <a:ea typeface="ＭＳ Ｐゴシック" charset="0"/>
+                <a:cs typeface="+mn-cs"/>
+              </a:rPr>
+              <a:t>-consuming processes simply proved inadequate to collaborate with a very flexible community, </a:t>
+            </a:r>
+            <a:endParaRPr kumimoji="1" lang="en-US" sz="1200" kern="1200" dirty="0" smtClean="0">
+              <a:solidFill>
+                <a:schemeClr val="tx1"/>
+              </a:solidFill>
+              <a:effectLst/>
+              <a:latin typeface="Verdana" charset="0"/>
+              <a:ea typeface="ＭＳ Ｐゴシック" charset="0"/>
+              <a:cs typeface="+mn-cs"/>
+            </a:endParaRPr>
+          </a:p>
+          <a:p>
+            <a:pPr marL="0" marR="0" indent="0" algn="l" defTabSz="914400" rtl="0" eaLnBrk="1" fontAlgn="base" latinLnBrk="0" hangingPunct="1">
+              <a:lnSpc>
+                <a:spcPct val="100000"/>
+              </a:lnSpc>
+              <a:spcBef>
+                <a:spcPct val="30000"/>
+              </a:spcBef>
+              <a:spcAft>
+                <a:spcPct val="0"/>
+              </a:spcAft>
+              <a:buClrTx/>
+              <a:buSzTx/>
+              <a:buFontTx/>
+              <a:buNone/>
+              <a:tabLst/>
+              <a:defRPr/>
+            </a:pPr>
+            <a:r>
+              <a:rPr kumimoji="1" lang="en-US" sz="1200" kern="1200" dirty="0" smtClean="0">
+                <a:solidFill>
+                  <a:schemeClr val="tx1"/>
+                </a:solidFill>
+                <a:effectLst/>
+                <a:latin typeface="Verdana" charset="0"/>
+                <a:ea typeface="ＭＳ Ｐゴシック" charset="0"/>
+                <a:cs typeface="+mn-cs"/>
+              </a:rPr>
+              <a:t>resulting </a:t>
+            </a:r>
+            <a:r>
+              <a:rPr kumimoji="1" lang="en-US" sz="1200" kern="1200" dirty="0" smtClean="0">
+                <a:solidFill>
+                  <a:schemeClr val="tx1"/>
+                </a:solidFill>
+                <a:effectLst/>
+                <a:latin typeface="Verdana" charset="0"/>
+                <a:ea typeface="ＭＳ Ｐゴシック" charset="0"/>
+                <a:cs typeface="+mn-cs"/>
+              </a:rPr>
+              <a:t>in </a:t>
+            </a:r>
+            <a:r>
+              <a:rPr kumimoji="1" lang="en-US" sz="1200" i="1" kern="1200" dirty="0" smtClean="0">
+                <a:solidFill>
+                  <a:schemeClr val="tx1"/>
+                </a:solidFill>
+                <a:effectLst/>
+                <a:latin typeface="Verdana" charset="0"/>
+                <a:ea typeface="ＭＳ Ｐゴシック" charset="0"/>
+                <a:cs typeface="+mn-cs"/>
+              </a:rPr>
+              <a:t>frustration</a:t>
+            </a:r>
+            <a:r>
+              <a:rPr kumimoji="1" lang="en-US" sz="1200" kern="1200" dirty="0" smtClean="0">
+                <a:solidFill>
+                  <a:schemeClr val="tx1"/>
+                </a:solidFill>
+                <a:effectLst/>
+                <a:latin typeface="Verdana" charset="0"/>
+                <a:ea typeface="ＭＳ Ｐゴシック" charset="0"/>
+                <a:cs typeface="+mn-cs"/>
+              </a:rPr>
+              <a:t> on both sides</a:t>
+            </a:r>
+            <a:endParaRPr kumimoji="1" lang="en-US" sz="1200" b="1" kern="1200" baseline="0" dirty="0" smtClean="0">
+              <a:solidFill>
+                <a:schemeClr val="tx1"/>
+              </a:solidFill>
+              <a:effectLst/>
+              <a:latin typeface="Verdana" charset="0"/>
+              <a:ea typeface="ＭＳ Ｐゴシック" charset="0"/>
+              <a:cs typeface="+mn-cs"/>
+            </a:endParaRPr>
+          </a:p>
+          <a:p>
+            <a:pPr marL="0" indent="0">
+              <a:buFontTx/>
+              <a:buNone/>
+            </a:pPr>
+            <a:endParaRPr kumimoji="1" lang="en-US" sz="1200" kern="1200" baseline="0" dirty="0" smtClean="0">
+              <a:solidFill>
+                <a:schemeClr val="tx1"/>
+              </a:solidFill>
+              <a:effectLst/>
+              <a:latin typeface="Verdana" charset="0"/>
+              <a:ea typeface="ＭＳ Ｐゴシック" charset="0"/>
+              <a:cs typeface="+mn-cs"/>
+            </a:endParaRPr>
+          </a:p>
+          <a:p>
+            <a:pPr marL="171450" indent="-171450">
+              <a:buFontTx/>
+              <a:buChar char="-"/>
+            </a:pPr>
             <a:endParaRPr lang="en-US" dirty="0"/>
           </a:p>
         </p:txBody>
@@ -3604,7 +7912,7 @@
             <a:fld id="{36C0F4B3-324B-184C-B7D7-B71343ED7D26}" type="slidenum">
               <a:rPr lang="de-DE" smtClean="0"/>
               <a:pPr/>
-              <a:t>10</a:t>
+              <a:t>9</a:t>
             </a:fld>
             <a:endParaRPr lang="de-DE"/>
           </a:p>
@@ -3613,7 +7921,7 @@
     </p:spTree>
     <p:extLst>
       <p:ext uri="{BB962C8B-B14F-4D97-AF65-F5344CB8AC3E}">
-        <p14:creationId xmlns:p14="http://schemas.microsoft.com/office/powerpoint/2010/main" val="416901091"/>
+        <p14:creationId xmlns:p14="http://schemas.microsoft.com/office/powerpoint/2010/main" val="265029203"/>
       </p:ext>
     </p:extLst>
   </p:cSld>
@@ -7029,7 +11337,15 @@
           <a:p>
             <a:r>
               <a:rPr lang="en-US" sz="1400" b="1" dirty="0" smtClean="0"/>
-              <a:t>David Kaltschmidt</a:t>
+              <a:t>David Kaltschmidt &lt;</a:t>
+            </a:r>
+            <a:r>
+              <a:rPr lang="en-US" sz="1400" b="1" dirty="0" err="1" smtClean="0"/>
+              <a:t>david@inf.fu-berlin.de</a:t>
+            </a:r>
+            <a:r>
+              <a:rPr lang="en-US" sz="1400" b="1" dirty="0" smtClean="0"/>
+              <a:t>&gt;</a:t>
             </a:r>
             <a:endParaRPr lang="de-DE" sz="1400" dirty="0"/>
           </a:p>
@@ -7122,7 +11438,11 @@
             </a:pPr>
             <a:r>
               <a:rPr lang="en-US" dirty="0" smtClean="0"/>
-              <a:t>Survey of embedded Linux developers: </a:t>
+              <a:t>Survey (N=268) </a:t>
+            </a:r>
+            <a:r>
+              <a:rPr lang="en-US" dirty="0" smtClean="0"/>
+              <a:t>of embedded Linux developers: </a:t>
             </a:r>
             <a:br>
               <a:rPr lang="en-US" dirty="0" smtClean="0"/>
@@ -7176,7 +11496,11 @@
             </a:pPr>
             <a:r>
               <a:rPr lang="en-US" dirty="0" smtClean="0"/>
-              <a:t>Proportion open vs. closed source</a:t>
+              <a:t>Percentage open </a:t>
+            </a:r>
+            <a:r>
+              <a:rPr lang="en-US" dirty="0" smtClean="0"/>
+              <a:t>vs. closed source</a:t>
             </a:r>
           </a:p>
           <a:p>
@@ -7360,14 +11684,34 @@
           <a:p>
             <a:r>
               <a:rPr lang="en-US" dirty="0" smtClean="0"/>
-              <a:t>APL: </a:t>
+              <a:t>ASL</a:t>
+            </a:r>
+            <a:r>
+              <a:rPr lang="en-US" dirty="0" smtClean="0"/>
+              <a:t>: </a:t>
             </a:r>
             <a:br>
               <a:rPr lang="en-US" dirty="0" smtClean="0"/>
             </a:br>
             <a:r>
               <a:rPr lang="en-US" dirty="0" smtClean="0"/>
-              <a:t>Permissive, attribution, GPL-compatible, track modifications</a:t>
+              <a:t>Permissive, attribution, </a:t>
+            </a:r>
+            <a:r>
+              <a:rPr lang="en-US" dirty="0" smtClean="0"/>
+              <a:t>no </a:t>
+            </a:r>
+            <a:r>
+              <a:rPr lang="en-US" dirty="0" err="1" smtClean="0"/>
+              <a:t>copyleft</a:t>
+            </a:r>
+            <a:r>
+              <a:rPr lang="en-US" dirty="0" smtClean="0"/>
+              <a:t>, GPL</a:t>
+            </a:r>
+            <a:r>
+              <a:rPr lang="en-US" dirty="0" smtClean="0"/>
+              <a:t>-compatible, track modifications</a:t>
             </a:r>
           </a:p>
           <a:p>
@@ -7507,7 +11851,11 @@
             </a:pPr>
             <a:r>
               <a:rPr lang="en-US" dirty="0" smtClean="0"/>
-              <a:t>Release sources only upon request</a:t>
+              <a:t>Software </a:t>
+            </a:r>
+            <a:r>
+              <a:rPr lang="en-US" dirty="0" smtClean="0"/>
+              <a:t>architecture</a:t>
             </a:r>
           </a:p>
           <a:p>
@@ -7517,7 +11865,21 @@
             </a:pPr>
             <a:r>
               <a:rPr lang="en-US" dirty="0" smtClean="0"/>
-              <a:t>If no one asks, source code remains “secret”</a:t>
+              <a:t>Consider all licenses of the reused OSS</a:t>
+            </a:r>
+          </a:p>
+          <a:p>
+            <a:pPr marL="698500" lvl="1" indent="-342900">
+              <a:buFont typeface="Arial"/>
+              <a:buChar char="•"/>
+            </a:pPr>
+            <a:r>
+              <a:rPr lang="en-US" dirty="0" smtClean="0"/>
+              <a:t>Break up system into subsystems (a program in GPL terms</a:t>
+            </a:r>
+            <a:r>
+              <a:rPr lang="en-US" dirty="0" smtClean="0"/>
+              <a:t>)</a:t>
             </a:r>
           </a:p>
           <a:p>
@@ -7526,7 +11888,7 @@
               <a:buChar char="•"/>
             </a:pPr>
             <a:r>
-              <a:rPr lang="en-US" dirty="0" smtClean="0"/>
+              <a:rPr lang="en-US" dirty="0"/>
               <a:t>Lead time</a:t>
             </a:r>
           </a:p>
@@ -7536,9 +11898,10 @@
               <a:buChar char="•"/>
             </a:pPr>
             <a:r>
-              <a:rPr lang="en-US" dirty="0" smtClean="0"/>
+              <a:rPr lang="en-US" dirty="0"/>
               <a:t>Distribution of code only when released/sold to customers (GPL)</a:t>
             </a:r>
+            <a:endParaRPr lang="en-US" dirty="0" smtClean="0"/>
           </a:p>
           <a:p>
             <a:pPr marL="342900" indent="-342900">
@@ -7546,8 +11909,8 @@
               <a:buChar char="•"/>
             </a:pPr>
             <a:r>
-              <a:rPr lang="en-US" dirty="0" smtClean="0"/>
-              <a:t>Software architecture</a:t>
+              <a:rPr lang="en-US" dirty="0"/>
+              <a:t>Release sources only upon request</a:t>
             </a:r>
           </a:p>
           <a:p>
@@ -7556,25 +11919,9 @@
               <a:buChar char="•"/>
             </a:pPr>
             <a:r>
-              <a:rPr lang="en-US" dirty="0" smtClean="0"/>
-              <a:t>Consider all licenses of the reused OSS</a:t>
-            </a:r>
-          </a:p>
-          <a:p>
-            <a:pPr marL="698500" lvl="1" indent="-342900">
-              <a:buFont typeface="Arial"/>
-              <a:buChar char="•"/>
-            </a:pPr>
-            <a:r>
-              <a:rPr lang="en-US" dirty="0" smtClean="0"/>
-              <a:t>Break up system into subsystems (a program in GPL terms)</a:t>
-            </a:r>
-          </a:p>
-          <a:p>
-            <a:pPr marL="698500" lvl="1" indent="-342900">
-              <a:buFont typeface="Arial"/>
-              <a:buChar char="•"/>
-            </a:pPr>
+              <a:rPr lang="en-US" dirty="0"/>
+              <a:t>If no one asks, source code remains “secret”</a:t>
+            </a:r>
             <a:endParaRPr lang="en-US" dirty="0" smtClean="0"/>
           </a:p>
           <a:p>
@@ -7620,6 +11967,13 @@
     <a:masterClrMapping/>
   </p:clrMapOvr>
   <p:transition xmlns:p14="http://schemas.microsoft.com/office/powerpoint/2010/main" spd="slow"/>
+  <p:timing>
+    <p:tnLst>
+      <p:par>
+        <p:cTn xmlns:p14="http://schemas.microsoft.com/office/powerpoint/2010/main" id="1" dur="indefinite" restart="never" nodeType="tmRoot"/>
+      </p:par>
+    </p:tnLst>
+  </p:timing>
 </p:sld>
 </file>
 
@@ -7713,7 +12067,29 @@
                 <a:ea typeface="+mn-ea"/>
                 <a:cs typeface="+mn-cs"/>
               </a:rPr>
-              <a:t> = 35%, min = 1%, </a:t>
+              <a:t> = </a:t>
+            </a:r>
+            <a:r>
+              <a:rPr lang="de-DE" dirty="0" smtClean="0">
+                <a:solidFill>
+                  <a:schemeClr val="tx1"/>
+                </a:solidFill>
+                <a:latin typeface="+mn-lt"/>
+                <a:ea typeface="+mn-ea"/>
+                <a:cs typeface="+mn-cs"/>
+              </a:rPr>
+              <a:t>35, </a:t>
+            </a:r>
+            <a:r>
+              <a:rPr lang="de-DE" dirty="0" smtClean="0">
+                <a:solidFill>
+                  <a:schemeClr val="tx1"/>
+                </a:solidFill>
+                <a:latin typeface="+mn-lt"/>
+                <a:ea typeface="+mn-ea"/>
+                <a:cs typeface="+mn-cs"/>
+              </a:rPr>
+              <a:t>min = 1%, </a:t>
             </a:r>
             <a:r>
               <a:rPr lang="de-DE" dirty="0" err="1" smtClean="0">
@@ -7850,6 +12226,13 @@
     <a:masterClrMapping/>
   </p:clrMapOvr>
   <p:transition xmlns:p14="http://schemas.microsoft.com/office/powerpoint/2010/main" spd="slow"/>
+  <p:timing>
+    <p:tnLst>
+      <p:par>
+        <p:cTn xmlns:p14="http://schemas.microsoft.com/office/powerpoint/2010/main" id="1" dur="indefinite" restart="never" nodeType="tmRoot"/>
+      </p:par>
+    </p:tnLst>
+  </p:timing>
 </p:sld>
 </file>
 
@@ -8102,6 +12485,12 @@
           <a:p>
             <a:endParaRPr lang="en-US" dirty="0"/>
           </a:p>
+          <a:p>
+            <a:endParaRPr lang="en-US" dirty="0" smtClean="0"/>
+          </a:p>
+          <a:p>
+            <a:endParaRPr lang="en-US" dirty="0"/>
+          </a:p>
         </p:txBody>
       </p:sp>
       <p:sp>
@@ -8138,6 +12527,13 @@
     <a:masterClrMapping/>
   </p:clrMapOvr>
   <p:transition xmlns:p14="http://schemas.microsoft.com/office/powerpoint/2010/main" spd="slow"/>
+  <p:timing>
+    <p:tnLst>
+      <p:par>
+        <p:cTn xmlns:p14="http://schemas.microsoft.com/office/powerpoint/2010/main" id="1" dur="indefinite" restart="never" nodeType="tmRoot"/>
+      </p:par>
+    </p:tnLst>
+  </p:timing>
 </p:sld>
 </file>
 
@@ -8324,6 +12720,13 @@
     <a:masterClrMapping/>
   </p:clrMapOvr>
   <p:transition xmlns:p14="http://schemas.microsoft.com/office/powerpoint/2010/main" spd="slow"/>
+  <p:timing>
+    <p:tnLst>
+      <p:par>
+        <p:cTn xmlns:p14="http://schemas.microsoft.com/office/powerpoint/2010/main" id="1" dur="indefinite" restart="never" nodeType="tmRoot"/>
+      </p:par>
+    </p:tnLst>
+  </p:timing>
 </p:sld>
 </file>
 
@@ -8387,36 +12790,79 @@
           <a:bodyPr/>
           <a:lstStyle/>
           <a:p>
+            <a:pPr marL="360000" indent="-457200">
+              <a:spcAft>
+                <a:spcPts val="1200"/>
+              </a:spcAft>
+            </a:pPr>
             <a:r>
               <a:rPr lang="en-US" dirty="0" smtClean="0"/>
               <a:t>DO read the licenses</a:t>
             </a:r>
           </a:p>
           <a:p>
+            <a:pPr marL="360000" indent="-457200">
+              <a:spcAft>
+                <a:spcPts val="1200"/>
+              </a:spcAft>
+            </a:pPr>
             <a:r>
               <a:rPr lang="en-US" dirty="0" smtClean="0"/>
               <a:t>DO identify generic parts</a:t>
             </a:r>
           </a:p>
           <a:p>
+            <a:pPr marL="360000" indent="-457200">
+              <a:spcAft>
+                <a:spcPts val="1200"/>
+              </a:spcAft>
+            </a:pPr>
             <a:r>
               <a:rPr lang="en-US" dirty="0" smtClean="0"/>
-              <a:t>DO improve your architecture for reuse</a:t>
-            </a:r>
-          </a:p>
-          <a:p>
+              <a:t>DO improve your architecture for </a:t>
+            </a:r>
             <a:r>
               <a:rPr lang="en-US" dirty="0" smtClean="0"/>
-              <a:t>DO trust the community</a:t>
-            </a:r>
-          </a:p>
-          <a:p>
+              <a:t>reuse</a:t>
+            </a:r>
+          </a:p>
+          <a:p>
+            <a:pPr marL="360000" indent="-457200">
+              <a:spcAft>
+                <a:spcPts val="1200"/>
+              </a:spcAft>
+            </a:pPr>
             <a:r>
               <a:rPr lang="en-US" dirty="0" smtClean="0"/>
-              <a:t>DO respect its meritocracy</a:t>
-            </a:r>
-          </a:p>
-          <a:p>
+              <a:t>DO give your code an external work-out</a:t>
+            </a:r>
+            <a:endParaRPr lang="en-US" dirty="0" smtClean="0"/>
+          </a:p>
+          <a:p>
+            <a:pPr marL="360000" indent="-457200">
+              <a:spcAft>
+                <a:spcPts val="1200"/>
+              </a:spcAft>
+            </a:pPr>
+            <a:r>
+              <a:rPr lang="en-US" dirty="0" smtClean="0"/>
+              <a:t>DO trust the </a:t>
+            </a:r>
+            <a:r>
+              <a:rPr lang="en-US" dirty="0" smtClean="0"/>
+              <a:t>community and respect </a:t>
+            </a:r>
+            <a:r>
+              <a:rPr lang="en-US" dirty="0" smtClean="0"/>
+              <a:t>its meritocracy</a:t>
+            </a:r>
+          </a:p>
+          <a:p>
+            <a:pPr marL="360000" indent="-457200">
+              <a:spcAft>
+                <a:spcPts val="1200"/>
+              </a:spcAft>
+            </a:pPr>
             <a:r>
               <a:rPr lang="en-US" dirty="0" smtClean="0"/>
               <a:t>DO lead by example</a:t>
@@ -8481,7 +12927,7 @@
         </p:nvSpPr>
         <p:spPr bwMode="auto">
           <a:xfrm>
-            <a:off x="4932040" y="1150938"/>
+            <a:off x="4932040" y="1124744"/>
             <a:ext cx="3888234" cy="5165725"/>
           </a:xfrm>
           <a:prstGeom prst="rect">
@@ -8741,12 +13187,22 @@
             </a:lvl9pPr>
           </a:lstStyle>
           <a:p>
+            <a:pPr marL="360000" indent="-457200">
+              <a:spcAft>
+                <a:spcPts val="1200"/>
+              </a:spcAft>
+            </a:pPr>
             <a:r>
               <a:rPr lang="en-US" dirty="0" smtClean="0"/>
               <a:t>DON’T focus on protection</a:t>
             </a:r>
           </a:p>
           <a:p>
+            <a:pPr marL="360000" indent="-457200">
+              <a:spcAft>
+                <a:spcPts val="1200"/>
+              </a:spcAft>
+            </a:pPr>
             <a:r>
               <a:rPr lang="en-US" dirty="0" smtClean="0"/>
               <a:t>DON</a:t>
@@ -8761,24 +13217,49 @@
             </a:r>
           </a:p>
           <a:p>
+            <a:pPr marL="360000" indent="-457200">
+              <a:spcAft>
+                <a:spcPts val="1200"/>
+              </a:spcAft>
+            </a:pPr>
             <a:r>
               <a:rPr lang="en-US" dirty="0" smtClean="0"/>
-              <a:t>DON’T try to control the community</a:t>
-            </a:r>
-          </a:p>
-          <a:p>
+              <a:t>DON’T try to control the </a:t>
+            </a:r>
+            <a:r>
+              <a:rPr lang="en-US" dirty="0" smtClean="0"/>
+              <a:t>community rather be a steward</a:t>
+            </a:r>
+            <a:endParaRPr lang="en-US" dirty="0" smtClean="0"/>
+          </a:p>
+          <a:p>
+            <a:pPr marL="360000" indent="-457200">
+              <a:spcAft>
+                <a:spcPts val="1200"/>
+              </a:spcAft>
+            </a:pPr>
             <a:r>
               <a:rPr lang="en-US" dirty="0" smtClean="0"/>
               <a:t>DON’T take a project hostage</a:t>
             </a:r>
           </a:p>
           <a:p>
+            <a:pPr marL="360000" indent="-457200">
+              <a:spcAft>
+                <a:spcPts val="1200"/>
+              </a:spcAft>
+            </a:pPr>
             <a:r>
               <a:rPr lang="en-US" dirty="0" smtClean="0"/>
               <a:t>DON’T fork and expect to keep benefiting</a:t>
             </a:r>
           </a:p>
           <a:p>
+            <a:pPr marL="360000" indent="-457200">
+              <a:spcAft>
+                <a:spcPts val="1200"/>
+              </a:spcAft>
+            </a:pPr>
             <a:endParaRPr lang="en-US" dirty="0"/>
           </a:p>
         </p:txBody>
@@ -9399,6 +13880,13 @@
     <a:masterClrMapping/>
   </p:clrMapOvr>
   <p:transition xmlns:p14="http://schemas.microsoft.com/office/powerpoint/2010/main" spd="slow"/>
+  <p:timing>
+    <p:tnLst>
+      <p:par>
+        <p:cTn xmlns:p14="http://schemas.microsoft.com/office/powerpoint/2010/main" id="1" dur="indefinite" restart="never" nodeType="tmRoot"/>
+      </p:par>
+    </p:tnLst>
+  </p:timing>
 </p:sld>
 </file>
 
@@ -9785,6 +14273,199 @@
           <a:p>
             <a:r>
               <a:rPr lang="en-US" dirty="0" smtClean="0"/>
+              <a:t>Investment models</a:t>
+            </a:r>
+            <a:endParaRPr lang="en-US" dirty="0"/>
+          </a:p>
+        </p:txBody>
+      </p:sp>
+      <p:sp>
+        <p:nvSpPr>
+          <p:cNvPr id="3" name="Content Placeholder 2"/>
+          <p:cNvSpPr>
+            <a:spLocks noGrp="1"/>
+          </p:cNvSpPr>
+          <p:nvPr>
+            <p:ph idx="1"/>
+          </p:nvPr>
+        </p:nvSpPr>
+        <p:spPr/>
+        <p:txBody>
+          <a:bodyPr/>
+          <a:lstStyle/>
+          <a:p>
+            <a:pPr marL="285750" indent="-285750">
+              <a:buFont typeface="Arial"/>
+              <a:buChar char="•"/>
+            </a:pPr>
+            <a:r>
+              <a:rPr lang="en-US" b="1" dirty="0" smtClean="0"/>
+              <a:t>Private</a:t>
+            </a:r>
+            <a:r>
+              <a:rPr lang="en-US" dirty="0" smtClean="0"/>
+              <a:t>: invest and create ideas internally, commercialize and protect </a:t>
+            </a:r>
+            <a:r>
+              <a:rPr lang="en-US" dirty="0" smtClean="0"/>
+              <a:t>intellectual property rights</a:t>
+            </a:r>
+            <a:endParaRPr lang="en-US" dirty="0" smtClean="0"/>
+          </a:p>
+          <a:p>
+            <a:pPr marL="285750" indent="-285750">
+              <a:buFont typeface="Arial"/>
+              <a:buChar char="•"/>
+            </a:pPr>
+            <a:r>
+              <a:rPr lang="en-US" b="1" dirty="0" smtClean="0"/>
+              <a:t>Collective</a:t>
+            </a:r>
+            <a:r>
+              <a:rPr lang="en-US" dirty="0" smtClean="0"/>
+              <a:t>: public goods, give and take, public subsidy, non-exclusive</a:t>
+            </a:r>
+          </a:p>
+          <a:p>
+            <a:pPr marL="285750" indent="-285750">
+              <a:buFont typeface="Arial"/>
+              <a:buChar char="•"/>
+            </a:pPr>
+            <a:r>
+              <a:rPr lang="en-US" b="1" dirty="0" smtClean="0"/>
+              <a:t>Private-collective</a:t>
+            </a:r>
+            <a:r>
+              <a:rPr lang="en-US" dirty="0" smtClean="0"/>
+              <a:t>: private resources to create public goods, non-exclusive, IP rights forfeited </a:t>
+            </a:r>
+          </a:p>
+          <a:p>
+            <a:pPr marL="641350" lvl="1" indent="-285750">
+              <a:buFont typeface="Arial"/>
+              <a:buChar char="•"/>
+            </a:pPr>
+            <a:r>
+              <a:rPr lang="en-US" dirty="0" smtClean="0"/>
+              <a:t>Nokia paid open source developers, or hired them</a:t>
+            </a:r>
+          </a:p>
+          <a:p>
+            <a:pPr marL="641350" lvl="1" indent="-285750">
+              <a:buFont typeface="Arial"/>
+              <a:buChar char="•"/>
+            </a:pPr>
+            <a:r>
+              <a:rPr lang="en-US" dirty="0" smtClean="0"/>
+              <a:t>Nokia created a software platform: </a:t>
+            </a:r>
+            <a:r>
+              <a:rPr lang="en-US" dirty="0" err="1" smtClean="0"/>
+              <a:t>Maemo</a:t>
+            </a:r>
+            <a:endParaRPr lang="en-US" dirty="0" smtClean="0"/>
+          </a:p>
+          <a:p>
+            <a:pPr marL="641350" lvl="1" indent="-285750">
+              <a:buFont typeface="Arial"/>
+              <a:buChar char="•"/>
+            </a:pPr>
+            <a:endParaRPr lang="en-US" dirty="0" smtClean="0"/>
+          </a:p>
+          <a:p>
+            <a:pPr marL="285750" indent="-285750">
+              <a:buFont typeface="Arial"/>
+              <a:buChar char="•"/>
+            </a:pPr>
+            <a:endParaRPr lang="en-US" dirty="0" smtClean="0"/>
+          </a:p>
+          <a:p>
+            <a:pPr marL="285750" indent="-285750">
+              <a:buFont typeface="Arial"/>
+              <a:buChar char="•"/>
+            </a:pPr>
+            <a:endParaRPr lang="en-US" dirty="0"/>
+          </a:p>
+        </p:txBody>
+      </p:sp>
+      <p:sp>
+        <p:nvSpPr>
+          <p:cNvPr id="4" name="Footer Placeholder 3"/>
+          <p:cNvSpPr>
+            <a:spLocks noGrp="1"/>
+          </p:cNvSpPr>
+          <p:nvPr>
+            <p:ph type="ftr" sz="quarter" idx="10"/>
+          </p:nvPr>
+        </p:nvSpPr>
+        <p:spPr/>
+        <p:txBody>
+          <a:bodyPr/>
+          <a:lstStyle/>
+          <a:p>
+            <a:r>
+              <a:rPr lang="de-DE" smtClean="0"/>
+              <a:t>Institut für Informatik, FLOSSing proprietary code, 2011-12-08</a:t>
+            </a:r>
+            <a:endParaRPr lang="de-DE" dirty="0"/>
+          </a:p>
+        </p:txBody>
+      </p:sp>
+    </p:spTree>
+    <p:extLst>
+      <p:ext uri="{BB962C8B-B14F-4D97-AF65-F5344CB8AC3E}">
+        <p14:creationId xmlns:p14="http://schemas.microsoft.com/office/powerpoint/2010/main" val="839592461"/>
+      </p:ext>
+    </p:extLst>
+  </p:cSld>
+  <p:clrMapOvr>
+    <a:masterClrMapping/>
+  </p:clrMapOvr>
+  <p:transition xmlns:p14="http://schemas.microsoft.com/office/powerpoint/2010/main" spd="slow"/>
+  <p:timing>
+    <p:tnLst>
+      <p:par>
+        <p:cTn xmlns:p14="http://schemas.microsoft.com/office/powerpoint/2010/main" id="1" dur="indefinite" restart="never" nodeType="tmRoot"/>
+      </p:par>
+    </p:tnLst>
+  </p:timing>
+</p:sld>
+</file>
+
+<file path=ppt/slides/slide4.xml><?xml version="1.0" encoding="utf-8"?>
+<p:sld xmlns:a="http://schemas.openxmlformats.org/drawingml/2006/main" xmlns:r="http://schemas.openxmlformats.org/officeDocument/2006/relationships" xmlns:p="http://schemas.openxmlformats.org/presentationml/2006/main">
+  <p:cSld>
+    <p:spTree>
+      <p:nvGrpSpPr>
+        <p:cNvPr id="1" name=""/>
+        <p:cNvGrpSpPr/>
+        <p:nvPr/>
+      </p:nvGrpSpPr>
+      <p:grpSpPr>
+        <a:xfrm>
+          <a:off x="0" y="0"/>
+          <a:ext cx="0" cy="0"/>
+          <a:chOff x="0" y="0"/>
+          <a:chExt cx="0" cy="0"/>
+        </a:xfrm>
+      </p:grpSpPr>
+      <p:sp>
+        <p:nvSpPr>
+          <p:cNvPr id="2" name="Title 1"/>
+          <p:cNvSpPr>
+            <a:spLocks noGrp="1"/>
+          </p:cNvSpPr>
+          <p:nvPr>
+            <p:ph type="title"/>
+          </p:nvPr>
+        </p:nvSpPr>
+        <p:spPr/>
+        <p:txBody>
+          <a:bodyPr/>
+          <a:lstStyle/>
+          <a:p>
+            <a:r>
+              <a:rPr lang="en-US" dirty="0" smtClean="0"/>
               <a:t>Case Study: “Nokia Internet Tablet”</a:t>
             </a:r>
             <a:endParaRPr lang="en-US" dirty="0"/>
@@ -9958,7 +14639,7 @@
 </p:sld>
 </file>
 
-<file path=ppt/slides/slide4.xml><?xml version="1.0" encoding="utf-8"?>
+<file path=ppt/slides/slide5.xml><?xml version="1.0" encoding="utf-8"?>
 <p:sld xmlns:a="http://schemas.openxmlformats.org/drawingml/2006/main" xmlns:r="http://schemas.openxmlformats.org/officeDocument/2006/relationships" xmlns:p="http://schemas.openxmlformats.org/presentationml/2006/main">
   <p:cSld>
     <p:spTree>
@@ -10009,7 +14690,7 @@
           </p:nvPr>
         </p:nvPicPr>
         <p:blipFill>
-          <a:blip r:embed="rId2">
+          <a:blip r:embed="rId3">
             <a:extLst>
               <a:ext uri="{28A0092B-C50C-407E-A947-70E740481C1C}">
                 <a14:useLocalDpi xmlns:a14="http://schemas.microsoft.com/office/drawing/2010/main" val="0"/>
@@ -10190,194 +14871,6 @@
     <p:extLst>
       <p:ext uri="{BB962C8B-B14F-4D97-AF65-F5344CB8AC3E}">
         <p14:creationId xmlns:p14="http://schemas.microsoft.com/office/powerpoint/2010/main" val="2392811732"/>
-      </p:ext>
-    </p:extLst>
-  </p:cSld>
-  <p:clrMapOvr>
-    <a:masterClrMapping/>
-  </p:clrMapOvr>
-  <p:transition xmlns:p14="http://schemas.microsoft.com/office/powerpoint/2010/main" spd="slow"/>
-  <p:timing>
-    <p:tnLst>
-      <p:par>
-        <p:cTn xmlns:p14="http://schemas.microsoft.com/office/powerpoint/2010/main" id="1" dur="indefinite" restart="never" nodeType="tmRoot"/>
-      </p:par>
-    </p:tnLst>
-  </p:timing>
-</p:sld>
-</file>
-
-<file path=ppt/slides/slide5.xml><?xml version="1.0" encoding="utf-8"?>
-<p:sld xmlns:a="http://schemas.openxmlformats.org/drawingml/2006/main" xmlns:r="http://schemas.openxmlformats.org/officeDocument/2006/relationships" xmlns:p="http://schemas.openxmlformats.org/presentationml/2006/main">
-  <p:cSld>
-    <p:spTree>
-      <p:nvGrpSpPr>
-        <p:cNvPr id="1" name=""/>
-        <p:cNvGrpSpPr/>
-        <p:nvPr/>
-      </p:nvGrpSpPr>
-      <p:grpSpPr>
-        <a:xfrm>
-          <a:off x="0" y="0"/>
-          <a:ext cx="0" cy="0"/>
-          <a:chOff x="0" y="0"/>
-          <a:chExt cx="0" cy="0"/>
-        </a:xfrm>
-      </p:grpSpPr>
-      <p:sp>
-        <p:nvSpPr>
-          <p:cNvPr id="2" name="Title 1"/>
-          <p:cNvSpPr>
-            <a:spLocks noGrp="1"/>
-          </p:cNvSpPr>
-          <p:nvPr>
-            <p:ph type="title"/>
-          </p:nvPr>
-        </p:nvSpPr>
-        <p:spPr/>
-        <p:txBody>
-          <a:bodyPr/>
-          <a:lstStyle/>
-          <a:p>
-            <a:r>
-              <a:rPr lang="en-US" dirty="0" smtClean="0"/>
-              <a:t>Investment models</a:t>
-            </a:r>
-            <a:endParaRPr lang="en-US" dirty="0"/>
-          </a:p>
-        </p:txBody>
-      </p:sp>
-      <p:sp>
-        <p:nvSpPr>
-          <p:cNvPr id="3" name="Content Placeholder 2"/>
-          <p:cNvSpPr>
-            <a:spLocks noGrp="1"/>
-          </p:cNvSpPr>
-          <p:nvPr>
-            <p:ph idx="1"/>
-          </p:nvPr>
-        </p:nvSpPr>
-        <p:spPr/>
-        <p:txBody>
-          <a:bodyPr/>
-          <a:lstStyle/>
-          <a:p>
-            <a:pPr marL="285750" indent="-285750">
-              <a:buFont typeface="Arial"/>
-              <a:buChar char="•"/>
-            </a:pPr>
-            <a:r>
-              <a:rPr lang="en-US" b="1" dirty="0" smtClean="0"/>
-              <a:t>Private</a:t>
-            </a:r>
-            <a:r>
-              <a:rPr lang="en-US" dirty="0" smtClean="0"/>
-              <a:t>: invest and create ideas internally, commercialize and protect IP</a:t>
-            </a:r>
-          </a:p>
-          <a:p>
-            <a:pPr marL="285750" indent="-285750">
-              <a:buFont typeface="Arial"/>
-              <a:buChar char="•"/>
-            </a:pPr>
-            <a:r>
-              <a:rPr lang="en-US" b="1" dirty="0" smtClean="0"/>
-              <a:t>Collective</a:t>
-            </a:r>
-            <a:r>
-              <a:rPr lang="en-US" dirty="0" smtClean="0"/>
-              <a:t>: public goods, give and take, public subsidy, non-exclusive</a:t>
-            </a:r>
-          </a:p>
-          <a:p>
-            <a:pPr marL="285750" indent="-285750">
-              <a:buFont typeface="Arial"/>
-              <a:buChar char="•"/>
-            </a:pPr>
-            <a:r>
-              <a:rPr lang="en-US" b="1" dirty="0" smtClean="0"/>
-              <a:t>Private-collective</a:t>
-            </a:r>
-            <a:r>
-              <a:rPr lang="en-US" dirty="0" smtClean="0"/>
-              <a:t>: private resources to create public goods, non-exclusive, IP rights forfeited </a:t>
-            </a:r>
-          </a:p>
-          <a:p>
-            <a:pPr marL="641350" lvl="1" indent="-285750">
-              <a:buFont typeface="Arial"/>
-              <a:buChar char="•"/>
-            </a:pPr>
-            <a:r>
-              <a:rPr lang="en-US" dirty="0" smtClean="0"/>
-              <a:t>Nokia paid open source developers, or hired them</a:t>
-            </a:r>
-          </a:p>
-          <a:p>
-            <a:pPr marL="641350" lvl="1" indent="-285750">
-              <a:buFont typeface="Arial"/>
-              <a:buChar char="•"/>
-            </a:pPr>
-            <a:r>
-              <a:rPr lang="en-US" dirty="0" smtClean="0"/>
-              <a:t>Nokia created a software platform: </a:t>
-            </a:r>
-            <a:r>
-              <a:rPr lang="en-US" dirty="0" err="1" smtClean="0"/>
-              <a:t>Maemo</a:t>
-            </a:r>
-            <a:endParaRPr lang="en-US" dirty="0" smtClean="0"/>
-          </a:p>
-          <a:p>
-            <a:pPr marL="641350" lvl="1" indent="-285750">
-              <a:buFont typeface="Arial"/>
-              <a:buChar char="•"/>
-            </a:pPr>
-            <a:endParaRPr lang="en-US" dirty="0" smtClean="0"/>
-          </a:p>
-          <a:p>
-            <a:pPr marL="285750" indent="-285750">
-              <a:buFont typeface="Arial"/>
-              <a:buChar char="•"/>
-            </a:pPr>
-            <a:endParaRPr lang="en-US" dirty="0" smtClean="0"/>
-          </a:p>
-          <a:p>
-            <a:pPr marL="285750" indent="-285750">
-              <a:buFont typeface="Arial"/>
-              <a:buChar char="•"/>
-            </a:pPr>
-            <a:endParaRPr lang="en-US" dirty="0"/>
-          </a:p>
-        </p:txBody>
-      </p:sp>
-      <p:sp>
-        <p:nvSpPr>
-          <p:cNvPr id="4" name="Footer Placeholder 3"/>
-          <p:cNvSpPr>
-            <a:spLocks noGrp="1"/>
-          </p:cNvSpPr>
-          <p:nvPr>
-            <p:ph type="ftr" sz="quarter" idx="10"/>
-          </p:nvPr>
-        </p:nvSpPr>
-        <p:spPr/>
-        <p:txBody>
-          <a:bodyPr/>
-          <a:lstStyle/>
-          <a:p>
-            <a:r>
-              <a:rPr lang="de-DE" smtClean="0"/>
-              <a:t>Institut für Informatik, FLOSSing proprietary code, 2011-12-08</a:t>
-            </a:r>
-            <a:endParaRPr lang="de-DE" dirty="0"/>
-          </a:p>
-        </p:txBody>
-      </p:sp>
-    </p:spTree>
-    <p:extLst>
-      <p:ext uri="{BB962C8B-B14F-4D97-AF65-F5344CB8AC3E}">
-        <p14:creationId xmlns:p14="http://schemas.microsoft.com/office/powerpoint/2010/main" val="839592461"/>
       </p:ext>
     </p:extLst>
   </p:cSld>
@@ -10512,7 +15005,6 @@
               <a:rPr lang="en-US" dirty="0" smtClean="0"/>
               <a:t>ystem integrator of loosely coupled component providers</a:t>
             </a:r>
-            <a:endParaRPr lang="en-US" dirty="0" smtClean="0"/>
           </a:p>
           <a:p>
             <a:pPr marL="342900" indent="-342900">
@@ -10531,8 +15023,13 @@
             </a:pPr>
             <a:r>
               <a:rPr lang="en-US" dirty="0" smtClean="0"/>
-              <a:t>Learn while creating something worth sharing</a:t>
-            </a:r>
+              <a:t>Learn while creating something worth </a:t>
+            </a:r>
+            <a:r>
+              <a:rPr lang="en-US" dirty="0" smtClean="0"/>
+              <a:t>sharing</a:t>
+            </a:r>
+            <a:endParaRPr lang="en-US" dirty="0" smtClean="0"/>
           </a:p>
           <a:p>
             <a:pPr marL="698500" lvl="1" indent="-342900">
@@ -10708,8 +15205,13 @@
             </a:pPr>
             <a:r>
               <a:rPr lang="en-US" dirty="0" smtClean="0"/>
-              <a:t>Low entry barrier to participate</a:t>
-            </a:r>
+              <a:t>Low entry barrier to </a:t>
+            </a:r>
+            <a:r>
+              <a:rPr lang="en-US" dirty="0" smtClean="0"/>
+              <a:t>participate, no license fees</a:t>
+            </a:r>
+            <a:endParaRPr lang="en-US" dirty="0" smtClean="0"/>
           </a:p>
           <a:p>
             <a:pPr marL="698500" lvl="1" indent="-342900">
